--- a/Arm hachathon project [自动保存].pptx（副本）.pptx
+++ b/Arm hachathon project [自动保存].pptx（副本）.pptx
@@ -1,35 +1,35 @@
 
 <file path=ppt/presentation.xml><?xml version="1.0" encoding="utf-8"?>
-<p:presentation xmlns:a="http://schemas.openxmlformats.org/drawingml/2006/main" xmlns:r="http://schemas.openxmlformats.org/officeDocument/2006/relationships" xmlns:mc="http://schemas.openxmlformats.org/markup-compatibility/2006" xmlns:mv="urn:schemas-microsoft-com:mac:vml" xmlns:p="http://schemas.openxmlformats.org/presentationml/2006/main" xmlns:c="http://schemas.openxmlformats.org/drawingml/2006/chart" xmlns:dgm="http://schemas.openxmlformats.org/drawingml/2006/diagram" xmlns:o="urn:schemas-microsoft-com:office:office" xmlns:v="urn:schemas-microsoft-com:vml" xmlns:pvml="urn:schemas-microsoft-com:office:powerpoint" xmlns:com="http://schemas.openxmlformats.org/drawingml/2006/compatibility" xmlns:p14="http://schemas.microsoft.com/office/powerpoint/2010/main" xmlns:p15="http://schemas.microsoft.com/office/powerpoint/2012/main" autoCompressPictures="0" embedTrueTypeFonts="1" strictFirstAndLastChars="0" saveSubsetFonts="1">
+<p:presentation xmlns:a="http://schemas.openxmlformats.org/drawingml/2006/main" xmlns:r="http://schemas.openxmlformats.org/officeDocument/2006/relationships" xmlns:p="http://schemas.openxmlformats.org/presentationml/2006/main" strictFirstAndLastChars="0" embedTrueTypeFonts="1" saveSubsetFonts="1" autoCompressPictures="0">
   <p:sldMasterIdLst>
-    <p:sldMasterId id="2147483658" r:id="rId3"/>
+    <p:sldMasterId id="2147483658" r:id="rId1"/>
   </p:sldMasterIdLst>
   <p:notesMasterIdLst>
-    <p:notesMasterId r:id="rId4"/>
+    <p:notesMasterId r:id="rId9"/>
   </p:notesMasterIdLst>
   <p:sldIdLst>
-    <p:sldId id="256" r:id="rId5"/>
-    <p:sldId id="257" r:id="rId6"/>
-    <p:sldId id="258" r:id="rId7"/>
-    <p:sldId id="259" r:id="rId8"/>
-    <p:sldId id="260" r:id="rId9"/>
-    <p:sldId id="261" r:id="rId10"/>
-    <p:sldId id="262" r:id="rId11"/>
+    <p:sldId id="256" r:id="rId2"/>
+    <p:sldId id="257" r:id="rId3"/>
+    <p:sldId id="258" r:id="rId4"/>
+    <p:sldId id="259" r:id="rId5"/>
+    <p:sldId id="260" r:id="rId6"/>
+    <p:sldId id="261" r:id="rId7"/>
+    <p:sldId id="262" r:id="rId8"/>
   </p:sldIdLst>
-  <p:sldSz cy="6858000" cx="9144000"/>
+  <p:sldSz cx="9144000" cy="6858000" type="screen4x3"/>
   <p:notesSz cx="6858000" cy="9144000"/>
   <p:embeddedFontLst>
     <p:embeddedFont>
-      <p:font typeface="Varela Round"/>
-      <p:regular r:id="rId12"/>
+      <p:font typeface="Shadows Into Light" panose="02010600030101010101" charset="0"/>
+      <p:regular r:id="rId10"/>
     </p:embeddedFont>
     <p:embeddedFont>
-      <p:font typeface="Shadows Into Light"/>
-      <p:regular r:id="rId13"/>
+      <p:font typeface="Varela Round" panose="02010600030101010101" charset="-79"/>
+      <p:regular r:id="rId11"/>
     </p:embeddedFont>
   </p:embeddedFontLst>
   <p:defaultTextStyle>
-    <a:defPPr lvl="0" marR="0" rtl="0" algn="l">
+    <a:defPPr marR="0" lvl="0" algn="l" rtl="0">
       <a:lnSpc>
         <a:spcPct val="100000"/>
       </a:lnSpc>
@@ -40,7 +40,7 @@
         <a:spcPts val="0"/>
       </a:spcAft>
     </a:defPPr>
-    <a:lvl1pPr lvl="0" marR="0" rtl="0" algn="l">
+    <a:lvl1pPr marR="0" lvl="0" algn="l" rtl="0">
       <a:lnSpc>
         <a:spcPct val="100000"/>
       </a:lnSpc>
@@ -51,7 +51,7 @@
         <a:spcPts val="0"/>
       </a:spcAft>
       <a:buNone/>
-      <a:defRPr b="0" i="0" sz="1400" u="none" cap="none" strike="noStrike">
+      <a:defRPr sz="1400" b="0" i="0" u="none" strike="noStrike" cap="none">
         <a:solidFill>
           <a:srgbClr val="000000"/>
         </a:solidFill>
@@ -61,7 +61,7 @@
         <a:sym typeface="Arial"/>
       </a:defRPr>
     </a:lvl1pPr>
-    <a:lvl2pPr lvl="1" marR="0" rtl="0" algn="l">
+    <a:lvl2pPr marR="0" lvl="1" algn="l" rtl="0">
       <a:lnSpc>
         <a:spcPct val="100000"/>
       </a:lnSpc>
@@ -72,7 +72,7 @@
         <a:spcPts val="0"/>
       </a:spcAft>
       <a:buNone/>
-      <a:defRPr b="0" i="0" sz="1400" u="none" cap="none" strike="noStrike">
+      <a:defRPr sz="1400" b="0" i="0" u="none" strike="noStrike" cap="none">
         <a:solidFill>
           <a:srgbClr val="000000"/>
         </a:solidFill>
@@ -82,7 +82,7 @@
         <a:sym typeface="Arial"/>
       </a:defRPr>
     </a:lvl2pPr>
-    <a:lvl3pPr lvl="2" marR="0" rtl="0" algn="l">
+    <a:lvl3pPr marR="0" lvl="2" algn="l" rtl="0">
       <a:lnSpc>
         <a:spcPct val="100000"/>
       </a:lnSpc>
@@ -93,7 +93,7 @@
         <a:spcPts val="0"/>
       </a:spcAft>
       <a:buNone/>
-      <a:defRPr b="0" i="0" sz="1400" u="none" cap="none" strike="noStrike">
+      <a:defRPr sz="1400" b="0" i="0" u="none" strike="noStrike" cap="none">
         <a:solidFill>
           <a:srgbClr val="000000"/>
         </a:solidFill>
@@ -103,7 +103,7 @@
         <a:sym typeface="Arial"/>
       </a:defRPr>
     </a:lvl3pPr>
-    <a:lvl4pPr lvl="3" marR="0" rtl="0" algn="l">
+    <a:lvl4pPr marR="0" lvl="3" algn="l" rtl="0">
       <a:lnSpc>
         <a:spcPct val="100000"/>
       </a:lnSpc>
@@ -114,7 +114,7 @@
         <a:spcPts val="0"/>
       </a:spcAft>
       <a:buNone/>
-      <a:defRPr b="0" i="0" sz="1400" u="none" cap="none" strike="noStrike">
+      <a:defRPr sz="1400" b="0" i="0" u="none" strike="noStrike" cap="none">
         <a:solidFill>
           <a:srgbClr val="000000"/>
         </a:solidFill>
@@ -124,7 +124,7 @@
         <a:sym typeface="Arial"/>
       </a:defRPr>
     </a:lvl4pPr>
-    <a:lvl5pPr lvl="4" marR="0" rtl="0" algn="l">
+    <a:lvl5pPr marR="0" lvl="4" algn="l" rtl="0">
       <a:lnSpc>
         <a:spcPct val="100000"/>
       </a:lnSpc>
@@ -135,7 +135,7 @@
         <a:spcPts val="0"/>
       </a:spcAft>
       <a:buNone/>
-      <a:defRPr b="0" i="0" sz="1400" u="none" cap="none" strike="noStrike">
+      <a:defRPr sz="1400" b="0" i="0" u="none" strike="noStrike" cap="none">
         <a:solidFill>
           <a:srgbClr val="000000"/>
         </a:solidFill>
@@ -145,7 +145,7 @@
         <a:sym typeface="Arial"/>
       </a:defRPr>
     </a:lvl5pPr>
-    <a:lvl6pPr lvl="5" marR="0" rtl="0" algn="l">
+    <a:lvl6pPr marR="0" lvl="5" algn="l" rtl="0">
       <a:lnSpc>
         <a:spcPct val="100000"/>
       </a:lnSpc>
@@ -156,7 +156,7 @@
         <a:spcPts val="0"/>
       </a:spcAft>
       <a:buNone/>
-      <a:defRPr b="0" i="0" sz="1400" u="none" cap="none" strike="noStrike">
+      <a:defRPr sz="1400" b="0" i="0" u="none" strike="noStrike" cap="none">
         <a:solidFill>
           <a:srgbClr val="000000"/>
         </a:solidFill>
@@ -166,7 +166,7 @@
         <a:sym typeface="Arial"/>
       </a:defRPr>
     </a:lvl6pPr>
-    <a:lvl7pPr lvl="6" marR="0" rtl="0" algn="l">
+    <a:lvl7pPr marR="0" lvl="6" algn="l" rtl="0">
       <a:lnSpc>
         <a:spcPct val="100000"/>
       </a:lnSpc>
@@ -177,7 +177,7 @@
         <a:spcPts val="0"/>
       </a:spcAft>
       <a:buNone/>
-      <a:defRPr b="0" i="0" sz="1400" u="none" cap="none" strike="noStrike">
+      <a:defRPr sz="1400" b="0" i="0" u="none" strike="noStrike" cap="none">
         <a:solidFill>
           <a:srgbClr val="000000"/>
         </a:solidFill>
@@ -187,7 +187,7 @@
         <a:sym typeface="Arial"/>
       </a:defRPr>
     </a:lvl7pPr>
-    <a:lvl8pPr lvl="7" marR="0" rtl="0" algn="l">
+    <a:lvl8pPr marR="0" lvl="7" algn="l" rtl="0">
       <a:lnSpc>
         <a:spcPct val="100000"/>
       </a:lnSpc>
@@ -198,7 +198,7 @@
         <a:spcPts val="0"/>
       </a:spcAft>
       <a:buNone/>
-      <a:defRPr b="0" i="0" sz="1400" u="none" cap="none" strike="noStrike">
+      <a:defRPr sz="1400" b="0" i="0" u="none" strike="noStrike" cap="none">
         <a:solidFill>
           <a:srgbClr val="000000"/>
         </a:solidFill>
@@ -208,7 +208,7 @@
         <a:sym typeface="Arial"/>
       </a:defRPr>
     </a:lvl8pPr>
-    <a:lvl9pPr lvl="8" marR="0" rtl="0" algn="l">
+    <a:lvl9pPr marR="0" lvl="8" algn="l" rtl="0">
       <a:lnSpc>
         <a:spcPct val="100000"/>
       </a:lnSpc>
@@ -219,7 +219,7 @@
         <a:spcPts val="0"/>
       </a:spcAft>
       <a:buNone/>
-      <a:defRPr b="0" i="0" sz="1400" u="none" cap="none" strike="noStrike">
+      <a:defRPr sz="1400" b="0" i="0" u="none" strike="noStrike" cap="none">
         <a:solidFill>
           <a:srgbClr val="000000"/>
         </a:solidFill>
@@ -233,19 +233,24 @@
 </p:presentation>
 </file>
 
+<file path=ppt/revisionInfo.xml><?xml version="1.0" encoding="utf-8"?>
+<p1510:revInfo xmlns:a="http://schemas.openxmlformats.org/drawingml/2006/main" xmlns:r="http://schemas.openxmlformats.org/officeDocument/2006/relationships" xmlns:p1510="http://schemas.microsoft.com/office/powerpoint/2015/10/main"/>
+</file>
+
 <file path=ppt/notesMasters/notesMaster1.xml><?xml version="1.0" encoding="utf-8"?>
-<p:notesMaster xmlns:a="http://schemas.openxmlformats.org/drawingml/2006/main" xmlns:r="http://schemas.openxmlformats.org/officeDocument/2006/relationships" xmlns:mc="http://schemas.openxmlformats.org/markup-compatibility/2006" xmlns:mv="urn:schemas-microsoft-com:mac:vml" xmlns:p="http://schemas.openxmlformats.org/presentationml/2006/main" xmlns:c="http://schemas.openxmlformats.org/drawingml/2006/chart" xmlns:dgm="http://schemas.openxmlformats.org/drawingml/2006/diagram" xmlns:o="urn:schemas-microsoft-com:office:office" xmlns:v="urn:schemas-microsoft-com:vml" xmlns:pvml="urn:schemas-microsoft-com:office:powerpoint" xmlns:com="http://schemas.openxmlformats.org/drawingml/2006/compatibility" xmlns:p14="http://schemas.microsoft.com/office/powerpoint/2010/main" xmlns:p15="http://schemas.microsoft.com/office/powerpoint/2012/main">
+<p:notesMaster xmlns:a="http://schemas.openxmlformats.org/drawingml/2006/main" xmlns:r="http://schemas.openxmlformats.org/officeDocument/2006/relationships" xmlns:p="http://schemas.openxmlformats.org/presentationml/2006/main">
   <p:cSld>
     <p:bg>
       <p:bgPr>
         <a:solidFill>
           <a:schemeClr val="lt1"/>
         </a:solidFill>
+        <a:effectLst/>
       </p:bgPr>
     </p:bg>
     <p:spTree>
       <p:nvGrpSpPr>
-        <p:cNvPr id="2" name="Shape 2"/>
+        <p:cNvPr id="1" name="Shape 2"/>
         <p:cNvGrpSpPr/>
         <p:nvPr/>
       </p:nvGrpSpPr>
@@ -260,9 +265,11 @@
       <p:sp>
         <p:nvSpPr>
           <p:cNvPr id="3" name="Shape 3"/>
-          <p:cNvSpPr/>
+          <p:cNvSpPr>
+            <a:spLocks noGrp="1" noRot="1" noChangeAspect="1"/>
+          </p:cNvSpPr>
           <p:nvPr>
-            <p:ph idx="2" type="sldImg"/>
+            <p:ph type="sldImg" idx="2"/>
           </p:nvPr>
         </p:nvSpPr>
         <p:spPr>
@@ -271,8 +278,13 @@
             <a:ext cx="4572299" cy="3429000"/>
           </a:xfrm>
           <a:custGeom>
+            <a:avLst/>
+            <a:gdLst/>
+            <a:ahLst/>
+            <a:cxnLst/>
+            <a:rect l="0" t="0" r="0" b="0"/>
             <a:pathLst>
-              <a:path extrusionOk="0" h="120000" w="120000">
+              <a:path w="120000" h="120000" extrusionOk="0">
                 <a:moveTo>
                   <a:pt x="0" y="0"/>
                 </a:moveTo>
@@ -290,23 +302,25 @@
             </a:pathLst>
           </a:custGeom>
           <a:noFill/>
-          <a:ln cap="flat" cmpd="sng" w="9525">
+          <a:ln w="9525" cap="flat" cmpd="sng">
             <a:solidFill>
               <a:srgbClr val="000000"/>
             </a:solidFill>
             <a:prstDash val="solid"/>
             <a:round/>
-            <a:headEnd len="med" w="med" type="none"/>
-            <a:tailEnd len="med" w="med" type="none"/>
+            <a:headEnd type="none" w="med" len="med"/>
+            <a:tailEnd type="none" w="med" len="med"/>
           </a:ln>
         </p:spPr>
       </p:sp>
       <p:sp>
         <p:nvSpPr>
           <p:cNvPr id="4" name="Shape 4"/>
-          <p:cNvSpPr txBox="1"/>
+          <p:cNvSpPr txBox="1">
+            <a:spLocks noGrp="1"/>
+          </p:cNvSpPr>
           <p:nvPr>
-            <p:ph idx="1" type="body"/>
+            <p:ph type="body" idx="1"/>
           </p:nvPr>
         </p:nvSpPr>
         <p:spPr>
@@ -323,15 +337,15 @@
           </a:ln>
         </p:spPr>
         <p:txBody>
-          <a:bodyPr anchorCtr="0" anchor="t" bIns="91425" lIns="91425" rIns="91425" wrap="square" tIns="91425"/>
+          <a:bodyPr wrap="square" lIns="91425" tIns="91425" rIns="91425" bIns="91425" anchor="t" anchorCtr="0"/>
           <a:lstStyle>
-            <a:lvl1pPr indent="0" lvl="0" marL="0" marR="0" rtl="0" algn="l">
+            <a:lvl1pPr marL="0" marR="0" lvl="0" indent="0" algn="l" rtl="0">
               <a:spcBef>
                 <a:spcPts val="0"/>
               </a:spcBef>
               <a:buSzPct val="127272"/>
               <a:buChar char="●"/>
-              <a:defRPr b="0" i="0" sz="1100" u="none" cap="none" strike="noStrike">
+              <a:defRPr sz="1100" b="0" i="0" u="none" strike="noStrike" cap="none">
                 <a:solidFill>
                   <a:schemeClr val="dk1"/>
                 </a:solidFill>
@@ -341,13 +355,13 @@
                 <a:sym typeface="Arial"/>
               </a:defRPr>
             </a:lvl1pPr>
-            <a:lvl2pPr indent="0" lvl="1" marL="457200" marR="0" rtl="0" algn="l">
+            <a:lvl2pPr marL="457200" marR="0" lvl="1" indent="0" algn="l" rtl="0">
               <a:spcBef>
                 <a:spcPts val="0"/>
               </a:spcBef>
               <a:buSzPct val="127272"/>
               <a:buChar char="○"/>
-              <a:defRPr b="0" i="0" sz="1100" u="none" cap="none" strike="noStrike">
+              <a:defRPr sz="1100" b="0" i="0" u="none" strike="noStrike" cap="none">
                 <a:solidFill>
                   <a:schemeClr val="dk1"/>
                 </a:solidFill>
@@ -357,13 +371,13 @@
                 <a:sym typeface="Arial"/>
               </a:defRPr>
             </a:lvl2pPr>
-            <a:lvl3pPr indent="0" lvl="2" marL="914400" marR="0" rtl="0" algn="l">
+            <a:lvl3pPr marL="914400" marR="0" lvl="2" indent="0" algn="l" rtl="0">
               <a:spcBef>
                 <a:spcPts val="0"/>
               </a:spcBef>
               <a:buSzPct val="127272"/>
               <a:buChar char="■"/>
-              <a:defRPr b="0" i="0" sz="1100" u="none" cap="none" strike="noStrike">
+              <a:defRPr sz="1100" b="0" i="0" u="none" strike="noStrike" cap="none">
                 <a:solidFill>
                   <a:schemeClr val="dk1"/>
                 </a:solidFill>
@@ -373,13 +387,13 @@
                 <a:sym typeface="Arial"/>
               </a:defRPr>
             </a:lvl3pPr>
-            <a:lvl4pPr indent="0" lvl="3" marL="1371600" marR="0" rtl="0" algn="l">
+            <a:lvl4pPr marL="1371600" marR="0" lvl="3" indent="0" algn="l" rtl="0">
               <a:spcBef>
                 <a:spcPts val="0"/>
               </a:spcBef>
               <a:buSzPct val="127272"/>
               <a:buChar char="●"/>
-              <a:defRPr b="0" i="0" sz="1100" u="none" cap="none" strike="noStrike">
+              <a:defRPr sz="1100" b="0" i="0" u="none" strike="noStrike" cap="none">
                 <a:solidFill>
                   <a:schemeClr val="dk1"/>
                 </a:solidFill>
@@ -389,13 +403,13 @@
                 <a:sym typeface="Arial"/>
               </a:defRPr>
             </a:lvl4pPr>
-            <a:lvl5pPr indent="0" lvl="4" marL="1828800" marR="0" rtl="0" algn="l">
+            <a:lvl5pPr marL="1828800" marR="0" lvl="4" indent="0" algn="l" rtl="0">
               <a:spcBef>
                 <a:spcPts val="0"/>
               </a:spcBef>
               <a:buSzPct val="127272"/>
               <a:buChar char="○"/>
-              <a:defRPr b="0" i="0" sz="1100" u="none" cap="none" strike="noStrike">
+              <a:defRPr sz="1100" b="0" i="0" u="none" strike="noStrike" cap="none">
                 <a:solidFill>
                   <a:schemeClr val="dk1"/>
                 </a:solidFill>
@@ -405,13 +419,13 @@
                 <a:sym typeface="Arial"/>
               </a:defRPr>
             </a:lvl5pPr>
-            <a:lvl6pPr indent="0" lvl="5" marL="2286000" marR="0" rtl="0" algn="l">
+            <a:lvl6pPr marL="2286000" marR="0" lvl="5" indent="0" algn="l" rtl="0">
               <a:spcBef>
                 <a:spcPts val="0"/>
               </a:spcBef>
               <a:buSzPct val="127272"/>
               <a:buChar char="■"/>
-              <a:defRPr b="0" i="0" sz="1100" u="none" cap="none" strike="noStrike">
+              <a:defRPr sz="1100" b="0" i="0" u="none" strike="noStrike" cap="none">
                 <a:solidFill>
                   <a:schemeClr val="dk1"/>
                 </a:solidFill>
@@ -421,13 +435,13 @@
                 <a:sym typeface="Arial"/>
               </a:defRPr>
             </a:lvl6pPr>
-            <a:lvl7pPr indent="0" lvl="6" marL="2743200" marR="0" rtl="0" algn="l">
+            <a:lvl7pPr marL="2743200" marR="0" lvl="6" indent="0" algn="l" rtl="0">
               <a:spcBef>
                 <a:spcPts val="0"/>
               </a:spcBef>
               <a:buSzPct val="127272"/>
               <a:buChar char="●"/>
-              <a:defRPr b="0" i="0" sz="1100" u="none" cap="none" strike="noStrike">
+              <a:defRPr sz="1100" b="0" i="0" u="none" strike="noStrike" cap="none">
                 <a:solidFill>
                   <a:schemeClr val="dk1"/>
                 </a:solidFill>
@@ -437,13 +451,13 @@
                 <a:sym typeface="Arial"/>
               </a:defRPr>
             </a:lvl7pPr>
-            <a:lvl8pPr indent="0" lvl="7" marL="3200400" marR="0" rtl="0" algn="l">
+            <a:lvl8pPr marL="3200400" marR="0" lvl="7" indent="0" algn="l" rtl="0">
               <a:spcBef>
                 <a:spcPts val="0"/>
               </a:spcBef>
               <a:buSzPct val="127272"/>
               <a:buChar char="○"/>
-              <a:defRPr b="0" i="0" sz="1100" u="none" cap="none" strike="noStrike">
+              <a:defRPr sz="1100" b="0" i="0" u="none" strike="noStrike" cap="none">
                 <a:solidFill>
                   <a:schemeClr val="dk1"/>
                 </a:solidFill>
@@ -453,13 +467,13 @@
                 <a:sym typeface="Arial"/>
               </a:defRPr>
             </a:lvl8pPr>
-            <a:lvl9pPr indent="0" lvl="8" marL="3657600" marR="0" rtl="0" algn="l">
+            <a:lvl9pPr marL="3657600" marR="0" lvl="8" indent="0" algn="l" rtl="0">
               <a:spcBef>
                 <a:spcPts val="0"/>
               </a:spcBef>
               <a:buSzPct val="127272"/>
               <a:buChar char="■"/>
-              <a:defRPr b="0" i="0" sz="1100" u="none" cap="none" strike="noStrike">
+              <a:defRPr sz="1100" b="0" i="0" u="none" strike="noStrike" cap="none">
                 <a:solidFill>
                   <a:schemeClr val="dk1"/>
                 </a:solidFill>
@@ -470,21 +484,115 @@
               </a:defRPr>
             </a:lvl9pPr>
           </a:lstStyle>
-          <a:p/>
+          <a:p>
+            <a:endParaRPr/>
+          </a:p>
         </p:txBody>
       </p:sp>
     </p:spTree>
   </p:cSld>
-  <p:clrMap accent1="accent1" accent2="accent2" accent3="accent3" accent4="accent4" accent5="accent5" accent6="accent6" bg1="lt1" bg2="dk2" tx1="dk1" tx2="lt2" folHlink="folHlink" hlink="hlink"/>
+  <p:clrMap bg1="lt1" tx1="dk1" bg2="dk2" tx2="lt2" accent1="accent1" accent2="accent2" accent3="accent3" accent4="accent4" accent5="accent5" accent6="accent6" hlink="hlink" folHlink="folHlink"/>
+  <p:notesStyle>
+    <a:lvl1pPr marL="0" algn="l" defTabSz="914400" rtl="0" eaLnBrk="1" latinLnBrk="0" hangingPunct="1">
+      <a:defRPr sz="1200" kern="1200">
+        <a:solidFill>
+          <a:schemeClr val="tx1"/>
+        </a:solidFill>
+        <a:latin typeface="+mn-lt"/>
+        <a:ea typeface="+mn-ea"/>
+        <a:cs typeface="+mn-cs"/>
+      </a:defRPr>
+    </a:lvl1pPr>
+    <a:lvl2pPr marL="457200" algn="l" defTabSz="914400" rtl="0" eaLnBrk="1" latinLnBrk="0" hangingPunct="1">
+      <a:defRPr sz="1200" kern="1200">
+        <a:solidFill>
+          <a:schemeClr val="tx1"/>
+        </a:solidFill>
+        <a:latin typeface="+mn-lt"/>
+        <a:ea typeface="+mn-ea"/>
+        <a:cs typeface="+mn-cs"/>
+      </a:defRPr>
+    </a:lvl2pPr>
+    <a:lvl3pPr marL="914400" algn="l" defTabSz="914400" rtl="0" eaLnBrk="1" latinLnBrk="0" hangingPunct="1">
+      <a:defRPr sz="1200" kern="1200">
+        <a:solidFill>
+          <a:schemeClr val="tx1"/>
+        </a:solidFill>
+        <a:latin typeface="+mn-lt"/>
+        <a:ea typeface="+mn-ea"/>
+        <a:cs typeface="+mn-cs"/>
+      </a:defRPr>
+    </a:lvl3pPr>
+    <a:lvl4pPr marL="1371600" algn="l" defTabSz="914400" rtl="0" eaLnBrk="1" latinLnBrk="0" hangingPunct="1">
+      <a:defRPr sz="1200" kern="1200">
+        <a:solidFill>
+          <a:schemeClr val="tx1"/>
+        </a:solidFill>
+        <a:latin typeface="+mn-lt"/>
+        <a:ea typeface="+mn-ea"/>
+        <a:cs typeface="+mn-cs"/>
+      </a:defRPr>
+    </a:lvl4pPr>
+    <a:lvl5pPr marL="1828800" algn="l" defTabSz="914400" rtl="0" eaLnBrk="1" latinLnBrk="0" hangingPunct="1">
+      <a:defRPr sz="1200" kern="1200">
+        <a:solidFill>
+          <a:schemeClr val="tx1"/>
+        </a:solidFill>
+        <a:latin typeface="+mn-lt"/>
+        <a:ea typeface="+mn-ea"/>
+        <a:cs typeface="+mn-cs"/>
+      </a:defRPr>
+    </a:lvl5pPr>
+    <a:lvl6pPr marL="2286000" algn="l" defTabSz="914400" rtl="0" eaLnBrk="1" latinLnBrk="0" hangingPunct="1">
+      <a:defRPr sz="1200" kern="1200">
+        <a:solidFill>
+          <a:schemeClr val="tx1"/>
+        </a:solidFill>
+        <a:latin typeface="+mn-lt"/>
+        <a:ea typeface="+mn-ea"/>
+        <a:cs typeface="+mn-cs"/>
+      </a:defRPr>
+    </a:lvl6pPr>
+    <a:lvl7pPr marL="2743200" algn="l" defTabSz="914400" rtl="0" eaLnBrk="1" latinLnBrk="0" hangingPunct="1">
+      <a:defRPr sz="1200" kern="1200">
+        <a:solidFill>
+          <a:schemeClr val="tx1"/>
+        </a:solidFill>
+        <a:latin typeface="+mn-lt"/>
+        <a:ea typeface="+mn-ea"/>
+        <a:cs typeface="+mn-cs"/>
+      </a:defRPr>
+    </a:lvl7pPr>
+    <a:lvl8pPr marL="3200400" algn="l" defTabSz="914400" rtl="0" eaLnBrk="1" latinLnBrk="0" hangingPunct="1">
+      <a:defRPr sz="1200" kern="1200">
+        <a:solidFill>
+          <a:schemeClr val="tx1"/>
+        </a:solidFill>
+        <a:latin typeface="+mn-lt"/>
+        <a:ea typeface="+mn-ea"/>
+        <a:cs typeface="+mn-cs"/>
+      </a:defRPr>
+    </a:lvl8pPr>
+    <a:lvl9pPr marL="3657600" algn="l" defTabSz="914400" rtl="0" eaLnBrk="1" latinLnBrk="0" hangingPunct="1">
+      <a:defRPr sz="1200" kern="1200">
+        <a:solidFill>
+          <a:schemeClr val="tx1"/>
+        </a:solidFill>
+        <a:latin typeface="+mn-lt"/>
+        <a:ea typeface="+mn-ea"/>
+        <a:cs typeface="+mn-cs"/>
+      </a:defRPr>
+    </a:lvl9pPr>
+  </p:notesStyle>
 </p:notesMaster>
 </file>
 
 <file path=ppt/notesSlides/notesSlide1.xml><?xml version="1.0" encoding="utf-8"?>
-<p:notes xmlns:a="http://schemas.openxmlformats.org/drawingml/2006/main" xmlns:r="http://schemas.openxmlformats.org/officeDocument/2006/relationships" xmlns:mc="http://schemas.openxmlformats.org/markup-compatibility/2006" xmlns:mv="urn:schemas-microsoft-com:mac:vml" xmlns:p="http://schemas.openxmlformats.org/presentationml/2006/main" xmlns:c="http://schemas.openxmlformats.org/drawingml/2006/chart" xmlns:dgm="http://schemas.openxmlformats.org/drawingml/2006/diagram" xmlns:o="urn:schemas-microsoft-com:office:office" xmlns:v="urn:schemas-microsoft-com:vml" xmlns:pvml="urn:schemas-microsoft-com:office:powerpoint" xmlns:com="http://schemas.openxmlformats.org/drawingml/2006/compatibility" xmlns:p14="http://schemas.microsoft.com/office/powerpoint/2010/main" xmlns:p15="http://schemas.microsoft.com/office/powerpoint/2012/main" showMasterPhAnim="0" showMasterSp="0">
+<p:notes xmlns:a="http://schemas.openxmlformats.org/drawingml/2006/main" xmlns:r="http://schemas.openxmlformats.org/officeDocument/2006/relationships" xmlns:p="http://schemas.openxmlformats.org/presentationml/2006/main" showMasterSp="0" showMasterPhAnim="0">
   <p:cSld>
     <p:spTree>
       <p:nvGrpSpPr>
-        <p:cNvPr id="41" name="Shape 41"/>
+        <p:cNvPr id="1" name="Shape 41"/>
         <p:cNvGrpSpPr/>
         <p:nvPr/>
       </p:nvGrpSpPr>
@@ -499,9 +607,11 @@
       <p:sp>
         <p:nvSpPr>
           <p:cNvPr id="42" name="Shape 42"/>
-          <p:cNvSpPr/>
+          <p:cNvSpPr>
+            <a:spLocks noGrp="1" noRot="1" noChangeAspect="1"/>
+          </p:cNvSpPr>
           <p:nvPr>
-            <p:ph idx="2" type="sldImg"/>
+            <p:ph type="sldImg" idx="2"/>
           </p:nvPr>
         </p:nvSpPr>
         <p:spPr>
@@ -510,8 +620,13 @@
             <a:ext cx="4572000" cy="3429000"/>
           </a:xfrm>
           <a:custGeom>
+            <a:avLst/>
+            <a:gdLst/>
+            <a:ahLst/>
+            <a:cxnLst/>
+            <a:rect l="0" t="0" r="0" b="0"/>
             <a:pathLst>
-              <a:path extrusionOk="0" h="120000" w="120000">
+              <a:path w="120000" h="120000" extrusionOk="0">
                 <a:moveTo>
                   <a:pt x="0" y="0"/>
                 </a:moveTo>
@@ -529,23 +644,25 @@
             </a:pathLst>
           </a:custGeom>
           <a:noFill/>
-          <a:ln cap="flat" cmpd="sng" w="9525">
+          <a:ln w="9525" cap="flat" cmpd="sng">
             <a:solidFill>
               <a:srgbClr val="000000"/>
             </a:solidFill>
             <a:prstDash val="solid"/>
             <a:round/>
-            <a:headEnd len="med" w="med" type="none"/>
-            <a:tailEnd len="med" w="med" type="none"/>
+            <a:headEnd type="none" w="med" len="med"/>
+            <a:tailEnd type="none" w="med" len="med"/>
           </a:ln>
         </p:spPr>
       </p:sp>
       <p:sp>
         <p:nvSpPr>
           <p:cNvPr id="43" name="Shape 43"/>
-          <p:cNvSpPr txBox="1"/>
+          <p:cNvSpPr txBox="1">
+            <a:spLocks noGrp="1"/>
+          </p:cNvSpPr>
           <p:nvPr>
-            <p:ph idx="1" type="body"/>
+            <p:ph type="body" idx="1"/>
           </p:nvPr>
         </p:nvSpPr>
         <p:spPr>
@@ -562,12 +679,12 @@
           </a:ln>
         </p:spPr>
         <p:txBody>
-          <a:bodyPr anchorCtr="0" anchor="t" bIns="91425" lIns="91425" rIns="91425" wrap="square" tIns="91425">
+          <a:bodyPr wrap="square" lIns="91425" tIns="91425" rIns="91425" bIns="91425" anchor="t" anchorCtr="0">
             <a:noAutofit/>
           </a:bodyPr>
           <a:lstStyle/>
           <a:p>
-            <a:pPr indent="-69850" lvl="0" marL="0" marR="0" rtl="0" algn="l">
+            <a:pPr marL="0" marR="0" lvl="0" indent="-69850" algn="l" rtl="0">
               <a:spcBef>
                 <a:spcPts val="0"/>
               </a:spcBef>
@@ -578,10 +695,7 @@
               <a:buFont typeface="Arial"/>
               <a:buNone/>
             </a:pPr>
-            <a:r>
-              <a:t/>
-            </a:r>
-            <a:endParaRPr b="0" i="0" sz="1100" u="none" cap="none" strike="noStrike">
+            <a:endParaRPr sz="1100" b="0" i="0" u="none" strike="noStrike" cap="none">
               <a:solidFill>
                 <a:schemeClr val="dk1"/>
               </a:solidFill>
@@ -602,11 +716,11 @@
 </file>
 
 <file path=ppt/notesSlides/notesSlide2.xml><?xml version="1.0" encoding="utf-8"?>
-<p:notes xmlns:a="http://schemas.openxmlformats.org/drawingml/2006/main" xmlns:r="http://schemas.openxmlformats.org/officeDocument/2006/relationships" xmlns:mc="http://schemas.openxmlformats.org/markup-compatibility/2006" xmlns:mv="urn:schemas-microsoft-com:mac:vml" xmlns:p="http://schemas.openxmlformats.org/presentationml/2006/main" xmlns:c="http://schemas.openxmlformats.org/drawingml/2006/chart" xmlns:dgm="http://schemas.openxmlformats.org/drawingml/2006/diagram" xmlns:o="urn:schemas-microsoft-com:office:office" xmlns:v="urn:schemas-microsoft-com:vml" xmlns:pvml="urn:schemas-microsoft-com:office:powerpoint" xmlns:com="http://schemas.openxmlformats.org/drawingml/2006/compatibility" xmlns:p14="http://schemas.microsoft.com/office/powerpoint/2010/main" xmlns:p15="http://schemas.microsoft.com/office/powerpoint/2012/main" showMasterPhAnim="0" showMasterSp="0">
+<p:notes xmlns:a="http://schemas.openxmlformats.org/drawingml/2006/main" xmlns:r="http://schemas.openxmlformats.org/officeDocument/2006/relationships" xmlns:p="http://schemas.openxmlformats.org/presentationml/2006/main" showMasterSp="0" showMasterPhAnim="0">
   <p:cSld>
     <p:spTree>
       <p:nvGrpSpPr>
-        <p:cNvPr id="51" name="Shape 51"/>
+        <p:cNvPr id="1" name="Shape 51"/>
         <p:cNvGrpSpPr/>
         <p:nvPr/>
       </p:nvGrpSpPr>
@@ -621,9 +735,11 @@
       <p:sp>
         <p:nvSpPr>
           <p:cNvPr id="52" name="Shape 52"/>
-          <p:cNvSpPr/>
+          <p:cNvSpPr>
+            <a:spLocks noGrp="1" noRot="1" noChangeAspect="1"/>
+          </p:cNvSpPr>
           <p:nvPr>
-            <p:ph idx="2" type="sldImg"/>
+            <p:ph type="sldImg" idx="2"/>
           </p:nvPr>
         </p:nvSpPr>
         <p:spPr>
@@ -632,8 +748,13 @@
             <a:ext cx="4572000" cy="3429000"/>
           </a:xfrm>
           <a:custGeom>
+            <a:avLst/>
+            <a:gdLst/>
+            <a:ahLst/>
+            <a:cxnLst/>
+            <a:rect l="0" t="0" r="0" b="0"/>
             <a:pathLst>
-              <a:path extrusionOk="0" h="120000" w="120000">
+              <a:path w="120000" h="120000" extrusionOk="0">
                 <a:moveTo>
                   <a:pt x="0" y="0"/>
                 </a:moveTo>
@@ -651,23 +772,25 @@
             </a:pathLst>
           </a:custGeom>
           <a:noFill/>
-          <a:ln cap="flat" cmpd="sng" w="9525">
+          <a:ln w="9525" cap="flat" cmpd="sng">
             <a:solidFill>
               <a:srgbClr val="000000"/>
             </a:solidFill>
             <a:prstDash val="solid"/>
             <a:round/>
-            <a:headEnd len="med" w="med" type="none"/>
-            <a:tailEnd len="med" w="med" type="none"/>
+            <a:headEnd type="none" w="med" len="med"/>
+            <a:tailEnd type="none" w="med" len="med"/>
           </a:ln>
         </p:spPr>
       </p:sp>
       <p:sp>
         <p:nvSpPr>
           <p:cNvPr id="53" name="Shape 53"/>
-          <p:cNvSpPr txBox="1"/>
+          <p:cNvSpPr txBox="1">
+            <a:spLocks noGrp="1"/>
+          </p:cNvSpPr>
           <p:nvPr>
-            <p:ph idx="1" type="body"/>
+            <p:ph type="body" idx="1"/>
           </p:nvPr>
         </p:nvSpPr>
         <p:spPr>
@@ -684,12 +807,12 @@
           </a:ln>
         </p:spPr>
         <p:txBody>
-          <a:bodyPr anchorCtr="0" anchor="t" bIns="91425" lIns="91425" rIns="91425" wrap="square" tIns="91425">
+          <a:bodyPr wrap="square" lIns="91425" tIns="91425" rIns="91425" bIns="91425" anchor="t" anchorCtr="0">
             <a:noAutofit/>
           </a:bodyPr>
           <a:lstStyle/>
           <a:p>
-            <a:pPr indent="-69850" lvl="0" marL="0" marR="0" rtl="0" algn="l">
+            <a:pPr marL="0" marR="0" lvl="0" indent="-69850" algn="l" rtl="0">
               <a:spcBef>
                 <a:spcPts val="0"/>
               </a:spcBef>
@@ -700,10 +823,7 @@
               <a:buFont typeface="Arial"/>
               <a:buNone/>
             </a:pPr>
-            <a:r>
-              <a:t/>
-            </a:r>
-            <a:endParaRPr b="0" i="0" sz="1100" u="none" cap="none" strike="noStrike">
+            <a:endParaRPr sz="1100" b="0" i="0" u="none" strike="noStrike" cap="none">
               <a:solidFill>
                 <a:schemeClr val="dk1"/>
               </a:solidFill>
@@ -724,11 +844,11 @@
 </file>
 
 <file path=ppt/notesSlides/notesSlide3.xml><?xml version="1.0" encoding="utf-8"?>
-<p:notes xmlns:a="http://schemas.openxmlformats.org/drawingml/2006/main" xmlns:r="http://schemas.openxmlformats.org/officeDocument/2006/relationships" xmlns:mc="http://schemas.openxmlformats.org/markup-compatibility/2006" xmlns:mv="urn:schemas-microsoft-com:mac:vml" xmlns:p="http://schemas.openxmlformats.org/presentationml/2006/main" xmlns:c="http://schemas.openxmlformats.org/drawingml/2006/chart" xmlns:dgm="http://schemas.openxmlformats.org/drawingml/2006/diagram" xmlns:o="urn:schemas-microsoft-com:office:office" xmlns:v="urn:schemas-microsoft-com:vml" xmlns:pvml="urn:schemas-microsoft-com:office:powerpoint" xmlns:com="http://schemas.openxmlformats.org/drawingml/2006/compatibility" xmlns:p14="http://schemas.microsoft.com/office/powerpoint/2010/main" xmlns:p15="http://schemas.microsoft.com/office/powerpoint/2012/main" showMasterPhAnim="0" showMasterSp="0">
+<p:notes xmlns:a="http://schemas.openxmlformats.org/drawingml/2006/main" xmlns:r="http://schemas.openxmlformats.org/officeDocument/2006/relationships" xmlns:p="http://schemas.openxmlformats.org/presentationml/2006/main" showMasterSp="0" showMasterPhAnim="0">
   <p:cSld>
     <p:spTree>
       <p:nvGrpSpPr>
-        <p:cNvPr id="59" name="Shape 59"/>
+        <p:cNvPr id="1" name="Shape 59"/>
         <p:cNvGrpSpPr/>
         <p:nvPr/>
       </p:nvGrpSpPr>
@@ -743,9 +863,11 @@
       <p:sp>
         <p:nvSpPr>
           <p:cNvPr id="60" name="Shape 60"/>
-          <p:cNvSpPr/>
+          <p:cNvSpPr>
+            <a:spLocks noGrp="1" noRot="1" noChangeAspect="1"/>
+          </p:cNvSpPr>
           <p:nvPr>
-            <p:ph idx="2" type="sldImg"/>
+            <p:ph type="sldImg" idx="2"/>
           </p:nvPr>
         </p:nvSpPr>
         <p:spPr>
@@ -754,8 +876,13 @@
             <a:ext cx="4572000" cy="3429000"/>
           </a:xfrm>
           <a:custGeom>
+            <a:avLst/>
+            <a:gdLst/>
+            <a:ahLst/>
+            <a:cxnLst/>
+            <a:rect l="0" t="0" r="0" b="0"/>
             <a:pathLst>
-              <a:path extrusionOk="0" h="120000" w="120000">
+              <a:path w="120000" h="120000" extrusionOk="0">
                 <a:moveTo>
                   <a:pt x="0" y="0"/>
                 </a:moveTo>
@@ -773,23 +900,25 @@
             </a:pathLst>
           </a:custGeom>
           <a:noFill/>
-          <a:ln cap="flat" cmpd="sng" w="9525">
+          <a:ln w="9525" cap="flat" cmpd="sng">
             <a:solidFill>
               <a:srgbClr val="000000"/>
             </a:solidFill>
             <a:prstDash val="solid"/>
             <a:round/>
-            <a:headEnd len="med" w="med" type="none"/>
-            <a:tailEnd len="med" w="med" type="none"/>
+            <a:headEnd type="none" w="med" len="med"/>
+            <a:tailEnd type="none" w="med" len="med"/>
           </a:ln>
         </p:spPr>
       </p:sp>
       <p:sp>
         <p:nvSpPr>
           <p:cNvPr id="61" name="Shape 61"/>
-          <p:cNvSpPr txBox="1"/>
+          <p:cNvSpPr txBox="1">
+            <a:spLocks noGrp="1"/>
+          </p:cNvSpPr>
           <p:nvPr>
-            <p:ph idx="1" type="body"/>
+            <p:ph type="body" idx="1"/>
           </p:nvPr>
         </p:nvSpPr>
         <p:spPr>
@@ -806,12 +935,12 @@
           </a:ln>
         </p:spPr>
         <p:txBody>
-          <a:bodyPr anchorCtr="0" anchor="t" bIns="91425" lIns="91425" rIns="91425" wrap="square" tIns="91425">
+          <a:bodyPr wrap="square" lIns="91425" tIns="91425" rIns="91425" bIns="91425" anchor="t" anchorCtr="0">
             <a:noAutofit/>
           </a:bodyPr>
           <a:lstStyle/>
           <a:p>
-            <a:pPr indent="-69850" lvl="0" marL="0" marR="0" rtl="0" algn="l">
+            <a:pPr marL="0" marR="0" lvl="0" indent="-69850" algn="l" rtl="0">
               <a:spcBef>
                 <a:spcPts val="0"/>
               </a:spcBef>
@@ -822,10 +951,7 @@
               <a:buFont typeface="Arial"/>
               <a:buNone/>
             </a:pPr>
-            <a:r>
-              <a:t/>
-            </a:r>
-            <a:endParaRPr b="0" i="0" sz="1100" u="none" cap="none" strike="noStrike">
+            <a:endParaRPr sz="1100" b="0" i="0" u="none" strike="noStrike" cap="none">
               <a:solidFill>
                 <a:schemeClr val="dk1"/>
               </a:solidFill>
@@ -846,11 +972,11 @@
 </file>
 
 <file path=ppt/notesSlides/notesSlide4.xml><?xml version="1.0" encoding="utf-8"?>
-<p:notes xmlns:a="http://schemas.openxmlformats.org/drawingml/2006/main" xmlns:r="http://schemas.openxmlformats.org/officeDocument/2006/relationships" xmlns:mc="http://schemas.openxmlformats.org/markup-compatibility/2006" xmlns:mv="urn:schemas-microsoft-com:mac:vml" xmlns:p="http://schemas.openxmlformats.org/presentationml/2006/main" xmlns:c="http://schemas.openxmlformats.org/drawingml/2006/chart" xmlns:dgm="http://schemas.openxmlformats.org/drawingml/2006/diagram" xmlns:o="urn:schemas-microsoft-com:office:office" xmlns:v="urn:schemas-microsoft-com:vml" xmlns:pvml="urn:schemas-microsoft-com:office:powerpoint" xmlns:com="http://schemas.openxmlformats.org/drawingml/2006/compatibility" xmlns:p14="http://schemas.microsoft.com/office/powerpoint/2010/main" xmlns:p15="http://schemas.microsoft.com/office/powerpoint/2012/main" showMasterPhAnim="0" showMasterSp="0">
+<p:notes xmlns:a="http://schemas.openxmlformats.org/drawingml/2006/main" xmlns:r="http://schemas.openxmlformats.org/officeDocument/2006/relationships" xmlns:p="http://schemas.openxmlformats.org/presentationml/2006/main" showMasterSp="0" showMasterPhAnim="0">
   <p:cSld>
     <p:spTree>
       <p:nvGrpSpPr>
-        <p:cNvPr id="66" name="Shape 66"/>
+        <p:cNvPr id="1" name="Shape 66"/>
         <p:cNvGrpSpPr/>
         <p:nvPr/>
       </p:nvGrpSpPr>
@@ -865,9 +991,11 @@
       <p:sp>
         <p:nvSpPr>
           <p:cNvPr id="67" name="Shape 67"/>
-          <p:cNvSpPr/>
+          <p:cNvSpPr>
+            <a:spLocks noGrp="1" noRot="1" noChangeAspect="1"/>
+          </p:cNvSpPr>
           <p:nvPr>
-            <p:ph idx="2" type="sldImg"/>
+            <p:ph type="sldImg" idx="2"/>
           </p:nvPr>
         </p:nvSpPr>
         <p:spPr>
@@ -876,8 +1004,13 @@
             <a:ext cx="4572000" cy="3429000"/>
           </a:xfrm>
           <a:custGeom>
+            <a:avLst/>
+            <a:gdLst/>
+            <a:ahLst/>
+            <a:cxnLst/>
+            <a:rect l="0" t="0" r="0" b="0"/>
             <a:pathLst>
-              <a:path extrusionOk="0" h="120000" w="120000">
+              <a:path w="120000" h="120000" extrusionOk="0">
                 <a:moveTo>
                   <a:pt x="0" y="0"/>
                 </a:moveTo>
@@ -895,23 +1028,25 @@
             </a:pathLst>
           </a:custGeom>
           <a:noFill/>
-          <a:ln cap="flat" cmpd="sng" w="9525">
+          <a:ln w="9525" cap="flat" cmpd="sng">
             <a:solidFill>
               <a:srgbClr val="000000"/>
             </a:solidFill>
             <a:prstDash val="solid"/>
             <a:round/>
-            <a:headEnd len="med" w="med" type="none"/>
-            <a:tailEnd len="med" w="med" type="none"/>
+            <a:headEnd type="none" w="med" len="med"/>
+            <a:tailEnd type="none" w="med" len="med"/>
           </a:ln>
         </p:spPr>
       </p:sp>
       <p:sp>
         <p:nvSpPr>
           <p:cNvPr id="68" name="Shape 68"/>
-          <p:cNvSpPr txBox="1"/>
+          <p:cNvSpPr txBox="1">
+            <a:spLocks noGrp="1"/>
+          </p:cNvSpPr>
           <p:nvPr>
-            <p:ph idx="1" type="body"/>
+            <p:ph type="body" idx="1"/>
           </p:nvPr>
         </p:nvSpPr>
         <p:spPr>
@@ -928,12 +1063,12 @@
           </a:ln>
         </p:spPr>
         <p:txBody>
-          <a:bodyPr anchorCtr="0" anchor="t" bIns="91425" lIns="91425" rIns="91425" wrap="square" tIns="91425">
+          <a:bodyPr wrap="square" lIns="91425" tIns="91425" rIns="91425" bIns="91425" anchor="t" anchorCtr="0">
             <a:noAutofit/>
           </a:bodyPr>
           <a:lstStyle/>
           <a:p>
-            <a:pPr indent="-69850" lvl="0" marL="0" marR="0" rtl="0" algn="l">
+            <a:pPr marL="0" marR="0" lvl="0" indent="-69850" algn="l" rtl="0">
               <a:spcBef>
                 <a:spcPts val="0"/>
               </a:spcBef>
@@ -944,10 +1079,7 @@
               <a:buFont typeface="Arial"/>
               <a:buNone/>
             </a:pPr>
-            <a:r>
-              <a:t/>
-            </a:r>
-            <a:endParaRPr b="0" i="0" sz="1100" u="none" cap="none" strike="noStrike">
+            <a:endParaRPr sz="1100" b="0" i="0" u="none" strike="noStrike" cap="none">
               <a:solidFill>
                 <a:schemeClr val="dk1"/>
               </a:solidFill>
@@ -968,11 +1100,11 @@
 </file>
 
 <file path=ppt/notesSlides/notesSlide5.xml><?xml version="1.0" encoding="utf-8"?>
-<p:notes xmlns:a="http://schemas.openxmlformats.org/drawingml/2006/main" xmlns:r="http://schemas.openxmlformats.org/officeDocument/2006/relationships" xmlns:mc="http://schemas.openxmlformats.org/markup-compatibility/2006" xmlns:mv="urn:schemas-microsoft-com:mac:vml" xmlns:p="http://schemas.openxmlformats.org/presentationml/2006/main" xmlns:c="http://schemas.openxmlformats.org/drawingml/2006/chart" xmlns:dgm="http://schemas.openxmlformats.org/drawingml/2006/diagram" xmlns:o="urn:schemas-microsoft-com:office:office" xmlns:v="urn:schemas-microsoft-com:vml" xmlns:pvml="urn:schemas-microsoft-com:office:powerpoint" xmlns:com="http://schemas.openxmlformats.org/drawingml/2006/compatibility" xmlns:p14="http://schemas.microsoft.com/office/powerpoint/2010/main" xmlns:p15="http://schemas.microsoft.com/office/powerpoint/2012/main" showMasterPhAnim="0" showMasterSp="0">
+<p:notes xmlns:a="http://schemas.openxmlformats.org/drawingml/2006/main" xmlns:r="http://schemas.openxmlformats.org/officeDocument/2006/relationships" xmlns:p="http://schemas.openxmlformats.org/presentationml/2006/main" showMasterSp="0" showMasterPhAnim="0">
   <p:cSld>
     <p:spTree>
       <p:nvGrpSpPr>
-        <p:cNvPr id="76" name="Shape 76"/>
+        <p:cNvPr id="1" name="Shape 76"/>
         <p:cNvGrpSpPr/>
         <p:nvPr/>
       </p:nvGrpSpPr>
@@ -987,9 +1119,11 @@
       <p:sp>
         <p:nvSpPr>
           <p:cNvPr id="77" name="Shape 77"/>
-          <p:cNvSpPr/>
+          <p:cNvSpPr>
+            <a:spLocks noGrp="1" noRot="1" noChangeAspect="1"/>
+          </p:cNvSpPr>
           <p:nvPr>
-            <p:ph idx="2" type="sldImg"/>
+            <p:ph type="sldImg" idx="2"/>
           </p:nvPr>
         </p:nvSpPr>
         <p:spPr>
@@ -998,8 +1132,13 @@
             <a:ext cx="4572000" cy="3429000"/>
           </a:xfrm>
           <a:custGeom>
+            <a:avLst/>
+            <a:gdLst/>
+            <a:ahLst/>
+            <a:cxnLst/>
+            <a:rect l="0" t="0" r="0" b="0"/>
             <a:pathLst>
-              <a:path extrusionOk="0" h="120000" w="120000">
+              <a:path w="120000" h="120000" extrusionOk="0">
                 <a:moveTo>
                   <a:pt x="0" y="0"/>
                 </a:moveTo>
@@ -1017,23 +1156,25 @@
             </a:pathLst>
           </a:custGeom>
           <a:noFill/>
-          <a:ln cap="flat" cmpd="sng" w="9525">
+          <a:ln w="9525" cap="flat" cmpd="sng">
             <a:solidFill>
               <a:srgbClr val="000000"/>
             </a:solidFill>
             <a:prstDash val="solid"/>
             <a:round/>
-            <a:headEnd len="med" w="med" type="none"/>
-            <a:tailEnd len="med" w="med" type="none"/>
+            <a:headEnd type="none" w="med" len="med"/>
+            <a:tailEnd type="none" w="med" len="med"/>
           </a:ln>
         </p:spPr>
       </p:sp>
       <p:sp>
         <p:nvSpPr>
           <p:cNvPr id="78" name="Shape 78"/>
-          <p:cNvSpPr txBox="1"/>
+          <p:cNvSpPr txBox="1">
+            <a:spLocks noGrp="1"/>
+          </p:cNvSpPr>
           <p:nvPr>
-            <p:ph idx="1" type="body"/>
+            <p:ph type="body" idx="1"/>
           </p:nvPr>
         </p:nvSpPr>
         <p:spPr>
@@ -1050,12 +1191,12 @@
           </a:ln>
         </p:spPr>
         <p:txBody>
-          <a:bodyPr anchorCtr="0" anchor="t" bIns="91425" lIns="91425" rIns="91425" wrap="square" tIns="91425">
+          <a:bodyPr wrap="square" lIns="91425" tIns="91425" rIns="91425" bIns="91425" anchor="t" anchorCtr="0">
             <a:noAutofit/>
           </a:bodyPr>
           <a:lstStyle/>
           <a:p>
-            <a:pPr indent="-69850" lvl="0" marL="0" marR="0" rtl="0" algn="l">
+            <a:pPr marL="0" marR="0" lvl="0" indent="-69850" algn="l" rtl="0">
               <a:spcBef>
                 <a:spcPts val="0"/>
               </a:spcBef>
@@ -1066,10 +1207,7 @@
               <a:buFont typeface="Arial"/>
               <a:buNone/>
             </a:pPr>
-            <a:r>
-              <a:t/>
-            </a:r>
-            <a:endParaRPr b="0" i="0" sz="1100" u="none" cap="none" strike="noStrike">
+            <a:endParaRPr sz="1100" b="0" i="0" u="none" strike="noStrike" cap="none">
               <a:solidFill>
                 <a:schemeClr val="dk1"/>
               </a:solidFill>
@@ -1090,11 +1228,11 @@
 </file>
 
 <file path=ppt/notesSlides/notesSlide6.xml><?xml version="1.0" encoding="utf-8"?>
-<p:notes xmlns:a="http://schemas.openxmlformats.org/drawingml/2006/main" xmlns:r="http://schemas.openxmlformats.org/officeDocument/2006/relationships" xmlns:mc="http://schemas.openxmlformats.org/markup-compatibility/2006" xmlns:mv="urn:schemas-microsoft-com:mac:vml" xmlns:p="http://schemas.openxmlformats.org/presentationml/2006/main" xmlns:c="http://schemas.openxmlformats.org/drawingml/2006/chart" xmlns:dgm="http://schemas.openxmlformats.org/drawingml/2006/diagram" xmlns:o="urn:schemas-microsoft-com:office:office" xmlns:v="urn:schemas-microsoft-com:vml" xmlns:pvml="urn:schemas-microsoft-com:office:powerpoint" xmlns:com="http://schemas.openxmlformats.org/drawingml/2006/compatibility" xmlns:p14="http://schemas.microsoft.com/office/powerpoint/2010/main" xmlns:p15="http://schemas.microsoft.com/office/powerpoint/2012/main" showMasterPhAnim="0" showMasterSp="0">
+<p:notes xmlns:a="http://schemas.openxmlformats.org/drawingml/2006/main" xmlns:r="http://schemas.openxmlformats.org/officeDocument/2006/relationships" xmlns:p="http://schemas.openxmlformats.org/presentationml/2006/main" showMasterSp="0" showMasterPhAnim="0">
   <p:cSld>
     <p:spTree>
       <p:nvGrpSpPr>
-        <p:cNvPr id="85" name="Shape 85"/>
+        <p:cNvPr id="1" name="Shape 85"/>
         <p:cNvGrpSpPr/>
         <p:nvPr/>
       </p:nvGrpSpPr>
@@ -1109,9 +1247,11 @@
       <p:sp>
         <p:nvSpPr>
           <p:cNvPr id="86" name="Shape 86"/>
-          <p:cNvSpPr/>
+          <p:cNvSpPr>
+            <a:spLocks noGrp="1" noRot="1" noChangeAspect="1"/>
+          </p:cNvSpPr>
           <p:nvPr>
-            <p:ph idx="2" type="sldImg"/>
+            <p:ph type="sldImg" idx="2"/>
           </p:nvPr>
         </p:nvSpPr>
         <p:spPr>
@@ -1120,8 +1260,13 @@
             <a:ext cx="4572000" cy="3429000"/>
           </a:xfrm>
           <a:custGeom>
+            <a:avLst/>
+            <a:gdLst/>
+            <a:ahLst/>
+            <a:cxnLst/>
+            <a:rect l="0" t="0" r="0" b="0"/>
             <a:pathLst>
-              <a:path extrusionOk="0" h="120000" w="120000">
+              <a:path w="120000" h="120000" extrusionOk="0">
                 <a:moveTo>
                   <a:pt x="0" y="0"/>
                 </a:moveTo>
@@ -1139,23 +1284,25 @@
             </a:pathLst>
           </a:custGeom>
           <a:noFill/>
-          <a:ln cap="flat" cmpd="sng" w="9525">
+          <a:ln w="9525" cap="flat" cmpd="sng">
             <a:solidFill>
               <a:srgbClr val="000000"/>
             </a:solidFill>
             <a:prstDash val="solid"/>
             <a:round/>
-            <a:headEnd len="med" w="med" type="none"/>
-            <a:tailEnd len="med" w="med" type="none"/>
+            <a:headEnd type="none" w="med" len="med"/>
+            <a:tailEnd type="none" w="med" len="med"/>
           </a:ln>
         </p:spPr>
       </p:sp>
       <p:sp>
         <p:nvSpPr>
           <p:cNvPr id="87" name="Shape 87"/>
-          <p:cNvSpPr txBox="1"/>
+          <p:cNvSpPr txBox="1">
+            <a:spLocks noGrp="1"/>
+          </p:cNvSpPr>
           <p:nvPr>
-            <p:ph idx="1" type="body"/>
+            <p:ph type="body" idx="1"/>
           </p:nvPr>
         </p:nvSpPr>
         <p:spPr>
@@ -1172,12 +1319,12 @@
           </a:ln>
         </p:spPr>
         <p:txBody>
-          <a:bodyPr anchorCtr="0" anchor="t" bIns="91425" lIns="91425" rIns="91425" wrap="square" tIns="91425">
+          <a:bodyPr wrap="square" lIns="91425" tIns="91425" rIns="91425" bIns="91425" anchor="t" anchorCtr="0">
             <a:noAutofit/>
           </a:bodyPr>
           <a:lstStyle/>
           <a:p>
-            <a:pPr indent="-69850" lvl="0" marL="0" marR="0" rtl="0" algn="l">
+            <a:pPr marL="0" marR="0" lvl="0" indent="-69850" algn="l" rtl="0">
               <a:spcBef>
                 <a:spcPts val="0"/>
               </a:spcBef>
@@ -1188,10 +1335,7 @@
               <a:buFont typeface="Arial"/>
               <a:buNone/>
             </a:pPr>
-            <a:r>
-              <a:t/>
-            </a:r>
-            <a:endParaRPr b="0" i="0" sz="1100" u="none" cap="none" strike="noStrike">
+            <a:endParaRPr sz="1100" b="0" i="0" u="none" strike="noStrike" cap="none">
               <a:solidFill>
                 <a:schemeClr val="dk1"/>
               </a:solidFill>
@@ -1212,11 +1356,11 @@
 </file>
 
 <file path=ppt/notesSlides/notesSlide7.xml><?xml version="1.0" encoding="utf-8"?>
-<p:notes xmlns:a="http://schemas.openxmlformats.org/drawingml/2006/main" xmlns:r="http://schemas.openxmlformats.org/officeDocument/2006/relationships" xmlns:mc="http://schemas.openxmlformats.org/markup-compatibility/2006" xmlns:mv="urn:schemas-microsoft-com:mac:vml" xmlns:p="http://schemas.openxmlformats.org/presentationml/2006/main" xmlns:c="http://schemas.openxmlformats.org/drawingml/2006/chart" xmlns:dgm="http://schemas.openxmlformats.org/drawingml/2006/diagram" xmlns:o="urn:schemas-microsoft-com:office:office" xmlns:v="urn:schemas-microsoft-com:vml" xmlns:pvml="urn:schemas-microsoft-com:office:powerpoint" xmlns:com="http://schemas.openxmlformats.org/drawingml/2006/compatibility" xmlns:p14="http://schemas.microsoft.com/office/powerpoint/2010/main" xmlns:p15="http://schemas.microsoft.com/office/powerpoint/2012/main" showMasterPhAnim="0" showMasterSp="0">
+<p:notes xmlns:a="http://schemas.openxmlformats.org/drawingml/2006/main" xmlns:r="http://schemas.openxmlformats.org/officeDocument/2006/relationships" xmlns:p="http://schemas.openxmlformats.org/presentationml/2006/main" showMasterSp="0" showMasterPhAnim="0">
   <p:cSld>
     <p:spTree>
       <p:nvGrpSpPr>
-        <p:cNvPr id="95" name="Shape 95"/>
+        <p:cNvPr id="1" name="Shape 95"/>
         <p:cNvGrpSpPr/>
         <p:nvPr/>
       </p:nvGrpSpPr>
@@ -1231,9 +1375,11 @@
       <p:sp>
         <p:nvSpPr>
           <p:cNvPr id="96" name="Shape 96"/>
-          <p:cNvSpPr/>
+          <p:cNvSpPr>
+            <a:spLocks noGrp="1" noRot="1" noChangeAspect="1"/>
+          </p:cNvSpPr>
           <p:nvPr>
-            <p:ph idx="2" type="sldImg"/>
+            <p:ph type="sldImg" idx="2"/>
           </p:nvPr>
         </p:nvSpPr>
         <p:spPr>
@@ -1242,8 +1388,13 @@
             <a:ext cx="4572000" cy="3429000"/>
           </a:xfrm>
           <a:custGeom>
+            <a:avLst/>
+            <a:gdLst/>
+            <a:ahLst/>
+            <a:cxnLst/>
+            <a:rect l="0" t="0" r="0" b="0"/>
             <a:pathLst>
-              <a:path extrusionOk="0" h="120000" w="120000">
+              <a:path w="120000" h="120000" extrusionOk="0">
                 <a:moveTo>
                   <a:pt x="0" y="0"/>
                 </a:moveTo>
@@ -1261,23 +1412,25 @@
             </a:pathLst>
           </a:custGeom>
           <a:noFill/>
-          <a:ln cap="flat" cmpd="sng" w="9525">
+          <a:ln w="9525" cap="flat" cmpd="sng">
             <a:solidFill>
               <a:srgbClr val="000000"/>
             </a:solidFill>
             <a:prstDash val="solid"/>
             <a:round/>
-            <a:headEnd len="med" w="med" type="none"/>
-            <a:tailEnd len="med" w="med" type="none"/>
+            <a:headEnd type="none" w="med" len="med"/>
+            <a:tailEnd type="none" w="med" len="med"/>
           </a:ln>
         </p:spPr>
       </p:sp>
       <p:sp>
         <p:nvSpPr>
           <p:cNvPr id="97" name="Shape 97"/>
-          <p:cNvSpPr txBox="1"/>
+          <p:cNvSpPr txBox="1">
+            <a:spLocks noGrp="1"/>
+          </p:cNvSpPr>
           <p:nvPr>
-            <p:ph idx="1" type="body"/>
+            <p:ph type="body" idx="1"/>
           </p:nvPr>
         </p:nvSpPr>
         <p:spPr>
@@ -1294,12 +1447,12 @@
           </a:ln>
         </p:spPr>
         <p:txBody>
-          <a:bodyPr anchorCtr="0" anchor="t" bIns="91425" lIns="91425" rIns="91425" wrap="square" tIns="91425">
+          <a:bodyPr wrap="square" lIns="91425" tIns="91425" rIns="91425" bIns="91425" anchor="t" anchorCtr="0">
             <a:noAutofit/>
           </a:bodyPr>
           <a:lstStyle/>
           <a:p>
-            <a:pPr indent="-69850" lvl="0" marL="0" marR="0" rtl="0" algn="l">
+            <a:pPr marL="0" marR="0" lvl="0" indent="-69850" algn="l" rtl="0">
               <a:spcBef>
                 <a:spcPts val="0"/>
               </a:spcBef>
@@ -1310,10 +1463,7 @@
               <a:buFont typeface="Arial"/>
               <a:buNone/>
             </a:pPr>
-            <a:r>
-              <a:t/>
-            </a:r>
-            <a:endParaRPr b="0" i="0" sz="1100" u="none" cap="none" strike="noStrike">
+            <a:endParaRPr sz="1100" b="0" i="0" u="none" strike="noStrike" cap="none">
               <a:solidFill>
                 <a:schemeClr val="dk1"/>
               </a:solidFill>
@@ -1334,7 +1484,7 @@
 </file>
 
 <file path=ppt/slideLayouts/slideLayout1.xml><?xml version="1.0" encoding="utf-8"?>
-<p:sldLayout xmlns:a="http://schemas.openxmlformats.org/drawingml/2006/main" xmlns:r="http://schemas.openxmlformats.org/officeDocument/2006/relationships" xmlns:mc="http://schemas.openxmlformats.org/markup-compatibility/2006" xmlns:mv="urn:schemas-microsoft-com:mac:vml" xmlns:p="http://schemas.openxmlformats.org/presentationml/2006/main" xmlns:c="http://schemas.openxmlformats.org/drawingml/2006/chart" xmlns:dgm="http://schemas.openxmlformats.org/drawingml/2006/diagram" xmlns:o="urn:schemas-microsoft-com:office:office" xmlns:v="urn:schemas-microsoft-com:vml" xmlns:pvml="urn:schemas-microsoft-com:office:powerpoint" xmlns:com="http://schemas.openxmlformats.org/drawingml/2006/compatibility" xmlns:p14="http://schemas.microsoft.com/office/powerpoint/2010/main" xmlns:p15="http://schemas.microsoft.com/office/powerpoint/2012/main" type="title">
+<p:sldLayout xmlns:a="http://schemas.openxmlformats.org/drawingml/2006/main" xmlns:r="http://schemas.openxmlformats.org/officeDocument/2006/relationships" xmlns:p="http://schemas.openxmlformats.org/presentationml/2006/main" type="title">
   <p:cSld name="Title yellow">
     <p:bg>
       <p:bgPr>
@@ -1343,14 +1493,15 @@
             <a:alphaModFix/>
           </a:blip>
           <a:stretch>
-            <a:fillRect b="0" l="0" r="0" t="0"/>
+            <a:fillRect/>
           </a:stretch>
         </a:blipFill>
+        <a:effectLst/>
       </p:bgPr>
     </p:bg>
     <p:spTree>
       <p:nvGrpSpPr>
-        <p:cNvPr id="8" name="Shape 8"/>
+        <p:cNvPr id="1" name="Shape 8"/>
         <p:cNvGrpSpPr/>
         <p:nvPr/>
       </p:nvGrpSpPr>
@@ -1365,7 +1516,9 @@
       <p:sp>
         <p:nvSpPr>
           <p:cNvPr id="9" name="Shape 9"/>
-          <p:cNvSpPr txBox="1"/>
+          <p:cNvSpPr txBox="1">
+            <a:spLocks noGrp="1"/>
+          </p:cNvSpPr>
           <p:nvPr>
             <p:ph type="ctrTitle"/>
           </p:nvPr>
@@ -1384,9 +1537,9 @@
           </a:ln>
         </p:spPr>
         <p:txBody>
-          <a:bodyPr anchorCtr="0" anchor="ctr" bIns="91425" lIns="91425" rIns="91425" wrap="square" tIns="91425"/>
+          <a:bodyPr wrap="square" lIns="91425" tIns="91425" rIns="91425" bIns="91425" anchor="ctr" anchorCtr="0"/>
           <a:lstStyle>
-            <a:lvl1pPr indent="0" lvl="0" marL="0" marR="0" rtl="0" algn="ctr">
+            <a:lvl1pPr marL="0" marR="0" lvl="0" indent="0" algn="ctr" rtl="0">
               <a:lnSpc>
                 <a:spcPct val="100000"/>
               </a:lnSpc>
@@ -1402,7 +1555,7 @@
               <a:buSzPct val="100000"/>
               <a:buFont typeface="Shadows Into Light"/>
               <a:buNone/>
-              <a:defRPr b="0" i="0" sz="6000" u="none" cap="none" strike="noStrike">
+              <a:defRPr sz="6000" b="0" i="0" u="none" strike="noStrike" cap="none">
                 <a:solidFill>
                   <a:srgbClr val="FFFFFF"/>
                 </a:solidFill>
@@ -1412,7 +1565,7 @@
                 <a:sym typeface="Shadows Into Light"/>
               </a:defRPr>
             </a:lvl1pPr>
-            <a:lvl2pPr indent="0" lvl="1" algn="ctr">
+            <a:lvl2pPr lvl="1" indent="0" algn="ctr">
               <a:spcBef>
                 <a:spcPts val="0"/>
               </a:spcBef>
@@ -1432,7 +1585,7 @@
                 <a:sym typeface="Shadows Into Light"/>
               </a:defRPr>
             </a:lvl2pPr>
-            <a:lvl3pPr indent="0" lvl="2" algn="ctr">
+            <a:lvl3pPr lvl="2" indent="0" algn="ctr">
               <a:spcBef>
                 <a:spcPts val="0"/>
               </a:spcBef>
@@ -1452,7 +1605,7 @@
                 <a:sym typeface="Shadows Into Light"/>
               </a:defRPr>
             </a:lvl3pPr>
-            <a:lvl4pPr indent="0" lvl="3" algn="ctr">
+            <a:lvl4pPr lvl="3" indent="0" algn="ctr">
               <a:spcBef>
                 <a:spcPts val="0"/>
               </a:spcBef>
@@ -1472,7 +1625,7 @@
                 <a:sym typeface="Shadows Into Light"/>
               </a:defRPr>
             </a:lvl4pPr>
-            <a:lvl5pPr indent="0" lvl="4" algn="ctr">
+            <a:lvl5pPr lvl="4" indent="0" algn="ctr">
               <a:spcBef>
                 <a:spcPts val="0"/>
               </a:spcBef>
@@ -1492,7 +1645,7 @@
                 <a:sym typeface="Shadows Into Light"/>
               </a:defRPr>
             </a:lvl5pPr>
-            <a:lvl6pPr indent="0" lvl="5" algn="ctr">
+            <a:lvl6pPr lvl="5" indent="0" algn="ctr">
               <a:spcBef>
                 <a:spcPts val="0"/>
               </a:spcBef>
@@ -1512,7 +1665,7 @@
                 <a:sym typeface="Shadows Into Light"/>
               </a:defRPr>
             </a:lvl6pPr>
-            <a:lvl7pPr indent="0" lvl="6" algn="ctr">
+            <a:lvl7pPr lvl="6" indent="0" algn="ctr">
               <a:spcBef>
                 <a:spcPts val="0"/>
               </a:spcBef>
@@ -1532,7 +1685,7 @@
                 <a:sym typeface="Shadows Into Light"/>
               </a:defRPr>
             </a:lvl7pPr>
-            <a:lvl8pPr indent="0" lvl="7" algn="ctr">
+            <a:lvl8pPr lvl="7" indent="0" algn="ctr">
               <a:spcBef>
                 <a:spcPts val="0"/>
               </a:spcBef>
@@ -1552,7 +1705,7 @@
                 <a:sym typeface="Shadows Into Light"/>
               </a:defRPr>
             </a:lvl8pPr>
-            <a:lvl9pPr indent="0" lvl="8" algn="ctr">
+            <a:lvl9pPr lvl="8" indent="0" algn="ctr">
               <a:spcBef>
                 <a:spcPts val="0"/>
               </a:spcBef>
@@ -1573,7 +1726,9 @@
               </a:defRPr>
             </a:lvl9pPr>
           </a:lstStyle>
-          <a:p/>
+          <a:p>
+            <a:endParaRPr/>
+          </a:p>
         </p:txBody>
       </p:sp>
     </p:spTree>
@@ -1585,7 +1740,7 @@
 </file>
 
 <file path=ppt/slideLayouts/slideLayout10.xml><?xml version="1.0" encoding="utf-8"?>
-<p:sldLayout xmlns:a="http://schemas.openxmlformats.org/drawingml/2006/main" xmlns:r="http://schemas.openxmlformats.org/officeDocument/2006/relationships" xmlns:mc="http://schemas.openxmlformats.org/markup-compatibility/2006" xmlns:mv="urn:schemas-microsoft-com:mac:vml" xmlns:p="http://schemas.openxmlformats.org/presentationml/2006/main" xmlns:c="http://schemas.openxmlformats.org/drawingml/2006/chart" xmlns:dgm="http://schemas.openxmlformats.org/drawingml/2006/diagram" xmlns:o="urn:schemas-microsoft-com:office:office" xmlns:v="urn:schemas-microsoft-com:vml" xmlns:pvml="urn:schemas-microsoft-com:office:powerpoint" xmlns:com="http://schemas.openxmlformats.org/drawingml/2006/compatibility" xmlns:p14="http://schemas.microsoft.com/office/powerpoint/2010/main" xmlns:p15="http://schemas.microsoft.com/office/powerpoint/2012/main">
+<p:sldLayout xmlns:a="http://schemas.openxmlformats.org/drawingml/2006/main" xmlns:r="http://schemas.openxmlformats.org/officeDocument/2006/relationships" xmlns:p="http://schemas.openxmlformats.org/presentationml/2006/main">
   <p:cSld name="Title blue">
     <p:bg>
       <p:bgPr>
@@ -1594,14 +1749,15 @@
             <a:alphaModFix/>
           </a:blip>
           <a:stretch>
-            <a:fillRect b="0" l="0" r="0" t="0"/>
+            <a:fillRect/>
           </a:stretch>
         </a:blipFill>
+        <a:effectLst/>
       </p:bgPr>
     </p:bg>
     <p:spTree>
       <p:nvGrpSpPr>
-        <p:cNvPr id="39" name="Shape 39"/>
+        <p:cNvPr id="1" name="Shape 39"/>
         <p:cNvGrpSpPr/>
         <p:nvPr/>
       </p:nvGrpSpPr>
@@ -1616,7 +1772,9 @@
       <p:sp>
         <p:nvSpPr>
           <p:cNvPr id="40" name="Shape 40"/>
-          <p:cNvSpPr txBox="1"/>
+          <p:cNvSpPr txBox="1">
+            <a:spLocks noGrp="1"/>
+          </p:cNvSpPr>
           <p:nvPr>
             <p:ph type="ctrTitle"/>
           </p:nvPr>
@@ -1635,9 +1793,9 @@
           </a:ln>
         </p:spPr>
         <p:txBody>
-          <a:bodyPr anchorCtr="0" anchor="ctr" bIns="91425" lIns="91425" rIns="91425" wrap="square" tIns="91425"/>
+          <a:bodyPr wrap="square" lIns="91425" tIns="91425" rIns="91425" bIns="91425" anchor="ctr" anchorCtr="0"/>
           <a:lstStyle>
-            <a:lvl1pPr indent="0" lvl="0" marL="0" marR="0" rtl="0" algn="ctr">
+            <a:lvl1pPr marL="0" marR="0" lvl="0" indent="0" algn="ctr" rtl="0">
               <a:lnSpc>
                 <a:spcPct val="100000"/>
               </a:lnSpc>
@@ -1653,7 +1811,7 @@
               <a:buSzPct val="100000"/>
               <a:buFont typeface="Shadows Into Light"/>
               <a:buNone/>
-              <a:defRPr b="0" i="0" sz="6000" u="none" cap="none" strike="noStrike">
+              <a:defRPr sz="6000" b="0" i="0" u="none" strike="noStrike" cap="none">
                 <a:solidFill>
                   <a:srgbClr val="FFFFFF"/>
                 </a:solidFill>
@@ -1663,7 +1821,7 @@
                 <a:sym typeface="Shadows Into Light"/>
               </a:defRPr>
             </a:lvl1pPr>
-            <a:lvl2pPr indent="0" lvl="1" rtl="0" algn="ctr">
+            <a:lvl2pPr lvl="1" indent="0" algn="ctr" rtl="0">
               <a:spcBef>
                 <a:spcPts val="0"/>
               </a:spcBef>
@@ -1683,7 +1841,7 @@
                 <a:sym typeface="Shadows Into Light"/>
               </a:defRPr>
             </a:lvl2pPr>
-            <a:lvl3pPr indent="0" lvl="2" rtl="0" algn="ctr">
+            <a:lvl3pPr lvl="2" indent="0" algn="ctr" rtl="0">
               <a:spcBef>
                 <a:spcPts val="0"/>
               </a:spcBef>
@@ -1703,7 +1861,7 @@
                 <a:sym typeface="Shadows Into Light"/>
               </a:defRPr>
             </a:lvl3pPr>
-            <a:lvl4pPr indent="0" lvl="3" rtl="0" algn="ctr">
+            <a:lvl4pPr lvl="3" indent="0" algn="ctr" rtl="0">
               <a:spcBef>
                 <a:spcPts val="0"/>
               </a:spcBef>
@@ -1723,7 +1881,7 @@
                 <a:sym typeface="Shadows Into Light"/>
               </a:defRPr>
             </a:lvl4pPr>
-            <a:lvl5pPr indent="0" lvl="4" rtl="0" algn="ctr">
+            <a:lvl5pPr lvl="4" indent="0" algn="ctr" rtl="0">
               <a:spcBef>
                 <a:spcPts val="0"/>
               </a:spcBef>
@@ -1743,7 +1901,7 @@
                 <a:sym typeface="Shadows Into Light"/>
               </a:defRPr>
             </a:lvl5pPr>
-            <a:lvl6pPr indent="0" lvl="5" rtl="0" algn="ctr">
+            <a:lvl6pPr lvl="5" indent="0" algn="ctr" rtl="0">
               <a:spcBef>
                 <a:spcPts val="0"/>
               </a:spcBef>
@@ -1763,7 +1921,7 @@
                 <a:sym typeface="Shadows Into Light"/>
               </a:defRPr>
             </a:lvl6pPr>
-            <a:lvl7pPr indent="0" lvl="6" rtl="0" algn="ctr">
+            <a:lvl7pPr lvl="6" indent="0" algn="ctr" rtl="0">
               <a:spcBef>
                 <a:spcPts val="0"/>
               </a:spcBef>
@@ -1783,7 +1941,7 @@
                 <a:sym typeface="Shadows Into Light"/>
               </a:defRPr>
             </a:lvl7pPr>
-            <a:lvl8pPr indent="0" lvl="7" rtl="0" algn="ctr">
+            <a:lvl8pPr lvl="7" indent="0" algn="ctr" rtl="0">
               <a:spcBef>
                 <a:spcPts val="0"/>
               </a:spcBef>
@@ -1803,7 +1961,7 @@
                 <a:sym typeface="Shadows Into Light"/>
               </a:defRPr>
             </a:lvl8pPr>
-            <a:lvl9pPr indent="0" lvl="8" rtl="0" algn="ctr">
+            <a:lvl9pPr lvl="8" indent="0" algn="ctr" rtl="0">
               <a:spcBef>
                 <a:spcPts val="0"/>
               </a:spcBef>
@@ -1824,7 +1982,9 @@
               </a:defRPr>
             </a:lvl9pPr>
           </a:lstStyle>
-          <a:p/>
+          <a:p>
+            <a:endParaRPr/>
+          </a:p>
         </p:txBody>
       </p:sp>
     </p:spTree>
@@ -1836,11 +1996,11 @@
 </file>
 
 <file path=ppt/slideLayouts/slideLayout2.xml><?xml version="1.0" encoding="utf-8"?>
-<p:sldLayout xmlns:a="http://schemas.openxmlformats.org/drawingml/2006/main" xmlns:r="http://schemas.openxmlformats.org/officeDocument/2006/relationships" xmlns:mc="http://schemas.openxmlformats.org/markup-compatibility/2006" xmlns:mv="urn:schemas-microsoft-com:mac:vml" xmlns:p="http://schemas.openxmlformats.org/presentationml/2006/main" xmlns:c="http://schemas.openxmlformats.org/drawingml/2006/chart" xmlns:dgm="http://schemas.openxmlformats.org/drawingml/2006/diagram" xmlns:o="urn:schemas-microsoft-com:office:office" xmlns:v="urn:schemas-microsoft-com:vml" xmlns:pvml="urn:schemas-microsoft-com:office:powerpoint" xmlns:com="http://schemas.openxmlformats.org/drawingml/2006/compatibility" xmlns:p14="http://schemas.microsoft.com/office/powerpoint/2010/main" xmlns:p15="http://schemas.microsoft.com/office/powerpoint/2012/main" type="twoColTx">
+<p:sldLayout xmlns:a="http://schemas.openxmlformats.org/drawingml/2006/main" xmlns:r="http://schemas.openxmlformats.org/officeDocument/2006/relationships" xmlns:p="http://schemas.openxmlformats.org/presentationml/2006/main" type="twoColTx">
   <p:cSld name="Title + 2 columns">
     <p:spTree>
       <p:nvGrpSpPr>
-        <p:cNvPr id="10" name="Shape 10"/>
+        <p:cNvPr id="1" name="Shape 10"/>
         <p:cNvGrpSpPr/>
         <p:nvPr/>
       </p:nvGrpSpPr>
@@ -1855,9 +2015,11 @@
       <p:sp>
         <p:nvSpPr>
           <p:cNvPr id="11" name="Shape 11"/>
-          <p:cNvSpPr txBox="1"/>
+          <p:cNvSpPr txBox="1">
+            <a:spLocks noGrp="1"/>
+          </p:cNvSpPr>
           <p:nvPr>
-            <p:ph idx="1" type="body"/>
+            <p:ph type="body" idx="1"/>
           </p:nvPr>
         </p:nvSpPr>
         <p:spPr>
@@ -1874,9 +2036,9 @@
           </a:ln>
         </p:spPr>
         <p:txBody>
-          <a:bodyPr anchorCtr="0" anchor="t" bIns="91425" lIns="91425" rIns="91425" wrap="square" tIns="91425"/>
+          <a:bodyPr wrap="square" lIns="91425" tIns="91425" rIns="91425" bIns="91425" anchor="t" anchorCtr="0"/>
           <a:lstStyle>
-            <a:lvl1pPr indent="114300" lvl="0" marL="0" marR="0" rtl="0" algn="l">
+            <a:lvl1pPr marL="0" marR="0" lvl="0" indent="114300" algn="l" rtl="0">
               <a:lnSpc>
                 <a:spcPct val="100000"/>
               </a:lnSpc>
@@ -1892,7 +2054,7 @@
               <a:buSzPct val="100000"/>
               <a:buFont typeface="Varela Round"/>
               <a:buChar char="▧"/>
-              <a:defRPr b="0" i="0" sz="1800" u="none" cap="none" strike="noStrike">
+              <a:defRPr sz="1800" b="0" i="0" u="none" strike="noStrike" cap="none">
                 <a:solidFill>
                   <a:srgbClr val="505670"/>
                 </a:solidFill>
@@ -1902,7 +2064,7 @@
                 <a:sym typeface="Varela Round"/>
               </a:defRPr>
             </a:lvl1pPr>
-            <a:lvl2pPr indent="0" lvl="1" marL="0" marR="0" rtl="0" algn="l">
+            <a:lvl2pPr marL="0" marR="0" lvl="1" indent="0" algn="l" rtl="0">
               <a:lnSpc>
                 <a:spcPct val="100000"/>
               </a:lnSpc>
@@ -1918,7 +2080,7 @@
               <a:buSzPct val="100000"/>
               <a:buFont typeface="Varela Round"/>
               <a:buNone/>
-              <a:defRPr b="0" i="0" sz="1800" u="none" cap="none" strike="noStrike">
+              <a:defRPr sz="1800" b="0" i="0" u="none" strike="noStrike" cap="none">
                 <a:solidFill>
                   <a:srgbClr val="505670"/>
                 </a:solidFill>
@@ -1928,7 +2090,7 @@
                 <a:sym typeface="Varela Round"/>
               </a:defRPr>
             </a:lvl2pPr>
-            <a:lvl3pPr indent="0" lvl="2" marL="0" marR="0" rtl="0" algn="l">
+            <a:lvl3pPr marL="0" marR="0" lvl="2" indent="0" algn="l" rtl="0">
               <a:lnSpc>
                 <a:spcPct val="100000"/>
               </a:lnSpc>
@@ -1944,7 +2106,7 @@
               <a:buSzPct val="100000"/>
               <a:buFont typeface="Varela Round"/>
               <a:buNone/>
-              <a:defRPr b="0" i="0" sz="1800" u="none" cap="none" strike="noStrike">
+              <a:defRPr sz="1800" b="0" i="0" u="none" strike="noStrike" cap="none">
                 <a:solidFill>
                   <a:srgbClr val="505670"/>
                 </a:solidFill>
@@ -1954,7 +2116,7 @@
                 <a:sym typeface="Varela Round"/>
               </a:defRPr>
             </a:lvl3pPr>
-            <a:lvl4pPr indent="0" lvl="3" marL="0" marR="0" rtl="0" algn="l">
+            <a:lvl4pPr marL="0" marR="0" lvl="3" indent="0" algn="l" rtl="0">
               <a:lnSpc>
                 <a:spcPct val="100000"/>
               </a:lnSpc>
@@ -1970,7 +2132,7 @@
               <a:buSzPct val="100000"/>
               <a:buFont typeface="Varela Round"/>
               <a:buNone/>
-              <a:defRPr b="0" i="0" sz="1600" u="none" cap="none" strike="noStrike">
+              <a:defRPr sz="1600" b="0" i="0" u="none" strike="noStrike" cap="none">
                 <a:solidFill>
                   <a:srgbClr val="505670"/>
                 </a:solidFill>
@@ -1980,7 +2142,7 @@
                 <a:sym typeface="Varela Round"/>
               </a:defRPr>
             </a:lvl4pPr>
-            <a:lvl5pPr indent="0" lvl="4" marL="0" marR="0" rtl="0" algn="l">
+            <a:lvl5pPr marL="0" marR="0" lvl="4" indent="0" algn="l" rtl="0">
               <a:lnSpc>
                 <a:spcPct val="100000"/>
               </a:lnSpc>
@@ -1996,7 +2158,7 @@
               <a:buSzPct val="100000"/>
               <a:buFont typeface="Varela Round"/>
               <a:buNone/>
-              <a:defRPr b="0" i="0" sz="1600" u="none" cap="none" strike="noStrike">
+              <a:defRPr sz="1600" b="0" i="0" u="none" strike="noStrike" cap="none">
                 <a:solidFill>
                   <a:srgbClr val="505670"/>
                 </a:solidFill>
@@ -2006,7 +2168,7 @@
                 <a:sym typeface="Varela Round"/>
               </a:defRPr>
             </a:lvl5pPr>
-            <a:lvl6pPr indent="0" lvl="5" marL="0" marR="0" rtl="0" algn="l">
+            <a:lvl6pPr marL="0" marR="0" lvl="5" indent="0" algn="l" rtl="0">
               <a:lnSpc>
                 <a:spcPct val="100000"/>
               </a:lnSpc>
@@ -2022,7 +2184,7 @@
               <a:buSzPct val="100000"/>
               <a:buFont typeface="Varela Round"/>
               <a:buNone/>
-              <a:defRPr b="0" i="0" sz="1600" u="none" cap="none" strike="noStrike">
+              <a:defRPr sz="1600" b="0" i="0" u="none" strike="noStrike" cap="none">
                 <a:solidFill>
                   <a:srgbClr val="505670"/>
                 </a:solidFill>
@@ -2032,7 +2194,7 @@
                 <a:sym typeface="Varela Round"/>
               </a:defRPr>
             </a:lvl6pPr>
-            <a:lvl7pPr indent="0" lvl="6" marL="0" marR="0" rtl="0" algn="l">
+            <a:lvl7pPr marL="0" marR="0" lvl="6" indent="0" algn="l" rtl="0">
               <a:lnSpc>
                 <a:spcPct val="100000"/>
               </a:lnSpc>
@@ -2048,7 +2210,7 @@
               <a:buSzPct val="100000"/>
               <a:buFont typeface="Varela Round"/>
               <a:buNone/>
-              <a:defRPr b="0" i="0" sz="1600" u="none" cap="none" strike="noStrike">
+              <a:defRPr sz="1600" b="0" i="0" u="none" strike="noStrike" cap="none">
                 <a:solidFill>
                   <a:srgbClr val="505670"/>
                 </a:solidFill>
@@ -2058,7 +2220,7 @@
                 <a:sym typeface="Varela Round"/>
               </a:defRPr>
             </a:lvl7pPr>
-            <a:lvl8pPr indent="0" lvl="7" marL="0" marR="0" rtl="0" algn="l">
+            <a:lvl8pPr marL="0" marR="0" lvl="7" indent="0" algn="l" rtl="0">
               <a:lnSpc>
                 <a:spcPct val="100000"/>
               </a:lnSpc>
@@ -2074,7 +2236,7 @@
               <a:buSzPct val="100000"/>
               <a:buFont typeface="Varela Round"/>
               <a:buNone/>
-              <a:defRPr b="0" i="0" sz="1600" u="none" cap="none" strike="noStrike">
+              <a:defRPr sz="1600" b="0" i="0" u="none" strike="noStrike" cap="none">
                 <a:solidFill>
                   <a:srgbClr val="505670"/>
                 </a:solidFill>
@@ -2084,7 +2246,7 @@
                 <a:sym typeface="Varela Round"/>
               </a:defRPr>
             </a:lvl8pPr>
-            <a:lvl9pPr indent="0" lvl="8" marL="0" marR="0" rtl="0" algn="l">
+            <a:lvl9pPr marL="0" marR="0" lvl="8" indent="0" algn="l" rtl="0">
               <a:lnSpc>
                 <a:spcPct val="100000"/>
               </a:lnSpc>
@@ -2100,7 +2262,7 @@
               <a:buSzPct val="100000"/>
               <a:buFont typeface="Varela Round"/>
               <a:buNone/>
-              <a:defRPr b="0" i="0" sz="1600" u="none" cap="none" strike="noStrike">
+              <a:defRPr sz="1600" b="0" i="0" u="none" strike="noStrike" cap="none">
                 <a:solidFill>
                   <a:srgbClr val="505670"/>
                 </a:solidFill>
@@ -2111,15 +2273,19 @@
               </a:defRPr>
             </a:lvl9pPr>
           </a:lstStyle>
-          <a:p/>
+          <a:p>
+            <a:endParaRPr/>
+          </a:p>
         </p:txBody>
       </p:sp>
       <p:sp>
         <p:nvSpPr>
           <p:cNvPr id="12" name="Shape 12"/>
-          <p:cNvSpPr txBox="1"/>
+          <p:cNvSpPr txBox="1">
+            <a:spLocks noGrp="1"/>
+          </p:cNvSpPr>
           <p:nvPr>
-            <p:ph idx="2" type="body"/>
+            <p:ph type="body" idx="2"/>
           </p:nvPr>
         </p:nvSpPr>
         <p:spPr>
@@ -2136,9 +2302,9 @@
           </a:ln>
         </p:spPr>
         <p:txBody>
-          <a:bodyPr anchorCtr="0" anchor="t" bIns="91425" lIns="91425" rIns="91425" wrap="square" tIns="91425"/>
+          <a:bodyPr wrap="square" lIns="91425" tIns="91425" rIns="91425" bIns="91425" anchor="t" anchorCtr="0"/>
           <a:lstStyle>
-            <a:lvl1pPr indent="114300" lvl="0" marL="0" marR="0" rtl="0" algn="l">
+            <a:lvl1pPr marL="0" marR="0" lvl="0" indent="114300" algn="l" rtl="0">
               <a:lnSpc>
                 <a:spcPct val="100000"/>
               </a:lnSpc>
@@ -2154,7 +2320,7 @@
               <a:buSzPct val="100000"/>
               <a:buFont typeface="Varela Round"/>
               <a:buChar char="▧"/>
-              <a:defRPr b="0" i="0" sz="1800" u="none" cap="none" strike="noStrike">
+              <a:defRPr sz="1800" b="0" i="0" u="none" strike="noStrike" cap="none">
                 <a:solidFill>
                   <a:srgbClr val="505670"/>
                 </a:solidFill>
@@ -2164,7 +2330,7 @@
                 <a:sym typeface="Varela Round"/>
               </a:defRPr>
             </a:lvl1pPr>
-            <a:lvl2pPr indent="0" lvl="1" marL="0" marR="0" rtl="0" algn="l">
+            <a:lvl2pPr marL="0" marR="0" lvl="1" indent="0" algn="l" rtl="0">
               <a:lnSpc>
                 <a:spcPct val="100000"/>
               </a:lnSpc>
@@ -2180,7 +2346,7 @@
               <a:buSzPct val="100000"/>
               <a:buFont typeface="Varela Round"/>
               <a:buNone/>
-              <a:defRPr b="0" i="0" sz="1800" u="none" cap="none" strike="noStrike">
+              <a:defRPr sz="1800" b="0" i="0" u="none" strike="noStrike" cap="none">
                 <a:solidFill>
                   <a:srgbClr val="505670"/>
                 </a:solidFill>
@@ -2190,7 +2356,7 @@
                 <a:sym typeface="Varela Round"/>
               </a:defRPr>
             </a:lvl2pPr>
-            <a:lvl3pPr indent="0" lvl="2" marL="0" marR="0" rtl="0" algn="l">
+            <a:lvl3pPr marL="0" marR="0" lvl="2" indent="0" algn="l" rtl="0">
               <a:lnSpc>
                 <a:spcPct val="100000"/>
               </a:lnSpc>
@@ -2206,7 +2372,7 @@
               <a:buSzPct val="100000"/>
               <a:buFont typeface="Varela Round"/>
               <a:buNone/>
-              <a:defRPr b="0" i="0" sz="1800" u="none" cap="none" strike="noStrike">
+              <a:defRPr sz="1800" b="0" i="0" u="none" strike="noStrike" cap="none">
                 <a:solidFill>
                   <a:srgbClr val="505670"/>
                 </a:solidFill>
@@ -2216,7 +2382,7 @@
                 <a:sym typeface="Varela Round"/>
               </a:defRPr>
             </a:lvl3pPr>
-            <a:lvl4pPr indent="0" lvl="3" marL="0" marR="0" rtl="0" algn="l">
+            <a:lvl4pPr marL="0" marR="0" lvl="3" indent="0" algn="l" rtl="0">
               <a:lnSpc>
                 <a:spcPct val="100000"/>
               </a:lnSpc>
@@ -2232,7 +2398,7 @@
               <a:buSzPct val="100000"/>
               <a:buFont typeface="Varela Round"/>
               <a:buNone/>
-              <a:defRPr b="0" i="0" sz="1600" u="none" cap="none" strike="noStrike">
+              <a:defRPr sz="1600" b="0" i="0" u="none" strike="noStrike" cap="none">
                 <a:solidFill>
                   <a:srgbClr val="505670"/>
                 </a:solidFill>
@@ -2242,7 +2408,7 @@
                 <a:sym typeface="Varela Round"/>
               </a:defRPr>
             </a:lvl4pPr>
-            <a:lvl5pPr indent="0" lvl="4" marL="0" marR="0" rtl="0" algn="l">
+            <a:lvl5pPr marL="0" marR="0" lvl="4" indent="0" algn="l" rtl="0">
               <a:lnSpc>
                 <a:spcPct val="100000"/>
               </a:lnSpc>
@@ -2258,7 +2424,7 @@
               <a:buSzPct val="100000"/>
               <a:buFont typeface="Varela Round"/>
               <a:buNone/>
-              <a:defRPr b="0" i="0" sz="1600" u="none" cap="none" strike="noStrike">
+              <a:defRPr sz="1600" b="0" i="0" u="none" strike="noStrike" cap="none">
                 <a:solidFill>
                   <a:srgbClr val="505670"/>
                 </a:solidFill>
@@ -2268,7 +2434,7 @@
                 <a:sym typeface="Varela Round"/>
               </a:defRPr>
             </a:lvl5pPr>
-            <a:lvl6pPr indent="0" lvl="5" marL="0" marR="0" rtl="0" algn="l">
+            <a:lvl6pPr marL="0" marR="0" lvl="5" indent="0" algn="l" rtl="0">
               <a:lnSpc>
                 <a:spcPct val="100000"/>
               </a:lnSpc>
@@ -2284,7 +2450,7 @@
               <a:buSzPct val="100000"/>
               <a:buFont typeface="Varela Round"/>
               <a:buNone/>
-              <a:defRPr b="0" i="0" sz="1600" u="none" cap="none" strike="noStrike">
+              <a:defRPr sz="1600" b="0" i="0" u="none" strike="noStrike" cap="none">
                 <a:solidFill>
                   <a:srgbClr val="505670"/>
                 </a:solidFill>
@@ -2294,7 +2460,7 @@
                 <a:sym typeface="Varela Round"/>
               </a:defRPr>
             </a:lvl6pPr>
-            <a:lvl7pPr indent="0" lvl="6" marL="0" marR="0" rtl="0" algn="l">
+            <a:lvl7pPr marL="0" marR="0" lvl="6" indent="0" algn="l" rtl="0">
               <a:lnSpc>
                 <a:spcPct val="100000"/>
               </a:lnSpc>
@@ -2310,7 +2476,7 @@
               <a:buSzPct val="100000"/>
               <a:buFont typeface="Varela Round"/>
               <a:buNone/>
-              <a:defRPr b="0" i="0" sz="1600" u="none" cap="none" strike="noStrike">
+              <a:defRPr sz="1600" b="0" i="0" u="none" strike="noStrike" cap="none">
                 <a:solidFill>
                   <a:srgbClr val="505670"/>
                 </a:solidFill>
@@ -2320,7 +2486,7 @@
                 <a:sym typeface="Varela Round"/>
               </a:defRPr>
             </a:lvl7pPr>
-            <a:lvl8pPr indent="0" lvl="7" marL="0" marR="0" rtl="0" algn="l">
+            <a:lvl8pPr marL="0" marR="0" lvl="7" indent="0" algn="l" rtl="0">
               <a:lnSpc>
                 <a:spcPct val="100000"/>
               </a:lnSpc>
@@ -2336,7 +2502,7 @@
               <a:buSzPct val="100000"/>
               <a:buFont typeface="Varela Round"/>
               <a:buNone/>
-              <a:defRPr b="0" i="0" sz="1600" u="none" cap="none" strike="noStrike">
+              <a:defRPr sz="1600" b="0" i="0" u="none" strike="noStrike" cap="none">
                 <a:solidFill>
                   <a:srgbClr val="505670"/>
                 </a:solidFill>
@@ -2346,7 +2512,7 @@
                 <a:sym typeface="Varela Round"/>
               </a:defRPr>
             </a:lvl8pPr>
-            <a:lvl9pPr indent="0" lvl="8" marL="0" marR="0" rtl="0" algn="l">
+            <a:lvl9pPr marL="0" marR="0" lvl="8" indent="0" algn="l" rtl="0">
               <a:lnSpc>
                 <a:spcPct val="100000"/>
               </a:lnSpc>
@@ -2362,7 +2528,7 @@
               <a:buSzPct val="100000"/>
               <a:buFont typeface="Varela Round"/>
               <a:buNone/>
-              <a:defRPr b="0" i="0" sz="1600" u="none" cap="none" strike="noStrike">
+              <a:defRPr sz="1600" b="0" i="0" u="none" strike="noStrike" cap="none">
                 <a:solidFill>
                   <a:srgbClr val="505670"/>
                 </a:solidFill>
@@ -2373,13 +2539,17 @@
               </a:defRPr>
             </a:lvl9pPr>
           </a:lstStyle>
-          <a:p/>
+          <a:p>
+            <a:endParaRPr/>
+          </a:p>
         </p:txBody>
       </p:sp>
       <p:sp>
         <p:nvSpPr>
           <p:cNvPr id="13" name="Shape 13"/>
-          <p:cNvSpPr txBox="1"/>
+          <p:cNvSpPr txBox="1">
+            <a:spLocks noGrp="1"/>
+          </p:cNvSpPr>
           <p:nvPr>
             <p:ph type="title"/>
           </p:nvPr>
@@ -2398,9 +2568,9 @@
           </a:ln>
         </p:spPr>
         <p:txBody>
-          <a:bodyPr anchorCtr="0" anchor="b" bIns="91425" lIns="91425" rIns="91425" wrap="square" tIns="91425"/>
+          <a:bodyPr wrap="square" lIns="91425" tIns="91425" rIns="91425" bIns="91425" anchor="b" anchorCtr="0"/>
           <a:lstStyle>
-            <a:lvl1pPr indent="0" lvl="0" marL="0" marR="0" rtl="0" algn="ctr">
+            <a:lvl1pPr marL="0" marR="0" lvl="0" indent="0" algn="ctr" rtl="0">
               <a:lnSpc>
                 <a:spcPct val="100000"/>
               </a:lnSpc>
@@ -2416,7 +2586,7 @@
               <a:buSzPct val="100000"/>
               <a:buFont typeface="Shadows Into Light"/>
               <a:buNone/>
-              <a:defRPr b="0" i="0" sz="3000" u="none" cap="none" strike="noStrike">
+              <a:defRPr sz="3000" b="0" i="0" u="none" strike="noStrike" cap="none">
                 <a:solidFill>
                   <a:srgbClr val="979CB8"/>
                 </a:solidFill>
@@ -2426,7 +2596,7 @@
                 <a:sym typeface="Shadows Into Light"/>
               </a:defRPr>
             </a:lvl1pPr>
-            <a:lvl2pPr indent="0" lvl="1" rtl="0" algn="ctr">
+            <a:lvl2pPr lvl="1" indent="0" algn="ctr" rtl="0">
               <a:spcBef>
                 <a:spcPts val="0"/>
               </a:spcBef>
@@ -2446,7 +2616,7 @@
                 <a:sym typeface="Shadows Into Light"/>
               </a:defRPr>
             </a:lvl2pPr>
-            <a:lvl3pPr indent="0" lvl="2" rtl="0" algn="ctr">
+            <a:lvl3pPr lvl="2" indent="0" algn="ctr" rtl="0">
               <a:spcBef>
                 <a:spcPts val="0"/>
               </a:spcBef>
@@ -2466,7 +2636,7 @@
                 <a:sym typeface="Shadows Into Light"/>
               </a:defRPr>
             </a:lvl3pPr>
-            <a:lvl4pPr indent="0" lvl="3" rtl="0" algn="ctr">
+            <a:lvl4pPr lvl="3" indent="0" algn="ctr" rtl="0">
               <a:spcBef>
                 <a:spcPts val="0"/>
               </a:spcBef>
@@ -2486,7 +2656,7 @@
                 <a:sym typeface="Shadows Into Light"/>
               </a:defRPr>
             </a:lvl4pPr>
-            <a:lvl5pPr indent="0" lvl="4" rtl="0" algn="ctr">
+            <a:lvl5pPr lvl="4" indent="0" algn="ctr" rtl="0">
               <a:spcBef>
                 <a:spcPts val="0"/>
               </a:spcBef>
@@ -2506,7 +2676,7 @@
                 <a:sym typeface="Shadows Into Light"/>
               </a:defRPr>
             </a:lvl5pPr>
-            <a:lvl6pPr indent="0" lvl="5" rtl="0" algn="ctr">
+            <a:lvl6pPr lvl="5" indent="0" algn="ctr" rtl="0">
               <a:spcBef>
                 <a:spcPts val="0"/>
               </a:spcBef>
@@ -2526,7 +2696,7 @@
                 <a:sym typeface="Shadows Into Light"/>
               </a:defRPr>
             </a:lvl6pPr>
-            <a:lvl7pPr indent="0" lvl="6" rtl="0" algn="ctr">
+            <a:lvl7pPr lvl="6" indent="0" algn="ctr" rtl="0">
               <a:spcBef>
                 <a:spcPts val="0"/>
               </a:spcBef>
@@ -2546,7 +2716,7 @@
                 <a:sym typeface="Shadows Into Light"/>
               </a:defRPr>
             </a:lvl7pPr>
-            <a:lvl8pPr indent="0" lvl="7" rtl="0" algn="ctr">
+            <a:lvl8pPr lvl="7" indent="0" algn="ctr" rtl="0">
               <a:spcBef>
                 <a:spcPts val="0"/>
               </a:spcBef>
@@ -2566,7 +2736,7 @@
                 <a:sym typeface="Shadows Into Light"/>
               </a:defRPr>
             </a:lvl8pPr>
-            <a:lvl9pPr indent="0" lvl="8" rtl="0" algn="ctr">
+            <a:lvl9pPr lvl="8" indent="0" algn="ctr" rtl="0">
               <a:spcBef>
                 <a:spcPts val="0"/>
               </a:spcBef>
@@ -2587,7 +2757,9 @@
               </a:defRPr>
             </a:lvl9pPr>
           </a:lstStyle>
-          <a:p/>
+          <a:p>
+            <a:endParaRPr/>
+          </a:p>
         </p:txBody>
       </p:sp>
       <p:sp>
@@ -2602,8 +2774,13 @@
             <a:ext cx="3060325" cy="15325"/>
           </a:xfrm>
           <a:custGeom>
+            <a:avLst/>
+            <a:gdLst/>
+            <a:ahLst/>
+            <a:cxnLst/>
+            <a:rect l="0" t="0" r="0" b="0"/>
             <a:pathLst>
-              <a:path extrusionOk="0" h="120000" w="120000">
+              <a:path w="120000" h="120000" extrusionOk="0">
                 <a:moveTo>
                   <a:pt x="0" y="62055"/>
                 </a:moveTo>
@@ -2616,18 +2793,18 @@
             </a:pathLst>
           </a:custGeom>
           <a:noFill/>
-          <a:ln cap="flat" cmpd="sng" w="9525">
+          <a:ln w="9525" cap="flat" cmpd="sng">
             <a:solidFill>
               <a:srgbClr val="979CB8"/>
             </a:solidFill>
             <a:prstDash val="solid"/>
             <a:round/>
-            <a:headEnd len="med" w="med" type="none"/>
-            <a:tailEnd len="med" w="med" type="none"/>
+            <a:headEnd type="none" w="med" len="med"/>
+            <a:tailEnd type="none" w="med" len="med"/>
           </a:ln>
         </p:spPr>
         <p:txBody>
-          <a:bodyPr anchorCtr="0" anchor="ctr" bIns="91425" lIns="91425" rIns="91425" wrap="square" tIns="91425">
+          <a:bodyPr wrap="square" lIns="91425" tIns="91425" rIns="91425" bIns="91425" anchor="ctr" anchorCtr="0">
             <a:noAutofit/>
           </a:bodyPr>
           <a:lstStyle/>
@@ -2638,9 +2815,6 @@
               </a:spcBef>
               <a:buNone/>
             </a:pPr>
-            <a:r>
-              <a:t/>
-            </a:r>
             <a:endParaRPr/>
           </a:p>
         </p:txBody>
@@ -2657,8 +2831,13 @@
             <a:ext cx="3226850" cy="15875"/>
           </a:xfrm>
           <a:custGeom>
+            <a:avLst/>
+            <a:gdLst/>
+            <a:ahLst/>
+            <a:cxnLst/>
+            <a:rect l="0" t="0" r="0" b="0"/>
             <a:pathLst>
-              <a:path extrusionOk="0" h="120000" w="120000">
+              <a:path w="120000" h="120000" extrusionOk="0">
                 <a:moveTo>
                   <a:pt x="0" y="0"/>
                 </a:moveTo>
@@ -2671,18 +2850,18 @@
             </a:pathLst>
           </a:custGeom>
           <a:noFill/>
-          <a:ln cap="flat" cmpd="sng" w="9525">
+          <a:ln w="9525" cap="flat" cmpd="sng">
             <a:solidFill>
               <a:srgbClr val="979CB8"/>
             </a:solidFill>
             <a:prstDash val="solid"/>
             <a:round/>
-            <a:headEnd len="med" w="med" type="none"/>
-            <a:tailEnd len="med" w="med" type="none"/>
+            <a:headEnd type="none" w="med" len="med"/>
+            <a:tailEnd type="none" w="med" len="med"/>
           </a:ln>
         </p:spPr>
         <p:txBody>
-          <a:bodyPr anchorCtr="0" anchor="ctr" bIns="91425" lIns="91425" rIns="91425" wrap="square" tIns="91425">
+          <a:bodyPr wrap="square" lIns="91425" tIns="91425" rIns="91425" bIns="91425" anchor="ctr" anchorCtr="0">
             <a:noAutofit/>
           </a:bodyPr>
           <a:lstStyle/>
@@ -2693,9 +2872,6 @@
               </a:spcBef>
               <a:buNone/>
             </a:pPr>
-            <a:r>
-              <a:t/>
-            </a:r>
             <a:endParaRPr/>
           </a:p>
         </p:txBody>
@@ -2709,7 +2885,7 @@
 </file>
 
 <file path=ppt/slideLayouts/slideLayout3.xml><?xml version="1.0" encoding="utf-8"?>
-<p:sldLayout xmlns:a="http://schemas.openxmlformats.org/drawingml/2006/main" xmlns:r="http://schemas.openxmlformats.org/officeDocument/2006/relationships" xmlns:mc="http://schemas.openxmlformats.org/markup-compatibility/2006" xmlns:mv="urn:schemas-microsoft-com:mac:vml" xmlns:p="http://schemas.openxmlformats.org/presentationml/2006/main" xmlns:c="http://schemas.openxmlformats.org/drawingml/2006/chart" xmlns:dgm="http://schemas.openxmlformats.org/drawingml/2006/diagram" xmlns:o="urn:schemas-microsoft-com:office:office" xmlns:v="urn:schemas-microsoft-com:vml" xmlns:pvml="urn:schemas-microsoft-com:office:powerpoint" xmlns:com="http://schemas.openxmlformats.org/drawingml/2006/compatibility" xmlns:p14="http://schemas.microsoft.com/office/powerpoint/2010/main" xmlns:p15="http://schemas.microsoft.com/office/powerpoint/2012/main">
+<p:sldLayout xmlns:a="http://schemas.openxmlformats.org/drawingml/2006/main" xmlns:r="http://schemas.openxmlformats.org/officeDocument/2006/relationships" xmlns:p="http://schemas.openxmlformats.org/presentationml/2006/main">
   <p:cSld name="Blank green">
     <p:bg>
       <p:bgPr>
@@ -2718,14 +2894,15 @@
             <a:alphaModFix/>
           </a:blip>
           <a:stretch>
-            <a:fillRect b="0" l="0" r="0" t="0"/>
+            <a:fillRect/>
           </a:stretch>
         </a:blipFill>
+        <a:effectLst/>
       </p:bgPr>
     </p:bg>
     <p:spTree>
       <p:nvGrpSpPr>
-        <p:cNvPr id="16" name="Shape 16"/>
+        <p:cNvPr id="1" name="Shape 16"/>
         <p:cNvGrpSpPr/>
         <p:nvPr/>
       </p:nvGrpSpPr>
@@ -2746,11 +2923,11 @@
 </file>
 
 <file path=ppt/slideLayouts/slideLayout4.xml><?xml version="1.0" encoding="utf-8"?>
-<p:sldLayout xmlns:a="http://schemas.openxmlformats.org/drawingml/2006/main" xmlns:r="http://schemas.openxmlformats.org/officeDocument/2006/relationships" xmlns:mc="http://schemas.openxmlformats.org/markup-compatibility/2006" xmlns:mv="urn:schemas-microsoft-com:mac:vml" xmlns:p="http://schemas.openxmlformats.org/presentationml/2006/main" xmlns:c="http://schemas.openxmlformats.org/drawingml/2006/chart" xmlns:dgm="http://schemas.openxmlformats.org/drawingml/2006/diagram" xmlns:o="urn:schemas-microsoft-com:office:office" xmlns:v="urn:schemas-microsoft-com:vml" xmlns:pvml="urn:schemas-microsoft-com:office:powerpoint" xmlns:com="http://schemas.openxmlformats.org/drawingml/2006/compatibility" xmlns:p14="http://schemas.microsoft.com/office/powerpoint/2010/main" xmlns:p15="http://schemas.microsoft.com/office/powerpoint/2012/main">
+<p:sldLayout xmlns:a="http://schemas.openxmlformats.org/drawingml/2006/main" xmlns:r="http://schemas.openxmlformats.org/officeDocument/2006/relationships" xmlns:p="http://schemas.openxmlformats.org/presentationml/2006/main">
   <p:cSld name="Quote">
     <p:spTree>
       <p:nvGrpSpPr>
-        <p:cNvPr id="17" name="Shape 17"/>
+        <p:cNvPr id="1" name="Shape 17"/>
         <p:cNvGrpSpPr/>
         <p:nvPr/>
       </p:nvGrpSpPr>
@@ -2765,9 +2942,11 @@
       <p:sp>
         <p:nvSpPr>
           <p:cNvPr id="18" name="Shape 18"/>
-          <p:cNvSpPr txBox="1"/>
+          <p:cNvSpPr txBox="1">
+            <a:spLocks noGrp="1"/>
+          </p:cNvSpPr>
           <p:nvPr>
-            <p:ph idx="1" type="body"/>
+            <p:ph type="body" idx="1"/>
           </p:nvPr>
         </p:nvSpPr>
         <p:spPr>
@@ -2784,9 +2963,9 @@
           </a:ln>
         </p:spPr>
         <p:txBody>
-          <a:bodyPr anchorCtr="0" anchor="t" bIns="91425" lIns="91425" rIns="91425" wrap="square" tIns="91425"/>
+          <a:bodyPr wrap="square" lIns="91425" tIns="91425" rIns="91425" bIns="91425" anchor="t" anchorCtr="0"/>
           <a:lstStyle>
-            <a:lvl1pPr indent="190500" lvl="0" marL="0" marR="0" rtl="0" algn="ctr">
+            <a:lvl1pPr marL="0" marR="0" lvl="0" indent="190500" algn="ctr" rtl="0">
               <a:lnSpc>
                 <a:spcPct val="100000"/>
               </a:lnSpc>
@@ -2802,7 +2981,7 @@
               <a:buSzPct val="100000"/>
               <a:buFont typeface="Shadows Into Light"/>
               <a:buChar char="▧"/>
-              <a:defRPr b="0" i="0" sz="3000" u="none" cap="none" strike="noStrike">
+              <a:defRPr sz="3000" b="0" i="0" u="none" strike="noStrike" cap="none">
                 <a:solidFill>
                   <a:srgbClr val="505670"/>
                 </a:solidFill>
@@ -2812,7 +2991,7 @@
                 <a:sym typeface="Shadows Into Light"/>
               </a:defRPr>
             </a:lvl1pPr>
-            <a:lvl2pPr indent="0" lvl="1" marL="0" marR="0" rtl="0" algn="ctr">
+            <a:lvl2pPr marL="0" marR="0" lvl="1" indent="0" algn="ctr" rtl="0">
               <a:lnSpc>
                 <a:spcPct val="100000"/>
               </a:lnSpc>
@@ -2828,7 +3007,7 @@
               <a:buSzPct val="100000"/>
               <a:buFont typeface="Shadows Into Light"/>
               <a:buNone/>
-              <a:defRPr b="0" i="0" sz="3000" u="none" cap="none" strike="noStrike">
+              <a:defRPr sz="3000" b="0" i="0" u="none" strike="noStrike" cap="none">
                 <a:solidFill>
                   <a:srgbClr val="505670"/>
                 </a:solidFill>
@@ -2838,7 +3017,7 @@
                 <a:sym typeface="Shadows Into Light"/>
               </a:defRPr>
             </a:lvl2pPr>
-            <a:lvl3pPr indent="0" lvl="2" marL="0" marR="0" rtl="0" algn="ctr">
+            <a:lvl3pPr marL="0" marR="0" lvl="2" indent="0" algn="ctr" rtl="0">
               <a:lnSpc>
                 <a:spcPct val="100000"/>
               </a:lnSpc>
@@ -2854,7 +3033,7 @@
               <a:buSzPct val="100000"/>
               <a:buFont typeface="Shadows Into Light"/>
               <a:buNone/>
-              <a:defRPr b="0" i="0" sz="3000" u="none" cap="none" strike="noStrike">
+              <a:defRPr sz="3000" b="0" i="0" u="none" strike="noStrike" cap="none">
                 <a:solidFill>
                   <a:srgbClr val="505670"/>
                 </a:solidFill>
@@ -2864,7 +3043,7 @@
                 <a:sym typeface="Shadows Into Light"/>
               </a:defRPr>
             </a:lvl3pPr>
-            <a:lvl4pPr indent="0" lvl="3" marL="0" marR="0" rtl="0" algn="ctr">
+            <a:lvl4pPr marL="0" marR="0" lvl="3" indent="0" algn="ctr" rtl="0">
               <a:lnSpc>
                 <a:spcPct val="100000"/>
               </a:lnSpc>
@@ -2880,7 +3059,7 @@
               <a:buSzPct val="100000"/>
               <a:buFont typeface="Shadows Into Light"/>
               <a:buNone/>
-              <a:defRPr b="0" i="0" sz="3000" u="none" cap="none" strike="noStrike">
+              <a:defRPr sz="3000" b="0" i="0" u="none" strike="noStrike" cap="none">
                 <a:solidFill>
                   <a:srgbClr val="505670"/>
                 </a:solidFill>
@@ -2890,7 +3069,7 @@
                 <a:sym typeface="Shadows Into Light"/>
               </a:defRPr>
             </a:lvl4pPr>
-            <a:lvl5pPr indent="0" lvl="4" marL="0" marR="0" rtl="0" algn="ctr">
+            <a:lvl5pPr marL="0" marR="0" lvl="4" indent="0" algn="ctr" rtl="0">
               <a:lnSpc>
                 <a:spcPct val="100000"/>
               </a:lnSpc>
@@ -2906,7 +3085,7 @@
               <a:buSzPct val="100000"/>
               <a:buFont typeface="Shadows Into Light"/>
               <a:buNone/>
-              <a:defRPr b="0" i="0" sz="3000" u="none" cap="none" strike="noStrike">
+              <a:defRPr sz="3000" b="0" i="0" u="none" strike="noStrike" cap="none">
                 <a:solidFill>
                   <a:srgbClr val="505670"/>
                 </a:solidFill>
@@ -2916,7 +3095,7 @@
                 <a:sym typeface="Shadows Into Light"/>
               </a:defRPr>
             </a:lvl5pPr>
-            <a:lvl6pPr indent="0" lvl="5" marL="0" marR="0" rtl="0" algn="ctr">
+            <a:lvl6pPr marL="0" marR="0" lvl="5" indent="0" algn="ctr" rtl="0">
               <a:lnSpc>
                 <a:spcPct val="100000"/>
               </a:lnSpc>
@@ -2932,7 +3111,7 @@
               <a:buSzPct val="100000"/>
               <a:buFont typeface="Shadows Into Light"/>
               <a:buNone/>
-              <a:defRPr b="0" i="0" sz="3000" u="none" cap="none" strike="noStrike">
+              <a:defRPr sz="3000" b="0" i="0" u="none" strike="noStrike" cap="none">
                 <a:solidFill>
                   <a:srgbClr val="505670"/>
                 </a:solidFill>
@@ -2942,7 +3121,7 @@
                 <a:sym typeface="Shadows Into Light"/>
               </a:defRPr>
             </a:lvl6pPr>
-            <a:lvl7pPr indent="0" lvl="6" marL="0" marR="0" rtl="0" algn="ctr">
+            <a:lvl7pPr marL="0" marR="0" lvl="6" indent="0" algn="ctr" rtl="0">
               <a:lnSpc>
                 <a:spcPct val="100000"/>
               </a:lnSpc>
@@ -2958,7 +3137,7 @@
               <a:buSzPct val="100000"/>
               <a:buFont typeface="Shadows Into Light"/>
               <a:buNone/>
-              <a:defRPr b="0" i="0" sz="3000" u="none" cap="none" strike="noStrike">
+              <a:defRPr sz="3000" b="0" i="0" u="none" strike="noStrike" cap="none">
                 <a:solidFill>
                   <a:srgbClr val="505670"/>
                 </a:solidFill>
@@ -2968,7 +3147,7 @@
                 <a:sym typeface="Shadows Into Light"/>
               </a:defRPr>
             </a:lvl7pPr>
-            <a:lvl8pPr indent="0" lvl="7" marL="0" marR="0" rtl="0" algn="ctr">
+            <a:lvl8pPr marL="0" marR="0" lvl="7" indent="0" algn="ctr" rtl="0">
               <a:lnSpc>
                 <a:spcPct val="100000"/>
               </a:lnSpc>
@@ -2984,7 +3163,7 @@
               <a:buSzPct val="100000"/>
               <a:buFont typeface="Shadows Into Light"/>
               <a:buNone/>
-              <a:defRPr b="0" i="0" sz="3000" u="none" cap="none" strike="noStrike">
+              <a:defRPr sz="3000" b="0" i="0" u="none" strike="noStrike" cap="none">
                 <a:solidFill>
                   <a:srgbClr val="505670"/>
                 </a:solidFill>
@@ -2994,7 +3173,7 @@
                 <a:sym typeface="Shadows Into Light"/>
               </a:defRPr>
             </a:lvl8pPr>
-            <a:lvl9pPr indent="0" lvl="8" marL="0" marR="0" rtl="0" algn="ctr">
+            <a:lvl9pPr marL="0" marR="0" lvl="8" indent="0" algn="ctr" rtl="0">
               <a:lnSpc>
                 <a:spcPct val="100000"/>
               </a:lnSpc>
@@ -3010,7 +3189,7 @@
               <a:buSzPct val="100000"/>
               <a:buFont typeface="Shadows Into Light"/>
               <a:buNone/>
-              <a:defRPr b="0" i="0" sz="3000" u="none" cap="none" strike="noStrike">
+              <a:defRPr sz="3000" b="0" i="0" u="none" strike="noStrike" cap="none">
                 <a:solidFill>
                   <a:srgbClr val="505670"/>
                 </a:solidFill>
@@ -3021,7 +3200,9 @@
               </a:defRPr>
             </a:lvl9pPr>
           </a:lstStyle>
-          <a:p/>
+          <a:p>
+            <a:endParaRPr/>
+          </a:p>
         </p:txBody>
       </p:sp>
       <p:sp>
@@ -3044,12 +3225,12 @@
           </a:ln>
         </p:spPr>
         <p:txBody>
-          <a:bodyPr anchorCtr="0" anchor="t" bIns="91425" lIns="91425" rIns="91425" wrap="square" tIns="91425">
+          <a:bodyPr wrap="square" lIns="91425" tIns="91425" rIns="91425" bIns="91425" anchor="t" anchorCtr="0">
             <a:noAutofit/>
           </a:bodyPr>
           <a:lstStyle/>
           <a:p>
-            <a:pPr indent="-609600" lvl="0" marL="0" marR="0" rtl="0" algn="ctr">
+            <a:pPr marL="0" marR="0" lvl="0" indent="-609600" algn="ctr" rtl="0">
               <a:lnSpc>
                 <a:spcPct val="100000"/>
               </a:lnSpc>
@@ -3067,7 +3248,7 @@
               <a:buNone/>
             </a:pPr>
             <a:r>
-              <a:rPr b="0" i="0" lang="zh-CN" sz="9600" u="none" cap="none" strike="noStrike">
+              <a:rPr lang="zh-CN" sz="9600" b="0" i="0" u="none" strike="noStrike" cap="none">
                 <a:solidFill>
                   <a:srgbClr val="979CB8"/>
                 </a:solidFill>
@@ -3093,8 +3274,13 @@
             <a:ext cx="1308410" cy="1159078"/>
           </a:xfrm>
           <a:custGeom>
+            <a:avLst/>
+            <a:gdLst/>
+            <a:ahLst/>
+            <a:cxnLst/>
+            <a:rect l="0" t="0" r="0" b="0"/>
             <a:pathLst>
-              <a:path extrusionOk="0" h="120000" w="120000">
+              <a:path w="120000" h="120000" extrusionOk="0">
                 <a:moveTo>
                   <a:pt x="63628" y="2182"/>
                 </a:moveTo>
@@ -3147,18 +3333,18 @@
             </a:pathLst>
           </a:custGeom>
           <a:noFill/>
-          <a:ln cap="flat" cmpd="sng" w="9525">
+          <a:ln w="9525" cap="flat" cmpd="sng">
             <a:solidFill>
               <a:srgbClr val="979CB8"/>
             </a:solidFill>
             <a:prstDash val="solid"/>
             <a:round/>
-            <a:headEnd len="med" w="med" type="none"/>
-            <a:tailEnd len="med" w="med" type="none"/>
+            <a:headEnd type="none" w="med" len="med"/>
+            <a:tailEnd type="none" w="med" len="med"/>
           </a:ln>
         </p:spPr>
         <p:txBody>
-          <a:bodyPr anchorCtr="0" anchor="ctr" bIns="91425" lIns="91425" rIns="91425" wrap="square" tIns="91425">
+          <a:bodyPr wrap="square" lIns="91425" tIns="91425" rIns="91425" bIns="91425" anchor="ctr" anchorCtr="0">
             <a:noAutofit/>
           </a:bodyPr>
           <a:lstStyle/>
@@ -3169,9 +3355,6 @@
               </a:spcBef>
               <a:buNone/>
             </a:pPr>
-            <a:r>
-              <a:t/>
-            </a:r>
             <a:endParaRPr/>
           </a:p>
         </p:txBody>
@@ -3188,8 +3371,13 @@
             <a:ext cx="1394664" cy="1302551"/>
           </a:xfrm>
           <a:custGeom>
+            <a:avLst/>
+            <a:gdLst/>
+            <a:ahLst/>
+            <a:cxnLst/>
+            <a:rect l="0" t="0" r="0" b="0"/>
             <a:pathLst>
-              <a:path extrusionOk="0" h="120000" w="120000">
+              <a:path w="120000" h="120000" extrusionOk="0">
                 <a:moveTo>
                   <a:pt x="39569" y="0"/>
                 </a:moveTo>
@@ -3262,18 +3450,18 @@
             </a:pathLst>
           </a:custGeom>
           <a:noFill/>
-          <a:ln cap="flat" cmpd="sng" w="9525">
+          <a:ln w="9525" cap="flat" cmpd="sng">
             <a:solidFill>
               <a:srgbClr val="979CB8"/>
             </a:solidFill>
             <a:prstDash val="solid"/>
             <a:round/>
-            <a:headEnd len="med" w="med" type="none"/>
-            <a:tailEnd len="med" w="med" type="none"/>
+            <a:headEnd type="none" w="med" len="med"/>
+            <a:tailEnd type="none" w="med" len="med"/>
           </a:ln>
         </p:spPr>
         <p:txBody>
-          <a:bodyPr anchorCtr="0" anchor="ctr" bIns="91425" lIns="91425" rIns="91425" wrap="square" tIns="91425">
+          <a:bodyPr wrap="square" lIns="91425" tIns="91425" rIns="91425" bIns="91425" anchor="ctr" anchorCtr="0">
             <a:noAutofit/>
           </a:bodyPr>
           <a:lstStyle/>
@@ -3284,9 +3472,6 @@
               </a:spcBef>
               <a:buNone/>
             </a:pPr>
-            <a:r>
-              <a:t/>
-            </a:r>
             <a:endParaRPr/>
           </a:p>
         </p:txBody>
@@ -3300,11 +3485,11 @@
 </file>
 
 <file path=ppt/slideLayouts/slideLayout5.xml><?xml version="1.0" encoding="utf-8"?>
-<p:sldLayout xmlns:a="http://schemas.openxmlformats.org/drawingml/2006/main" xmlns:r="http://schemas.openxmlformats.org/officeDocument/2006/relationships" xmlns:mc="http://schemas.openxmlformats.org/markup-compatibility/2006" xmlns:mv="urn:schemas-microsoft-com:mac:vml" xmlns:p="http://schemas.openxmlformats.org/presentationml/2006/main" xmlns:c="http://schemas.openxmlformats.org/drawingml/2006/chart" xmlns:dgm="http://schemas.openxmlformats.org/drawingml/2006/diagram" xmlns:o="urn:schemas-microsoft-com:office:office" xmlns:v="urn:schemas-microsoft-com:vml" xmlns:pvml="urn:schemas-microsoft-com:office:powerpoint" xmlns:com="http://schemas.openxmlformats.org/drawingml/2006/compatibility" xmlns:p14="http://schemas.microsoft.com/office/powerpoint/2010/main" xmlns:p15="http://schemas.microsoft.com/office/powerpoint/2012/main" type="tx">
+<p:sldLayout xmlns:a="http://schemas.openxmlformats.org/drawingml/2006/main" xmlns:r="http://schemas.openxmlformats.org/officeDocument/2006/relationships" xmlns:p="http://schemas.openxmlformats.org/presentationml/2006/main" type="tx">
   <p:cSld name="Title + 1 column">
     <p:spTree>
       <p:nvGrpSpPr>
-        <p:cNvPr id="22" name="Shape 22"/>
+        <p:cNvPr id="1" name="Shape 22"/>
         <p:cNvGrpSpPr/>
         <p:nvPr/>
       </p:nvGrpSpPr>
@@ -3319,7 +3504,9 @@
       <p:sp>
         <p:nvSpPr>
           <p:cNvPr id="23" name="Shape 23"/>
-          <p:cNvSpPr txBox="1"/>
+          <p:cNvSpPr txBox="1">
+            <a:spLocks noGrp="1"/>
+          </p:cNvSpPr>
           <p:nvPr>
             <p:ph type="title"/>
           </p:nvPr>
@@ -3338,9 +3525,9 @@
           </a:ln>
         </p:spPr>
         <p:txBody>
-          <a:bodyPr anchorCtr="0" anchor="b" bIns="91425" lIns="91425" rIns="91425" wrap="square" tIns="91425"/>
+          <a:bodyPr wrap="square" lIns="91425" tIns="91425" rIns="91425" bIns="91425" anchor="b" anchorCtr="0"/>
           <a:lstStyle>
-            <a:lvl1pPr indent="0" lvl="0" marL="0" marR="0" rtl="0" algn="ctr">
+            <a:lvl1pPr marL="0" marR="0" lvl="0" indent="0" algn="ctr" rtl="0">
               <a:lnSpc>
                 <a:spcPct val="100000"/>
               </a:lnSpc>
@@ -3356,7 +3543,7 @@
               <a:buSzPct val="100000"/>
               <a:buFont typeface="Shadows Into Light"/>
               <a:buNone/>
-              <a:defRPr b="0" i="0" sz="3000" u="none" cap="none" strike="noStrike">
+              <a:defRPr sz="3000" b="0" i="0" u="none" strike="noStrike" cap="none">
                 <a:solidFill>
                   <a:srgbClr val="979CB8"/>
                 </a:solidFill>
@@ -3366,7 +3553,7 @@
                 <a:sym typeface="Shadows Into Light"/>
               </a:defRPr>
             </a:lvl1pPr>
-            <a:lvl2pPr indent="0" lvl="1" algn="ctr">
+            <a:lvl2pPr lvl="1" indent="0" algn="ctr">
               <a:spcBef>
                 <a:spcPts val="0"/>
               </a:spcBef>
@@ -3386,7 +3573,7 @@
                 <a:sym typeface="Shadows Into Light"/>
               </a:defRPr>
             </a:lvl2pPr>
-            <a:lvl3pPr indent="0" lvl="2" algn="ctr">
+            <a:lvl3pPr lvl="2" indent="0" algn="ctr">
               <a:spcBef>
                 <a:spcPts val="0"/>
               </a:spcBef>
@@ -3406,7 +3593,7 @@
                 <a:sym typeface="Shadows Into Light"/>
               </a:defRPr>
             </a:lvl3pPr>
-            <a:lvl4pPr indent="0" lvl="3" algn="ctr">
+            <a:lvl4pPr lvl="3" indent="0" algn="ctr">
               <a:spcBef>
                 <a:spcPts val="0"/>
               </a:spcBef>
@@ -3426,7 +3613,7 @@
                 <a:sym typeface="Shadows Into Light"/>
               </a:defRPr>
             </a:lvl4pPr>
-            <a:lvl5pPr indent="0" lvl="4" algn="ctr">
+            <a:lvl5pPr lvl="4" indent="0" algn="ctr">
               <a:spcBef>
                 <a:spcPts val="0"/>
               </a:spcBef>
@@ -3446,7 +3633,7 @@
                 <a:sym typeface="Shadows Into Light"/>
               </a:defRPr>
             </a:lvl5pPr>
-            <a:lvl6pPr indent="0" lvl="5" algn="ctr">
+            <a:lvl6pPr lvl="5" indent="0" algn="ctr">
               <a:spcBef>
                 <a:spcPts val="0"/>
               </a:spcBef>
@@ -3466,7 +3653,7 @@
                 <a:sym typeface="Shadows Into Light"/>
               </a:defRPr>
             </a:lvl6pPr>
-            <a:lvl7pPr indent="0" lvl="6" algn="ctr">
+            <a:lvl7pPr lvl="6" indent="0" algn="ctr">
               <a:spcBef>
                 <a:spcPts val="0"/>
               </a:spcBef>
@@ -3486,7 +3673,7 @@
                 <a:sym typeface="Shadows Into Light"/>
               </a:defRPr>
             </a:lvl7pPr>
-            <a:lvl8pPr indent="0" lvl="7" algn="ctr">
+            <a:lvl8pPr lvl="7" indent="0" algn="ctr">
               <a:spcBef>
                 <a:spcPts val="0"/>
               </a:spcBef>
@@ -3506,7 +3693,7 @@
                 <a:sym typeface="Shadows Into Light"/>
               </a:defRPr>
             </a:lvl8pPr>
-            <a:lvl9pPr indent="0" lvl="8" algn="ctr">
+            <a:lvl9pPr lvl="8" indent="0" algn="ctr">
               <a:spcBef>
                 <a:spcPts val="0"/>
               </a:spcBef>
@@ -3527,15 +3714,19 @@
               </a:defRPr>
             </a:lvl9pPr>
           </a:lstStyle>
-          <a:p/>
+          <a:p>
+            <a:endParaRPr/>
+          </a:p>
         </p:txBody>
       </p:sp>
       <p:sp>
         <p:nvSpPr>
           <p:cNvPr id="24" name="Shape 24"/>
-          <p:cNvSpPr txBox="1"/>
+          <p:cNvSpPr txBox="1">
+            <a:spLocks noGrp="1"/>
+          </p:cNvSpPr>
           <p:nvPr>
-            <p:ph idx="1" type="body"/>
+            <p:ph type="body" idx="1"/>
           </p:nvPr>
         </p:nvSpPr>
         <p:spPr>
@@ -3552,9 +3743,9 @@
           </a:ln>
         </p:spPr>
         <p:txBody>
-          <a:bodyPr anchorCtr="0" anchor="t" bIns="91425" lIns="91425" rIns="91425" wrap="square" tIns="91425"/>
+          <a:bodyPr wrap="square" lIns="91425" tIns="91425" rIns="91425" bIns="91425" anchor="t" anchorCtr="0"/>
           <a:lstStyle>
-            <a:lvl1pPr indent="152400" lvl="0" marL="0" marR="0" rtl="0" algn="l">
+            <a:lvl1pPr marL="0" marR="0" lvl="0" indent="152400" algn="l" rtl="0">
               <a:lnSpc>
                 <a:spcPct val="100000"/>
               </a:lnSpc>
@@ -3570,7 +3761,7 @@
               <a:buSzPct val="100000"/>
               <a:buFont typeface="Varela Round"/>
               <a:buChar char="▧"/>
-              <a:defRPr b="0" i="0" sz="2400" u="none" cap="none" strike="noStrike">
+              <a:defRPr sz="2400" b="0" i="0" u="none" strike="noStrike" cap="none">
                 <a:solidFill>
                   <a:srgbClr val="505670"/>
                 </a:solidFill>
@@ -3580,7 +3771,7 @@
                 <a:sym typeface="Varela Round"/>
               </a:defRPr>
             </a:lvl1pPr>
-            <a:lvl2pPr indent="0" lvl="1" marL="0" marR="0" rtl="0" algn="l">
+            <a:lvl2pPr marL="0" marR="0" lvl="1" indent="0" algn="l" rtl="0">
               <a:lnSpc>
                 <a:spcPct val="100000"/>
               </a:lnSpc>
@@ -3596,7 +3787,7 @@
               <a:buSzPct val="100000"/>
               <a:buFont typeface="Varela Round"/>
               <a:buNone/>
-              <a:defRPr b="0" i="0" sz="2000" u="none" cap="none" strike="noStrike">
+              <a:defRPr sz="2000" b="0" i="0" u="none" strike="noStrike" cap="none">
                 <a:solidFill>
                   <a:srgbClr val="505670"/>
                 </a:solidFill>
@@ -3606,7 +3797,7 @@
                 <a:sym typeface="Varela Round"/>
               </a:defRPr>
             </a:lvl2pPr>
-            <a:lvl3pPr indent="0" lvl="2" marL="0" marR="0" rtl="0" algn="l">
+            <a:lvl3pPr marL="0" marR="0" lvl="2" indent="0" algn="l" rtl="0">
               <a:lnSpc>
                 <a:spcPct val="100000"/>
               </a:lnSpc>
@@ -3622,7 +3813,7 @@
               <a:buSzPct val="100000"/>
               <a:buFont typeface="Varela Round"/>
               <a:buNone/>
-              <a:defRPr b="0" i="0" sz="2000" u="none" cap="none" strike="noStrike">
+              <a:defRPr sz="2000" b="0" i="0" u="none" strike="noStrike" cap="none">
                 <a:solidFill>
                   <a:srgbClr val="505670"/>
                 </a:solidFill>
@@ -3632,7 +3823,7 @@
                 <a:sym typeface="Varela Round"/>
               </a:defRPr>
             </a:lvl3pPr>
-            <a:lvl4pPr indent="0" lvl="3" marL="0" marR="0" rtl="0" algn="l">
+            <a:lvl4pPr marL="0" marR="0" lvl="3" indent="0" algn="l" rtl="0">
               <a:lnSpc>
                 <a:spcPct val="100000"/>
               </a:lnSpc>
@@ -3648,7 +3839,7 @@
               <a:buSzPct val="100000"/>
               <a:buFont typeface="Varela Round"/>
               <a:buNone/>
-              <a:defRPr b="0" i="0" sz="1600" u="none" cap="none" strike="noStrike">
+              <a:defRPr sz="1600" b="0" i="0" u="none" strike="noStrike" cap="none">
                 <a:solidFill>
                   <a:srgbClr val="505670"/>
                 </a:solidFill>
@@ -3658,7 +3849,7 @@
                 <a:sym typeface="Varela Round"/>
               </a:defRPr>
             </a:lvl4pPr>
-            <a:lvl5pPr indent="0" lvl="4" marL="0" marR="0" rtl="0" algn="l">
+            <a:lvl5pPr marL="0" marR="0" lvl="4" indent="0" algn="l" rtl="0">
               <a:lnSpc>
                 <a:spcPct val="100000"/>
               </a:lnSpc>
@@ -3674,7 +3865,7 @@
               <a:buSzPct val="100000"/>
               <a:buFont typeface="Varela Round"/>
               <a:buNone/>
-              <a:defRPr b="0" i="0" sz="1600" u="none" cap="none" strike="noStrike">
+              <a:defRPr sz="1600" b="0" i="0" u="none" strike="noStrike" cap="none">
                 <a:solidFill>
                   <a:srgbClr val="505670"/>
                 </a:solidFill>
@@ -3684,7 +3875,7 @@
                 <a:sym typeface="Varela Round"/>
               </a:defRPr>
             </a:lvl5pPr>
-            <a:lvl6pPr indent="0" lvl="5" marL="0" marR="0" rtl="0" algn="l">
+            <a:lvl6pPr marL="0" marR="0" lvl="5" indent="0" algn="l" rtl="0">
               <a:lnSpc>
                 <a:spcPct val="100000"/>
               </a:lnSpc>
@@ -3700,7 +3891,7 @@
               <a:buSzPct val="100000"/>
               <a:buFont typeface="Varela Round"/>
               <a:buNone/>
-              <a:defRPr b="0" i="0" sz="1600" u="none" cap="none" strike="noStrike">
+              <a:defRPr sz="1600" b="0" i="0" u="none" strike="noStrike" cap="none">
                 <a:solidFill>
                   <a:srgbClr val="505670"/>
                 </a:solidFill>
@@ -3710,7 +3901,7 @@
                 <a:sym typeface="Varela Round"/>
               </a:defRPr>
             </a:lvl6pPr>
-            <a:lvl7pPr indent="0" lvl="6" marL="0" marR="0" rtl="0" algn="l">
+            <a:lvl7pPr marL="0" marR="0" lvl="6" indent="0" algn="l" rtl="0">
               <a:lnSpc>
                 <a:spcPct val="100000"/>
               </a:lnSpc>
@@ -3726,7 +3917,7 @@
               <a:buSzPct val="100000"/>
               <a:buFont typeface="Varela Round"/>
               <a:buNone/>
-              <a:defRPr b="0" i="0" sz="1600" u="none" cap="none" strike="noStrike">
+              <a:defRPr sz="1600" b="0" i="0" u="none" strike="noStrike" cap="none">
                 <a:solidFill>
                   <a:srgbClr val="505670"/>
                 </a:solidFill>
@@ -3736,7 +3927,7 @@
                 <a:sym typeface="Varela Round"/>
               </a:defRPr>
             </a:lvl7pPr>
-            <a:lvl8pPr indent="0" lvl="7" marL="0" marR="0" rtl="0" algn="l">
+            <a:lvl8pPr marL="0" marR="0" lvl="7" indent="0" algn="l" rtl="0">
               <a:lnSpc>
                 <a:spcPct val="100000"/>
               </a:lnSpc>
@@ -3752,7 +3943,7 @@
               <a:buSzPct val="100000"/>
               <a:buFont typeface="Varela Round"/>
               <a:buNone/>
-              <a:defRPr b="0" i="0" sz="1600" u="none" cap="none" strike="noStrike">
+              <a:defRPr sz="1600" b="0" i="0" u="none" strike="noStrike" cap="none">
                 <a:solidFill>
                   <a:srgbClr val="505670"/>
                 </a:solidFill>
@@ -3762,7 +3953,7 @@
                 <a:sym typeface="Varela Round"/>
               </a:defRPr>
             </a:lvl8pPr>
-            <a:lvl9pPr indent="0" lvl="8" marL="0" marR="0" rtl="0" algn="l">
+            <a:lvl9pPr marL="0" marR="0" lvl="8" indent="0" algn="l" rtl="0">
               <a:lnSpc>
                 <a:spcPct val="100000"/>
               </a:lnSpc>
@@ -3778,7 +3969,7 @@
               <a:buSzPct val="100000"/>
               <a:buFont typeface="Varela Round"/>
               <a:buNone/>
-              <a:defRPr b="0" i="0" sz="1600" u="none" cap="none" strike="noStrike">
+              <a:defRPr sz="1600" b="0" i="0" u="none" strike="noStrike" cap="none">
                 <a:solidFill>
                   <a:srgbClr val="505670"/>
                 </a:solidFill>
@@ -3789,7 +3980,9 @@
               </a:defRPr>
             </a:lvl9pPr>
           </a:lstStyle>
-          <a:p/>
+          <a:p>
+            <a:endParaRPr/>
+          </a:p>
         </p:txBody>
       </p:sp>
       <p:sp>
@@ -3804,8 +3997,13 @@
             <a:ext cx="3060325" cy="15325"/>
           </a:xfrm>
           <a:custGeom>
+            <a:avLst/>
+            <a:gdLst/>
+            <a:ahLst/>
+            <a:cxnLst/>
+            <a:rect l="0" t="0" r="0" b="0"/>
             <a:pathLst>
-              <a:path extrusionOk="0" h="120000" w="120000">
+              <a:path w="120000" h="120000" extrusionOk="0">
                 <a:moveTo>
                   <a:pt x="0" y="62055"/>
                 </a:moveTo>
@@ -3818,18 +4016,18 @@
             </a:pathLst>
           </a:custGeom>
           <a:noFill/>
-          <a:ln cap="flat" cmpd="sng" w="9525">
+          <a:ln w="9525" cap="flat" cmpd="sng">
             <a:solidFill>
               <a:srgbClr val="979CB8"/>
             </a:solidFill>
             <a:prstDash val="solid"/>
             <a:round/>
-            <a:headEnd len="med" w="med" type="none"/>
-            <a:tailEnd len="med" w="med" type="none"/>
+            <a:headEnd type="none" w="med" len="med"/>
+            <a:tailEnd type="none" w="med" len="med"/>
           </a:ln>
         </p:spPr>
         <p:txBody>
-          <a:bodyPr anchorCtr="0" anchor="ctr" bIns="91425" lIns="91425" rIns="91425" wrap="square" tIns="91425">
+          <a:bodyPr wrap="square" lIns="91425" tIns="91425" rIns="91425" bIns="91425" anchor="ctr" anchorCtr="0">
             <a:noAutofit/>
           </a:bodyPr>
           <a:lstStyle/>
@@ -3840,9 +4038,6 @@
               </a:spcBef>
               <a:buNone/>
             </a:pPr>
-            <a:r>
-              <a:t/>
-            </a:r>
             <a:endParaRPr/>
           </a:p>
         </p:txBody>
@@ -3859,8 +4054,13 @@
             <a:ext cx="3226850" cy="15875"/>
           </a:xfrm>
           <a:custGeom>
+            <a:avLst/>
+            <a:gdLst/>
+            <a:ahLst/>
+            <a:cxnLst/>
+            <a:rect l="0" t="0" r="0" b="0"/>
             <a:pathLst>
-              <a:path extrusionOk="0" h="120000" w="120000">
+              <a:path w="120000" h="120000" extrusionOk="0">
                 <a:moveTo>
                   <a:pt x="0" y="0"/>
                 </a:moveTo>
@@ -3873,18 +4073,18 @@
             </a:pathLst>
           </a:custGeom>
           <a:noFill/>
-          <a:ln cap="flat" cmpd="sng" w="9525">
+          <a:ln w="9525" cap="flat" cmpd="sng">
             <a:solidFill>
               <a:srgbClr val="979CB8"/>
             </a:solidFill>
             <a:prstDash val="solid"/>
             <a:round/>
-            <a:headEnd len="med" w="med" type="none"/>
-            <a:tailEnd len="med" w="med" type="none"/>
+            <a:headEnd type="none" w="med" len="med"/>
+            <a:tailEnd type="none" w="med" len="med"/>
           </a:ln>
         </p:spPr>
         <p:txBody>
-          <a:bodyPr anchorCtr="0" anchor="ctr" bIns="91425" lIns="91425" rIns="91425" wrap="square" tIns="91425">
+          <a:bodyPr wrap="square" lIns="91425" tIns="91425" rIns="91425" bIns="91425" anchor="ctr" anchorCtr="0">
             <a:noAutofit/>
           </a:bodyPr>
           <a:lstStyle/>
@@ -3895,9 +4095,6 @@
               </a:spcBef>
               <a:buNone/>
             </a:pPr>
-            <a:r>
-              <a:t/>
-            </a:r>
             <a:endParaRPr/>
           </a:p>
         </p:txBody>
@@ -3911,7 +4108,7 @@
 </file>
 
 <file path=ppt/slideLayouts/slideLayout6.xml><?xml version="1.0" encoding="utf-8"?>
-<p:sldLayout xmlns:a="http://schemas.openxmlformats.org/drawingml/2006/main" xmlns:r="http://schemas.openxmlformats.org/officeDocument/2006/relationships" xmlns:mc="http://schemas.openxmlformats.org/markup-compatibility/2006" xmlns:mv="urn:schemas-microsoft-com:mac:vml" xmlns:p="http://schemas.openxmlformats.org/presentationml/2006/main" xmlns:c="http://schemas.openxmlformats.org/drawingml/2006/chart" xmlns:dgm="http://schemas.openxmlformats.org/drawingml/2006/diagram" xmlns:o="urn:schemas-microsoft-com:office:office" xmlns:v="urn:schemas-microsoft-com:vml" xmlns:pvml="urn:schemas-microsoft-com:office:powerpoint" xmlns:com="http://schemas.openxmlformats.org/drawingml/2006/compatibility" xmlns:p14="http://schemas.microsoft.com/office/powerpoint/2010/main" xmlns:p15="http://schemas.microsoft.com/office/powerpoint/2012/main">
+<p:sldLayout xmlns:a="http://schemas.openxmlformats.org/drawingml/2006/main" xmlns:r="http://schemas.openxmlformats.org/officeDocument/2006/relationships" xmlns:p="http://schemas.openxmlformats.org/presentationml/2006/main">
   <p:cSld name="Blank blue">
     <p:bg>
       <p:bgPr>
@@ -3920,14 +4117,15 @@
             <a:alphaModFix/>
           </a:blip>
           <a:stretch>
-            <a:fillRect b="0" l="0" r="0" t="0"/>
+            <a:fillRect/>
           </a:stretch>
         </a:blipFill>
+        <a:effectLst/>
       </p:bgPr>
     </p:bg>
     <p:spTree>
       <p:nvGrpSpPr>
-        <p:cNvPr id="27" name="Shape 27"/>
+        <p:cNvPr id="1" name="Shape 27"/>
         <p:cNvGrpSpPr/>
         <p:nvPr/>
       </p:nvGrpSpPr>
@@ -3948,11 +4146,11 @@
 </file>
 
 <file path=ppt/slideLayouts/slideLayout7.xml><?xml version="1.0" encoding="utf-8"?>
-<p:sldLayout xmlns:a="http://schemas.openxmlformats.org/drawingml/2006/main" xmlns:r="http://schemas.openxmlformats.org/officeDocument/2006/relationships" xmlns:mc="http://schemas.openxmlformats.org/markup-compatibility/2006" xmlns:mv="urn:schemas-microsoft-com:mac:vml" xmlns:p="http://schemas.openxmlformats.org/presentationml/2006/main" xmlns:c="http://schemas.openxmlformats.org/drawingml/2006/chart" xmlns:dgm="http://schemas.openxmlformats.org/drawingml/2006/diagram" xmlns:o="urn:schemas-microsoft-com:office:office" xmlns:v="urn:schemas-microsoft-com:vml" xmlns:pvml="urn:schemas-microsoft-com:office:powerpoint" xmlns:com="http://schemas.openxmlformats.org/drawingml/2006/compatibility" xmlns:p14="http://schemas.microsoft.com/office/powerpoint/2010/main" xmlns:p15="http://schemas.microsoft.com/office/powerpoint/2012/main">
+<p:sldLayout xmlns:a="http://schemas.openxmlformats.org/drawingml/2006/main" xmlns:r="http://schemas.openxmlformats.org/officeDocument/2006/relationships" xmlns:p="http://schemas.openxmlformats.org/presentationml/2006/main">
   <p:cSld name="Title + 3 columns">
     <p:spTree>
       <p:nvGrpSpPr>
-        <p:cNvPr id="28" name="Shape 28"/>
+        <p:cNvPr id="1" name="Shape 28"/>
         <p:cNvGrpSpPr/>
         <p:nvPr/>
       </p:nvGrpSpPr>
@@ -3967,9 +4165,11 @@
       <p:sp>
         <p:nvSpPr>
           <p:cNvPr id="29" name="Shape 29"/>
-          <p:cNvSpPr txBox="1"/>
+          <p:cNvSpPr txBox="1">
+            <a:spLocks noGrp="1"/>
+          </p:cNvSpPr>
           <p:nvPr>
-            <p:ph idx="1" type="body"/>
+            <p:ph type="body" idx="1"/>
           </p:nvPr>
         </p:nvSpPr>
         <p:spPr>
@@ -3986,9 +4186,9 @@
           </a:ln>
         </p:spPr>
         <p:txBody>
-          <a:bodyPr anchorCtr="0" anchor="t" bIns="91425" lIns="91425" rIns="91425" wrap="square" tIns="91425"/>
+          <a:bodyPr wrap="square" lIns="91425" tIns="91425" rIns="91425" bIns="91425" anchor="t" anchorCtr="0"/>
           <a:lstStyle>
-            <a:lvl1pPr indent="101600" lvl="0" marL="0" marR="0" rtl="0" algn="l">
+            <a:lvl1pPr marL="0" marR="0" lvl="0" indent="101600" algn="l" rtl="0">
               <a:lnSpc>
                 <a:spcPct val="100000"/>
               </a:lnSpc>
@@ -4004,7 +4204,7 @@
               <a:buSzPct val="100000"/>
               <a:buFont typeface="Varela Round"/>
               <a:buChar char="▧"/>
-              <a:defRPr b="0" i="0" sz="1600" u="none" cap="none" strike="noStrike">
+              <a:defRPr sz="1600" b="0" i="0" u="none" strike="noStrike" cap="none">
                 <a:solidFill>
                   <a:srgbClr val="505670"/>
                 </a:solidFill>
@@ -4014,7 +4214,7 @@
                 <a:sym typeface="Varela Round"/>
               </a:defRPr>
             </a:lvl1pPr>
-            <a:lvl2pPr indent="0" lvl="1" marL="0" marR="0" rtl="0" algn="l">
+            <a:lvl2pPr marL="0" marR="0" lvl="1" indent="0" algn="l" rtl="0">
               <a:lnSpc>
                 <a:spcPct val="100000"/>
               </a:lnSpc>
@@ -4030,7 +4230,7 @@
               <a:buSzPct val="100000"/>
               <a:buFont typeface="Varela Round"/>
               <a:buNone/>
-              <a:defRPr b="0" i="0" sz="1600" u="none" cap="none" strike="noStrike">
+              <a:defRPr sz="1600" b="0" i="0" u="none" strike="noStrike" cap="none">
                 <a:solidFill>
                   <a:srgbClr val="505670"/>
                 </a:solidFill>
@@ -4040,7 +4240,7 @@
                 <a:sym typeface="Varela Round"/>
               </a:defRPr>
             </a:lvl2pPr>
-            <a:lvl3pPr indent="0" lvl="2" marL="0" marR="0" rtl="0" algn="l">
+            <a:lvl3pPr marL="0" marR="0" lvl="2" indent="0" algn="l" rtl="0">
               <a:lnSpc>
                 <a:spcPct val="100000"/>
               </a:lnSpc>
@@ -4056,7 +4256,7 @@
               <a:buSzPct val="100000"/>
               <a:buFont typeface="Varela Round"/>
               <a:buNone/>
-              <a:defRPr b="0" i="0" sz="1600" u="none" cap="none" strike="noStrike">
+              <a:defRPr sz="1600" b="0" i="0" u="none" strike="noStrike" cap="none">
                 <a:solidFill>
                   <a:srgbClr val="505670"/>
                 </a:solidFill>
@@ -4066,7 +4266,7 @@
                 <a:sym typeface="Varela Round"/>
               </a:defRPr>
             </a:lvl3pPr>
-            <a:lvl4pPr indent="0" lvl="3" marL="0" marR="0" rtl="0" algn="l">
+            <a:lvl4pPr marL="0" marR="0" lvl="3" indent="0" algn="l" rtl="0">
               <a:lnSpc>
                 <a:spcPct val="100000"/>
               </a:lnSpc>
@@ -4082,7 +4282,7 @@
               <a:buSzPct val="100000"/>
               <a:buFont typeface="Varela Round"/>
               <a:buNone/>
-              <a:defRPr b="0" i="0" sz="1600" u="none" cap="none" strike="noStrike">
+              <a:defRPr sz="1600" b="0" i="0" u="none" strike="noStrike" cap="none">
                 <a:solidFill>
                   <a:srgbClr val="505670"/>
                 </a:solidFill>
@@ -4092,7 +4292,7 @@
                 <a:sym typeface="Varela Round"/>
               </a:defRPr>
             </a:lvl4pPr>
-            <a:lvl5pPr indent="0" lvl="4" marL="0" marR="0" rtl="0" algn="l">
+            <a:lvl5pPr marL="0" marR="0" lvl="4" indent="0" algn="l" rtl="0">
               <a:lnSpc>
                 <a:spcPct val="100000"/>
               </a:lnSpc>
@@ -4108,7 +4308,7 @@
               <a:buSzPct val="100000"/>
               <a:buFont typeface="Varela Round"/>
               <a:buNone/>
-              <a:defRPr b="0" i="0" sz="1600" u="none" cap="none" strike="noStrike">
+              <a:defRPr sz="1600" b="0" i="0" u="none" strike="noStrike" cap="none">
                 <a:solidFill>
                   <a:srgbClr val="505670"/>
                 </a:solidFill>
@@ -4118,7 +4318,7 @@
                 <a:sym typeface="Varela Round"/>
               </a:defRPr>
             </a:lvl5pPr>
-            <a:lvl6pPr indent="0" lvl="5" marL="0" marR="0" rtl="0" algn="l">
+            <a:lvl6pPr marL="0" marR="0" lvl="5" indent="0" algn="l" rtl="0">
               <a:lnSpc>
                 <a:spcPct val="100000"/>
               </a:lnSpc>
@@ -4134,7 +4334,7 @@
               <a:buSzPct val="100000"/>
               <a:buFont typeface="Varela Round"/>
               <a:buNone/>
-              <a:defRPr b="0" i="0" sz="1600" u="none" cap="none" strike="noStrike">
+              <a:defRPr sz="1600" b="0" i="0" u="none" strike="noStrike" cap="none">
                 <a:solidFill>
                   <a:srgbClr val="505670"/>
                 </a:solidFill>
@@ -4144,7 +4344,7 @@
                 <a:sym typeface="Varela Round"/>
               </a:defRPr>
             </a:lvl6pPr>
-            <a:lvl7pPr indent="0" lvl="6" marL="0" marR="0" rtl="0" algn="l">
+            <a:lvl7pPr marL="0" marR="0" lvl="6" indent="0" algn="l" rtl="0">
               <a:lnSpc>
                 <a:spcPct val="100000"/>
               </a:lnSpc>
@@ -4160,7 +4360,7 @@
               <a:buSzPct val="100000"/>
               <a:buFont typeface="Varela Round"/>
               <a:buNone/>
-              <a:defRPr b="0" i="0" sz="1600" u="none" cap="none" strike="noStrike">
+              <a:defRPr sz="1600" b="0" i="0" u="none" strike="noStrike" cap="none">
                 <a:solidFill>
                   <a:srgbClr val="505670"/>
                 </a:solidFill>
@@ -4170,7 +4370,7 @@
                 <a:sym typeface="Varela Round"/>
               </a:defRPr>
             </a:lvl7pPr>
-            <a:lvl8pPr indent="0" lvl="7" marL="0" marR="0" rtl="0" algn="l">
+            <a:lvl8pPr marL="0" marR="0" lvl="7" indent="0" algn="l" rtl="0">
               <a:lnSpc>
                 <a:spcPct val="100000"/>
               </a:lnSpc>
@@ -4186,7 +4386,7 @@
               <a:buSzPct val="100000"/>
               <a:buFont typeface="Varela Round"/>
               <a:buNone/>
-              <a:defRPr b="0" i="0" sz="1600" u="none" cap="none" strike="noStrike">
+              <a:defRPr sz="1600" b="0" i="0" u="none" strike="noStrike" cap="none">
                 <a:solidFill>
                   <a:srgbClr val="505670"/>
                 </a:solidFill>
@@ -4196,7 +4396,7 @@
                 <a:sym typeface="Varela Round"/>
               </a:defRPr>
             </a:lvl8pPr>
-            <a:lvl9pPr indent="0" lvl="8" marL="0" marR="0" rtl="0" algn="l">
+            <a:lvl9pPr marL="0" marR="0" lvl="8" indent="0" algn="l" rtl="0">
               <a:lnSpc>
                 <a:spcPct val="100000"/>
               </a:lnSpc>
@@ -4212,7 +4412,7 @@
               <a:buSzPct val="100000"/>
               <a:buFont typeface="Varela Round"/>
               <a:buNone/>
-              <a:defRPr b="0" i="0" sz="1600" u="none" cap="none" strike="noStrike">
+              <a:defRPr sz="1600" b="0" i="0" u="none" strike="noStrike" cap="none">
                 <a:solidFill>
                   <a:srgbClr val="505670"/>
                 </a:solidFill>
@@ -4223,15 +4423,19 @@
               </a:defRPr>
             </a:lvl9pPr>
           </a:lstStyle>
-          <a:p/>
+          <a:p>
+            <a:endParaRPr/>
+          </a:p>
         </p:txBody>
       </p:sp>
       <p:sp>
         <p:nvSpPr>
           <p:cNvPr id="30" name="Shape 30"/>
-          <p:cNvSpPr txBox="1"/>
+          <p:cNvSpPr txBox="1">
+            <a:spLocks noGrp="1"/>
+          </p:cNvSpPr>
           <p:nvPr>
-            <p:ph idx="2" type="body"/>
+            <p:ph type="body" idx="2"/>
           </p:nvPr>
         </p:nvSpPr>
         <p:spPr>
@@ -4248,9 +4452,9 @@
           </a:ln>
         </p:spPr>
         <p:txBody>
-          <a:bodyPr anchorCtr="0" anchor="t" bIns="91425" lIns="91425" rIns="91425" wrap="square" tIns="91425"/>
+          <a:bodyPr wrap="square" lIns="91425" tIns="91425" rIns="91425" bIns="91425" anchor="t" anchorCtr="0"/>
           <a:lstStyle>
-            <a:lvl1pPr indent="101600" lvl="0" marL="0" marR="0" rtl="0" algn="l">
+            <a:lvl1pPr marL="0" marR="0" lvl="0" indent="101600" algn="l" rtl="0">
               <a:lnSpc>
                 <a:spcPct val="100000"/>
               </a:lnSpc>
@@ -4266,7 +4470,7 @@
               <a:buSzPct val="100000"/>
               <a:buFont typeface="Varela Round"/>
               <a:buChar char="▧"/>
-              <a:defRPr b="0" i="0" sz="1600" u="none" cap="none" strike="noStrike">
+              <a:defRPr sz="1600" b="0" i="0" u="none" strike="noStrike" cap="none">
                 <a:solidFill>
                   <a:srgbClr val="505670"/>
                 </a:solidFill>
@@ -4276,7 +4480,7 @@
                 <a:sym typeface="Varela Round"/>
               </a:defRPr>
             </a:lvl1pPr>
-            <a:lvl2pPr indent="0" lvl="1" marL="0" marR="0" rtl="0" algn="l">
+            <a:lvl2pPr marL="0" marR="0" lvl="1" indent="0" algn="l" rtl="0">
               <a:lnSpc>
                 <a:spcPct val="100000"/>
               </a:lnSpc>
@@ -4292,7 +4496,7 @@
               <a:buSzPct val="100000"/>
               <a:buFont typeface="Varela Round"/>
               <a:buNone/>
-              <a:defRPr b="0" i="0" sz="1600" u="none" cap="none" strike="noStrike">
+              <a:defRPr sz="1600" b="0" i="0" u="none" strike="noStrike" cap="none">
                 <a:solidFill>
                   <a:srgbClr val="505670"/>
                 </a:solidFill>
@@ -4302,7 +4506,7 @@
                 <a:sym typeface="Varela Round"/>
               </a:defRPr>
             </a:lvl2pPr>
-            <a:lvl3pPr indent="0" lvl="2" marL="0" marR="0" rtl="0" algn="l">
+            <a:lvl3pPr marL="0" marR="0" lvl="2" indent="0" algn="l" rtl="0">
               <a:lnSpc>
                 <a:spcPct val="100000"/>
               </a:lnSpc>
@@ -4318,7 +4522,7 @@
               <a:buSzPct val="100000"/>
               <a:buFont typeface="Varela Round"/>
               <a:buNone/>
-              <a:defRPr b="0" i="0" sz="1600" u="none" cap="none" strike="noStrike">
+              <a:defRPr sz="1600" b="0" i="0" u="none" strike="noStrike" cap="none">
                 <a:solidFill>
                   <a:srgbClr val="505670"/>
                 </a:solidFill>
@@ -4328,7 +4532,7 @@
                 <a:sym typeface="Varela Round"/>
               </a:defRPr>
             </a:lvl3pPr>
-            <a:lvl4pPr indent="0" lvl="3" marL="0" marR="0" rtl="0" algn="l">
+            <a:lvl4pPr marL="0" marR="0" lvl="3" indent="0" algn="l" rtl="0">
               <a:lnSpc>
                 <a:spcPct val="100000"/>
               </a:lnSpc>
@@ -4344,7 +4548,7 @@
               <a:buSzPct val="100000"/>
               <a:buFont typeface="Varela Round"/>
               <a:buNone/>
-              <a:defRPr b="0" i="0" sz="1600" u="none" cap="none" strike="noStrike">
+              <a:defRPr sz="1600" b="0" i="0" u="none" strike="noStrike" cap="none">
                 <a:solidFill>
                   <a:srgbClr val="505670"/>
                 </a:solidFill>
@@ -4354,7 +4558,7 @@
                 <a:sym typeface="Varela Round"/>
               </a:defRPr>
             </a:lvl4pPr>
-            <a:lvl5pPr indent="0" lvl="4" marL="0" marR="0" rtl="0" algn="l">
+            <a:lvl5pPr marL="0" marR="0" lvl="4" indent="0" algn="l" rtl="0">
               <a:lnSpc>
                 <a:spcPct val="100000"/>
               </a:lnSpc>
@@ -4370,7 +4574,7 @@
               <a:buSzPct val="100000"/>
               <a:buFont typeface="Varela Round"/>
               <a:buNone/>
-              <a:defRPr b="0" i="0" sz="1600" u="none" cap="none" strike="noStrike">
+              <a:defRPr sz="1600" b="0" i="0" u="none" strike="noStrike" cap="none">
                 <a:solidFill>
                   <a:srgbClr val="505670"/>
                 </a:solidFill>
@@ -4380,7 +4584,7 @@
                 <a:sym typeface="Varela Round"/>
               </a:defRPr>
             </a:lvl5pPr>
-            <a:lvl6pPr indent="0" lvl="5" marL="0" marR="0" rtl="0" algn="l">
+            <a:lvl6pPr marL="0" marR="0" lvl="5" indent="0" algn="l" rtl="0">
               <a:lnSpc>
                 <a:spcPct val="100000"/>
               </a:lnSpc>
@@ -4396,7 +4600,7 @@
               <a:buSzPct val="100000"/>
               <a:buFont typeface="Varela Round"/>
               <a:buNone/>
-              <a:defRPr b="0" i="0" sz="1600" u="none" cap="none" strike="noStrike">
+              <a:defRPr sz="1600" b="0" i="0" u="none" strike="noStrike" cap="none">
                 <a:solidFill>
                   <a:srgbClr val="505670"/>
                 </a:solidFill>
@@ -4406,7 +4610,7 @@
                 <a:sym typeface="Varela Round"/>
               </a:defRPr>
             </a:lvl6pPr>
-            <a:lvl7pPr indent="0" lvl="6" marL="0" marR="0" rtl="0" algn="l">
+            <a:lvl7pPr marL="0" marR="0" lvl="6" indent="0" algn="l" rtl="0">
               <a:lnSpc>
                 <a:spcPct val="100000"/>
               </a:lnSpc>
@@ -4422,7 +4626,7 @@
               <a:buSzPct val="100000"/>
               <a:buFont typeface="Varela Round"/>
               <a:buNone/>
-              <a:defRPr b="0" i="0" sz="1600" u="none" cap="none" strike="noStrike">
+              <a:defRPr sz="1600" b="0" i="0" u="none" strike="noStrike" cap="none">
                 <a:solidFill>
                   <a:srgbClr val="505670"/>
                 </a:solidFill>
@@ -4432,7 +4636,7 @@
                 <a:sym typeface="Varela Round"/>
               </a:defRPr>
             </a:lvl7pPr>
-            <a:lvl8pPr indent="0" lvl="7" marL="0" marR="0" rtl="0" algn="l">
+            <a:lvl8pPr marL="0" marR="0" lvl="7" indent="0" algn="l" rtl="0">
               <a:lnSpc>
                 <a:spcPct val="100000"/>
               </a:lnSpc>
@@ -4448,7 +4652,7 @@
               <a:buSzPct val="100000"/>
               <a:buFont typeface="Varela Round"/>
               <a:buNone/>
-              <a:defRPr b="0" i="0" sz="1600" u="none" cap="none" strike="noStrike">
+              <a:defRPr sz="1600" b="0" i="0" u="none" strike="noStrike" cap="none">
                 <a:solidFill>
                   <a:srgbClr val="505670"/>
                 </a:solidFill>
@@ -4458,7 +4662,7 @@
                 <a:sym typeface="Varela Round"/>
               </a:defRPr>
             </a:lvl8pPr>
-            <a:lvl9pPr indent="0" lvl="8" marL="0" marR="0" rtl="0" algn="l">
+            <a:lvl9pPr marL="0" marR="0" lvl="8" indent="0" algn="l" rtl="0">
               <a:lnSpc>
                 <a:spcPct val="100000"/>
               </a:lnSpc>
@@ -4474,7 +4678,7 @@
               <a:buSzPct val="100000"/>
               <a:buFont typeface="Varela Round"/>
               <a:buNone/>
-              <a:defRPr b="0" i="0" sz="1600" u="none" cap="none" strike="noStrike">
+              <a:defRPr sz="1600" b="0" i="0" u="none" strike="noStrike" cap="none">
                 <a:solidFill>
                   <a:srgbClr val="505670"/>
                 </a:solidFill>
@@ -4485,15 +4689,19 @@
               </a:defRPr>
             </a:lvl9pPr>
           </a:lstStyle>
-          <a:p/>
+          <a:p>
+            <a:endParaRPr/>
+          </a:p>
         </p:txBody>
       </p:sp>
       <p:sp>
         <p:nvSpPr>
           <p:cNvPr id="31" name="Shape 31"/>
-          <p:cNvSpPr txBox="1"/>
+          <p:cNvSpPr txBox="1">
+            <a:spLocks noGrp="1"/>
+          </p:cNvSpPr>
           <p:nvPr>
-            <p:ph idx="3" type="body"/>
+            <p:ph type="body" idx="3"/>
           </p:nvPr>
         </p:nvSpPr>
         <p:spPr>
@@ -4510,9 +4718,9 @@
           </a:ln>
         </p:spPr>
         <p:txBody>
-          <a:bodyPr anchorCtr="0" anchor="t" bIns="91425" lIns="91425" rIns="91425" wrap="square" tIns="91425"/>
+          <a:bodyPr wrap="square" lIns="91425" tIns="91425" rIns="91425" bIns="91425" anchor="t" anchorCtr="0"/>
           <a:lstStyle>
-            <a:lvl1pPr indent="101600" lvl="0" marL="0" marR="0" rtl="0" algn="l">
+            <a:lvl1pPr marL="0" marR="0" lvl="0" indent="101600" algn="l" rtl="0">
               <a:lnSpc>
                 <a:spcPct val="100000"/>
               </a:lnSpc>
@@ -4528,7 +4736,7 @@
               <a:buSzPct val="100000"/>
               <a:buFont typeface="Varela Round"/>
               <a:buChar char="▧"/>
-              <a:defRPr b="0" i="0" sz="1600" u="none" cap="none" strike="noStrike">
+              <a:defRPr sz="1600" b="0" i="0" u="none" strike="noStrike" cap="none">
                 <a:solidFill>
                   <a:srgbClr val="505670"/>
                 </a:solidFill>
@@ -4538,7 +4746,7 @@
                 <a:sym typeface="Varela Round"/>
               </a:defRPr>
             </a:lvl1pPr>
-            <a:lvl2pPr indent="0" lvl="1" marL="0" marR="0" rtl="0" algn="l">
+            <a:lvl2pPr marL="0" marR="0" lvl="1" indent="0" algn="l" rtl="0">
               <a:lnSpc>
                 <a:spcPct val="100000"/>
               </a:lnSpc>
@@ -4554,7 +4762,7 @@
               <a:buSzPct val="100000"/>
               <a:buFont typeface="Varela Round"/>
               <a:buNone/>
-              <a:defRPr b="0" i="0" sz="1600" u="none" cap="none" strike="noStrike">
+              <a:defRPr sz="1600" b="0" i="0" u="none" strike="noStrike" cap="none">
                 <a:solidFill>
                   <a:srgbClr val="505670"/>
                 </a:solidFill>
@@ -4564,7 +4772,7 @@
                 <a:sym typeface="Varela Round"/>
               </a:defRPr>
             </a:lvl2pPr>
-            <a:lvl3pPr indent="0" lvl="2" marL="0" marR="0" rtl="0" algn="l">
+            <a:lvl3pPr marL="0" marR="0" lvl="2" indent="0" algn="l" rtl="0">
               <a:lnSpc>
                 <a:spcPct val="100000"/>
               </a:lnSpc>
@@ -4580,7 +4788,7 @@
               <a:buSzPct val="100000"/>
               <a:buFont typeface="Varela Round"/>
               <a:buNone/>
-              <a:defRPr b="0" i="0" sz="1600" u="none" cap="none" strike="noStrike">
+              <a:defRPr sz="1600" b="0" i="0" u="none" strike="noStrike" cap="none">
                 <a:solidFill>
                   <a:srgbClr val="505670"/>
                 </a:solidFill>
@@ -4590,7 +4798,7 @@
                 <a:sym typeface="Varela Round"/>
               </a:defRPr>
             </a:lvl3pPr>
-            <a:lvl4pPr indent="0" lvl="3" marL="0" marR="0" rtl="0" algn="l">
+            <a:lvl4pPr marL="0" marR="0" lvl="3" indent="0" algn="l" rtl="0">
               <a:lnSpc>
                 <a:spcPct val="100000"/>
               </a:lnSpc>
@@ -4606,7 +4814,7 @@
               <a:buSzPct val="100000"/>
               <a:buFont typeface="Varela Round"/>
               <a:buNone/>
-              <a:defRPr b="0" i="0" sz="1600" u="none" cap="none" strike="noStrike">
+              <a:defRPr sz="1600" b="0" i="0" u="none" strike="noStrike" cap="none">
                 <a:solidFill>
                   <a:srgbClr val="505670"/>
                 </a:solidFill>
@@ -4616,7 +4824,7 @@
                 <a:sym typeface="Varela Round"/>
               </a:defRPr>
             </a:lvl4pPr>
-            <a:lvl5pPr indent="0" lvl="4" marL="0" marR="0" rtl="0" algn="l">
+            <a:lvl5pPr marL="0" marR="0" lvl="4" indent="0" algn="l" rtl="0">
               <a:lnSpc>
                 <a:spcPct val="100000"/>
               </a:lnSpc>
@@ -4632,7 +4840,7 @@
               <a:buSzPct val="100000"/>
               <a:buFont typeface="Varela Round"/>
               <a:buNone/>
-              <a:defRPr b="0" i="0" sz="1600" u="none" cap="none" strike="noStrike">
+              <a:defRPr sz="1600" b="0" i="0" u="none" strike="noStrike" cap="none">
                 <a:solidFill>
                   <a:srgbClr val="505670"/>
                 </a:solidFill>
@@ -4642,7 +4850,7 @@
                 <a:sym typeface="Varela Round"/>
               </a:defRPr>
             </a:lvl5pPr>
-            <a:lvl6pPr indent="0" lvl="5" marL="0" marR="0" rtl="0" algn="l">
+            <a:lvl6pPr marL="0" marR="0" lvl="5" indent="0" algn="l" rtl="0">
               <a:lnSpc>
                 <a:spcPct val="100000"/>
               </a:lnSpc>
@@ -4658,7 +4866,7 @@
               <a:buSzPct val="100000"/>
               <a:buFont typeface="Varela Round"/>
               <a:buNone/>
-              <a:defRPr b="0" i="0" sz="1600" u="none" cap="none" strike="noStrike">
+              <a:defRPr sz="1600" b="0" i="0" u="none" strike="noStrike" cap="none">
                 <a:solidFill>
                   <a:srgbClr val="505670"/>
                 </a:solidFill>
@@ -4668,7 +4876,7 @@
                 <a:sym typeface="Varela Round"/>
               </a:defRPr>
             </a:lvl6pPr>
-            <a:lvl7pPr indent="0" lvl="6" marL="0" marR="0" rtl="0" algn="l">
+            <a:lvl7pPr marL="0" marR="0" lvl="6" indent="0" algn="l" rtl="0">
               <a:lnSpc>
                 <a:spcPct val="100000"/>
               </a:lnSpc>
@@ -4684,7 +4892,7 @@
               <a:buSzPct val="100000"/>
               <a:buFont typeface="Varela Round"/>
               <a:buNone/>
-              <a:defRPr b="0" i="0" sz="1600" u="none" cap="none" strike="noStrike">
+              <a:defRPr sz="1600" b="0" i="0" u="none" strike="noStrike" cap="none">
                 <a:solidFill>
                   <a:srgbClr val="505670"/>
                 </a:solidFill>
@@ -4694,7 +4902,7 @@
                 <a:sym typeface="Varela Round"/>
               </a:defRPr>
             </a:lvl7pPr>
-            <a:lvl8pPr indent="0" lvl="7" marL="0" marR="0" rtl="0" algn="l">
+            <a:lvl8pPr marL="0" marR="0" lvl="7" indent="0" algn="l" rtl="0">
               <a:lnSpc>
                 <a:spcPct val="100000"/>
               </a:lnSpc>
@@ -4710,7 +4918,7 @@
               <a:buSzPct val="100000"/>
               <a:buFont typeface="Varela Round"/>
               <a:buNone/>
-              <a:defRPr b="0" i="0" sz="1600" u="none" cap="none" strike="noStrike">
+              <a:defRPr sz="1600" b="0" i="0" u="none" strike="noStrike" cap="none">
                 <a:solidFill>
                   <a:srgbClr val="505670"/>
                 </a:solidFill>
@@ -4720,7 +4928,7 @@
                 <a:sym typeface="Varela Round"/>
               </a:defRPr>
             </a:lvl8pPr>
-            <a:lvl9pPr indent="0" lvl="8" marL="0" marR="0" rtl="0" algn="l">
+            <a:lvl9pPr marL="0" marR="0" lvl="8" indent="0" algn="l" rtl="0">
               <a:lnSpc>
                 <a:spcPct val="100000"/>
               </a:lnSpc>
@@ -4736,7 +4944,7 @@
               <a:buSzPct val="100000"/>
               <a:buFont typeface="Varela Round"/>
               <a:buNone/>
-              <a:defRPr b="0" i="0" sz="1600" u="none" cap="none" strike="noStrike">
+              <a:defRPr sz="1600" b="0" i="0" u="none" strike="noStrike" cap="none">
                 <a:solidFill>
                   <a:srgbClr val="505670"/>
                 </a:solidFill>
@@ -4747,13 +4955,17 @@
               </a:defRPr>
             </a:lvl9pPr>
           </a:lstStyle>
-          <a:p/>
+          <a:p>
+            <a:endParaRPr/>
+          </a:p>
         </p:txBody>
       </p:sp>
       <p:sp>
         <p:nvSpPr>
           <p:cNvPr id="32" name="Shape 32"/>
-          <p:cNvSpPr txBox="1"/>
+          <p:cNvSpPr txBox="1">
+            <a:spLocks noGrp="1"/>
+          </p:cNvSpPr>
           <p:nvPr>
             <p:ph type="title"/>
           </p:nvPr>
@@ -4772,9 +4984,9 @@
           </a:ln>
         </p:spPr>
         <p:txBody>
-          <a:bodyPr anchorCtr="0" anchor="b" bIns="91425" lIns="91425" rIns="91425" wrap="square" tIns="91425"/>
+          <a:bodyPr wrap="square" lIns="91425" tIns="91425" rIns="91425" bIns="91425" anchor="b" anchorCtr="0"/>
           <a:lstStyle>
-            <a:lvl1pPr indent="0" lvl="0" marL="0" marR="0" rtl="0" algn="ctr">
+            <a:lvl1pPr marL="0" marR="0" lvl="0" indent="0" algn="ctr" rtl="0">
               <a:lnSpc>
                 <a:spcPct val="100000"/>
               </a:lnSpc>
@@ -4790,7 +5002,7 @@
               <a:buSzPct val="100000"/>
               <a:buFont typeface="Shadows Into Light"/>
               <a:buNone/>
-              <a:defRPr b="0" i="0" sz="3000" u="none" cap="none" strike="noStrike">
+              <a:defRPr sz="3000" b="0" i="0" u="none" strike="noStrike" cap="none">
                 <a:solidFill>
                   <a:srgbClr val="979CB8"/>
                 </a:solidFill>
@@ -4800,7 +5012,7 @@
                 <a:sym typeface="Shadows Into Light"/>
               </a:defRPr>
             </a:lvl1pPr>
-            <a:lvl2pPr indent="0" lvl="1" rtl="0" algn="ctr">
+            <a:lvl2pPr lvl="1" indent="0" algn="ctr" rtl="0">
               <a:spcBef>
                 <a:spcPts val="0"/>
               </a:spcBef>
@@ -4820,7 +5032,7 @@
                 <a:sym typeface="Shadows Into Light"/>
               </a:defRPr>
             </a:lvl2pPr>
-            <a:lvl3pPr indent="0" lvl="2" rtl="0" algn="ctr">
+            <a:lvl3pPr lvl="2" indent="0" algn="ctr" rtl="0">
               <a:spcBef>
                 <a:spcPts val="0"/>
               </a:spcBef>
@@ -4840,7 +5052,7 @@
                 <a:sym typeface="Shadows Into Light"/>
               </a:defRPr>
             </a:lvl3pPr>
-            <a:lvl4pPr indent="0" lvl="3" rtl="0" algn="ctr">
+            <a:lvl4pPr lvl="3" indent="0" algn="ctr" rtl="0">
               <a:spcBef>
                 <a:spcPts val="0"/>
               </a:spcBef>
@@ -4860,7 +5072,7 @@
                 <a:sym typeface="Shadows Into Light"/>
               </a:defRPr>
             </a:lvl4pPr>
-            <a:lvl5pPr indent="0" lvl="4" rtl="0" algn="ctr">
+            <a:lvl5pPr lvl="4" indent="0" algn="ctr" rtl="0">
               <a:spcBef>
                 <a:spcPts val="0"/>
               </a:spcBef>
@@ -4880,7 +5092,7 @@
                 <a:sym typeface="Shadows Into Light"/>
               </a:defRPr>
             </a:lvl5pPr>
-            <a:lvl6pPr indent="0" lvl="5" rtl="0" algn="ctr">
+            <a:lvl6pPr lvl="5" indent="0" algn="ctr" rtl="0">
               <a:spcBef>
                 <a:spcPts val="0"/>
               </a:spcBef>
@@ -4900,7 +5112,7 @@
                 <a:sym typeface="Shadows Into Light"/>
               </a:defRPr>
             </a:lvl6pPr>
-            <a:lvl7pPr indent="0" lvl="6" rtl="0" algn="ctr">
+            <a:lvl7pPr lvl="6" indent="0" algn="ctr" rtl="0">
               <a:spcBef>
                 <a:spcPts val="0"/>
               </a:spcBef>
@@ -4920,7 +5132,7 @@
                 <a:sym typeface="Shadows Into Light"/>
               </a:defRPr>
             </a:lvl7pPr>
-            <a:lvl8pPr indent="0" lvl="7" rtl="0" algn="ctr">
+            <a:lvl8pPr lvl="7" indent="0" algn="ctr" rtl="0">
               <a:spcBef>
                 <a:spcPts val="0"/>
               </a:spcBef>
@@ -4940,7 +5152,7 @@
                 <a:sym typeface="Shadows Into Light"/>
               </a:defRPr>
             </a:lvl8pPr>
-            <a:lvl9pPr indent="0" lvl="8" rtl="0" algn="ctr">
+            <a:lvl9pPr lvl="8" indent="0" algn="ctr" rtl="0">
               <a:spcBef>
                 <a:spcPts val="0"/>
               </a:spcBef>
@@ -4961,7 +5173,9 @@
               </a:defRPr>
             </a:lvl9pPr>
           </a:lstStyle>
-          <a:p/>
+          <a:p>
+            <a:endParaRPr/>
+          </a:p>
         </p:txBody>
       </p:sp>
       <p:sp>
@@ -4976,8 +5190,13 @@
             <a:ext cx="3060325" cy="15325"/>
           </a:xfrm>
           <a:custGeom>
+            <a:avLst/>
+            <a:gdLst/>
+            <a:ahLst/>
+            <a:cxnLst/>
+            <a:rect l="0" t="0" r="0" b="0"/>
             <a:pathLst>
-              <a:path extrusionOk="0" h="120000" w="120000">
+              <a:path w="120000" h="120000" extrusionOk="0">
                 <a:moveTo>
                   <a:pt x="0" y="62055"/>
                 </a:moveTo>
@@ -4990,18 +5209,18 @@
             </a:pathLst>
           </a:custGeom>
           <a:noFill/>
-          <a:ln cap="flat" cmpd="sng" w="9525">
+          <a:ln w="9525" cap="flat" cmpd="sng">
             <a:solidFill>
               <a:srgbClr val="979CB8"/>
             </a:solidFill>
             <a:prstDash val="solid"/>
             <a:round/>
-            <a:headEnd len="med" w="med" type="none"/>
-            <a:tailEnd len="med" w="med" type="none"/>
+            <a:headEnd type="none" w="med" len="med"/>
+            <a:tailEnd type="none" w="med" len="med"/>
           </a:ln>
         </p:spPr>
         <p:txBody>
-          <a:bodyPr anchorCtr="0" anchor="ctr" bIns="91425" lIns="91425" rIns="91425" wrap="square" tIns="91425">
+          <a:bodyPr wrap="square" lIns="91425" tIns="91425" rIns="91425" bIns="91425" anchor="ctr" anchorCtr="0">
             <a:noAutofit/>
           </a:bodyPr>
           <a:lstStyle/>
@@ -5012,9 +5231,6 @@
               </a:spcBef>
               <a:buNone/>
             </a:pPr>
-            <a:r>
-              <a:t/>
-            </a:r>
             <a:endParaRPr/>
           </a:p>
         </p:txBody>
@@ -5031,8 +5247,13 @@
             <a:ext cx="3226850" cy="15875"/>
           </a:xfrm>
           <a:custGeom>
+            <a:avLst/>
+            <a:gdLst/>
+            <a:ahLst/>
+            <a:cxnLst/>
+            <a:rect l="0" t="0" r="0" b="0"/>
             <a:pathLst>
-              <a:path extrusionOk="0" h="120000" w="120000">
+              <a:path w="120000" h="120000" extrusionOk="0">
                 <a:moveTo>
                   <a:pt x="0" y="0"/>
                 </a:moveTo>
@@ -5045,18 +5266,18 @@
             </a:pathLst>
           </a:custGeom>
           <a:noFill/>
-          <a:ln cap="flat" cmpd="sng" w="9525">
+          <a:ln w="9525" cap="flat" cmpd="sng">
             <a:solidFill>
               <a:srgbClr val="979CB8"/>
             </a:solidFill>
             <a:prstDash val="solid"/>
             <a:round/>
-            <a:headEnd len="med" w="med" type="none"/>
-            <a:tailEnd len="med" w="med" type="none"/>
+            <a:headEnd type="none" w="med" len="med"/>
+            <a:tailEnd type="none" w="med" len="med"/>
           </a:ln>
         </p:spPr>
         <p:txBody>
-          <a:bodyPr anchorCtr="0" anchor="ctr" bIns="91425" lIns="91425" rIns="91425" wrap="square" tIns="91425">
+          <a:bodyPr wrap="square" lIns="91425" tIns="91425" rIns="91425" bIns="91425" anchor="ctr" anchorCtr="0">
             <a:noAutofit/>
           </a:bodyPr>
           <a:lstStyle/>
@@ -5067,9 +5288,6 @@
               </a:spcBef>
               <a:buNone/>
             </a:pPr>
-            <a:r>
-              <a:t/>
-            </a:r>
             <a:endParaRPr/>
           </a:p>
         </p:txBody>
@@ -5083,7 +5301,7 @@
 </file>
 
 <file path=ppt/slideLayouts/slideLayout8.xml><?xml version="1.0" encoding="utf-8"?>
-<p:sldLayout xmlns:a="http://schemas.openxmlformats.org/drawingml/2006/main" xmlns:r="http://schemas.openxmlformats.org/officeDocument/2006/relationships" xmlns:mc="http://schemas.openxmlformats.org/markup-compatibility/2006" xmlns:mv="urn:schemas-microsoft-com:mac:vml" xmlns:p="http://schemas.openxmlformats.org/presentationml/2006/main" xmlns:c="http://schemas.openxmlformats.org/drawingml/2006/chart" xmlns:dgm="http://schemas.openxmlformats.org/drawingml/2006/diagram" xmlns:o="urn:schemas-microsoft-com:office:office" xmlns:v="urn:schemas-microsoft-com:vml" xmlns:pvml="urn:schemas-microsoft-com:office:powerpoint" xmlns:com="http://schemas.openxmlformats.org/drawingml/2006/compatibility" xmlns:p14="http://schemas.microsoft.com/office/powerpoint/2010/main" xmlns:p15="http://schemas.microsoft.com/office/powerpoint/2012/main">
+<p:sldLayout xmlns:a="http://schemas.openxmlformats.org/drawingml/2006/main" xmlns:r="http://schemas.openxmlformats.org/officeDocument/2006/relationships" xmlns:p="http://schemas.openxmlformats.org/presentationml/2006/main">
   <p:cSld name="Title green">
     <p:bg>
       <p:bgPr>
@@ -5092,14 +5310,15 @@
             <a:alphaModFix/>
           </a:blip>
           <a:stretch>
-            <a:fillRect b="0" l="0" r="0" t="0"/>
+            <a:fillRect/>
           </a:stretch>
         </a:blipFill>
+        <a:effectLst/>
       </p:bgPr>
     </p:bg>
     <p:spTree>
       <p:nvGrpSpPr>
-        <p:cNvPr id="35" name="Shape 35"/>
+        <p:cNvPr id="1" name="Shape 35"/>
         <p:cNvGrpSpPr/>
         <p:nvPr/>
       </p:nvGrpSpPr>
@@ -5114,7 +5333,9 @@
       <p:sp>
         <p:nvSpPr>
           <p:cNvPr id="36" name="Shape 36"/>
-          <p:cNvSpPr txBox="1"/>
+          <p:cNvSpPr txBox="1">
+            <a:spLocks noGrp="1"/>
+          </p:cNvSpPr>
           <p:nvPr>
             <p:ph type="ctrTitle"/>
           </p:nvPr>
@@ -5133,9 +5354,9 @@
           </a:ln>
         </p:spPr>
         <p:txBody>
-          <a:bodyPr anchorCtr="0" anchor="ctr" bIns="91425" lIns="91425" rIns="91425" wrap="square" tIns="91425"/>
+          <a:bodyPr wrap="square" lIns="91425" tIns="91425" rIns="91425" bIns="91425" anchor="ctr" anchorCtr="0"/>
           <a:lstStyle>
-            <a:lvl1pPr indent="0" lvl="0" marL="0" marR="0" rtl="0" algn="ctr">
+            <a:lvl1pPr marL="0" marR="0" lvl="0" indent="0" algn="ctr" rtl="0">
               <a:lnSpc>
                 <a:spcPct val="100000"/>
               </a:lnSpc>
@@ -5151,7 +5372,7 @@
               <a:buSzPct val="100000"/>
               <a:buFont typeface="Shadows Into Light"/>
               <a:buNone/>
-              <a:defRPr b="0" i="0" sz="6000" u="none" cap="none" strike="noStrike">
+              <a:defRPr sz="6000" b="0" i="0" u="none" strike="noStrike" cap="none">
                 <a:solidFill>
                   <a:srgbClr val="FFFFFF"/>
                 </a:solidFill>
@@ -5161,7 +5382,7 @@
                 <a:sym typeface="Shadows Into Light"/>
               </a:defRPr>
             </a:lvl1pPr>
-            <a:lvl2pPr indent="0" lvl="1" rtl="0" algn="ctr">
+            <a:lvl2pPr lvl="1" indent="0" algn="ctr" rtl="0">
               <a:spcBef>
                 <a:spcPts val="0"/>
               </a:spcBef>
@@ -5181,7 +5402,7 @@
                 <a:sym typeface="Shadows Into Light"/>
               </a:defRPr>
             </a:lvl2pPr>
-            <a:lvl3pPr indent="0" lvl="2" rtl="0" algn="ctr">
+            <a:lvl3pPr lvl="2" indent="0" algn="ctr" rtl="0">
               <a:spcBef>
                 <a:spcPts val="0"/>
               </a:spcBef>
@@ -5201,7 +5422,7 @@
                 <a:sym typeface="Shadows Into Light"/>
               </a:defRPr>
             </a:lvl3pPr>
-            <a:lvl4pPr indent="0" lvl="3" rtl="0" algn="ctr">
+            <a:lvl4pPr lvl="3" indent="0" algn="ctr" rtl="0">
               <a:spcBef>
                 <a:spcPts val="0"/>
               </a:spcBef>
@@ -5221,7 +5442,7 @@
                 <a:sym typeface="Shadows Into Light"/>
               </a:defRPr>
             </a:lvl4pPr>
-            <a:lvl5pPr indent="0" lvl="4" rtl="0" algn="ctr">
+            <a:lvl5pPr lvl="4" indent="0" algn="ctr" rtl="0">
               <a:spcBef>
                 <a:spcPts val="0"/>
               </a:spcBef>
@@ -5241,7 +5462,7 @@
                 <a:sym typeface="Shadows Into Light"/>
               </a:defRPr>
             </a:lvl5pPr>
-            <a:lvl6pPr indent="0" lvl="5" rtl="0" algn="ctr">
+            <a:lvl6pPr lvl="5" indent="0" algn="ctr" rtl="0">
               <a:spcBef>
                 <a:spcPts val="0"/>
               </a:spcBef>
@@ -5261,7 +5482,7 @@
                 <a:sym typeface="Shadows Into Light"/>
               </a:defRPr>
             </a:lvl6pPr>
-            <a:lvl7pPr indent="0" lvl="6" rtl="0" algn="ctr">
+            <a:lvl7pPr lvl="6" indent="0" algn="ctr" rtl="0">
               <a:spcBef>
                 <a:spcPts val="0"/>
               </a:spcBef>
@@ -5281,7 +5502,7 @@
                 <a:sym typeface="Shadows Into Light"/>
               </a:defRPr>
             </a:lvl7pPr>
-            <a:lvl8pPr indent="0" lvl="7" rtl="0" algn="ctr">
+            <a:lvl8pPr lvl="7" indent="0" algn="ctr" rtl="0">
               <a:spcBef>
                 <a:spcPts val="0"/>
               </a:spcBef>
@@ -5301,7 +5522,7 @@
                 <a:sym typeface="Shadows Into Light"/>
               </a:defRPr>
             </a:lvl8pPr>
-            <a:lvl9pPr indent="0" lvl="8" rtl="0" algn="ctr">
+            <a:lvl9pPr lvl="8" indent="0" algn="ctr" rtl="0">
               <a:spcBef>
                 <a:spcPts val="0"/>
               </a:spcBef>
@@ -5322,7 +5543,9 @@
               </a:defRPr>
             </a:lvl9pPr>
           </a:lstStyle>
-          <a:p/>
+          <a:p>
+            <a:endParaRPr/>
+          </a:p>
         </p:txBody>
       </p:sp>
     </p:spTree>
@@ -5334,7 +5557,7 @@
 </file>
 
 <file path=ppt/slideLayouts/slideLayout9.xml><?xml version="1.0" encoding="utf-8"?>
-<p:sldLayout xmlns:a="http://schemas.openxmlformats.org/drawingml/2006/main" xmlns:r="http://schemas.openxmlformats.org/officeDocument/2006/relationships" xmlns:mc="http://schemas.openxmlformats.org/markup-compatibility/2006" xmlns:mv="urn:schemas-microsoft-com:mac:vml" xmlns:p="http://schemas.openxmlformats.org/presentationml/2006/main" xmlns:c="http://schemas.openxmlformats.org/drawingml/2006/chart" xmlns:dgm="http://schemas.openxmlformats.org/drawingml/2006/diagram" xmlns:o="urn:schemas-microsoft-com:office:office" xmlns:v="urn:schemas-microsoft-com:vml" xmlns:pvml="urn:schemas-microsoft-com:office:powerpoint" xmlns:com="http://schemas.openxmlformats.org/drawingml/2006/compatibility" xmlns:p14="http://schemas.microsoft.com/office/powerpoint/2010/main" xmlns:p15="http://schemas.microsoft.com/office/powerpoint/2012/main">
+<p:sldLayout xmlns:a="http://schemas.openxmlformats.org/drawingml/2006/main" xmlns:r="http://schemas.openxmlformats.org/officeDocument/2006/relationships" xmlns:p="http://schemas.openxmlformats.org/presentationml/2006/main">
   <p:cSld name="Title magenta">
     <p:bg>
       <p:bgPr>
@@ -5343,14 +5566,15 @@
             <a:alphaModFix/>
           </a:blip>
           <a:stretch>
-            <a:fillRect b="0" l="0" r="0" t="0"/>
+            <a:fillRect/>
           </a:stretch>
         </a:blipFill>
+        <a:effectLst/>
       </p:bgPr>
     </p:bg>
     <p:spTree>
       <p:nvGrpSpPr>
-        <p:cNvPr id="37" name="Shape 37"/>
+        <p:cNvPr id="1" name="Shape 37"/>
         <p:cNvGrpSpPr/>
         <p:nvPr/>
       </p:nvGrpSpPr>
@@ -5365,7 +5589,9 @@
       <p:sp>
         <p:nvSpPr>
           <p:cNvPr id="38" name="Shape 38"/>
-          <p:cNvSpPr txBox="1"/>
+          <p:cNvSpPr txBox="1">
+            <a:spLocks noGrp="1"/>
+          </p:cNvSpPr>
           <p:nvPr>
             <p:ph type="ctrTitle"/>
           </p:nvPr>
@@ -5384,9 +5610,9 @@
           </a:ln>
         </p:spPr>
         <p:txBody>
-          <a:bodyPr anchorCtr="0" anchor="ctr" bIns="91425" lIns="91425" rIns="91425" wrap="square" tIns="91425"/>
+          <a:bodyPr wrap="square" lIns="91425" tIns="91425" rIns="91425" bIns="91425" anchor="ctr" anchorCtr="0"/>
           <a:lstStyle>
-            <a:lvl1pPr indent="0" lvl="0" marL="0" marR="0" rtl="0" algn="ctr">
+            <a:lvl1pPr marL="0" marR="0" lvl="0" indent="0" algn="ctr" rtl="0">
               <a:lnSpc>
                 <a:spcPct val="100000"/>
               </a:lnSpc>
@@ -5402,7 +5628,7 @@
               <a:buSzPct val="100000"/>
               <a:buFont typeface="Shadows Into Light"/>
               <a:buNone/>
-              <a:defRPr b="0" i="0" sz="6000" u="none" cap="none" strike="noStrike">
+              <a:defRPr sz="6000" b="0" i="0" u="none" strike="noStrike" cap="none">
                 <a:solidFill>
                   <a:srgbClr val="FFFFFF"/>
                 </a:solidFill>
@@ -5412,7 +5638,7 @@
                 <a:sym typeface="Shadows Into Light"/>
               </a:defRPr>
             </a:lvl1pPr>
-            <a:lvl2pPr indent="0" lvl="1" rtl="0" algn="ctr">
+            <a:lvl2pPr lvl="1" indent="0" algn="ctr" rtl="0">
               <a:spcBef>
                 <a:spcPts val="0"/>
               </a:spcBef>
@@ -5432,7 +5658,7 @@
                 <a:sym typeface="Shadows Into Light"/>
               </a:defRPr>
             </a:lvl2pPr>
-            <a:lvl3pPr indent="0" lvl="2" rtl="0" algn="ctr">
+            <a:lvl3pPr lvl="2" indent="0" algn="ctr" rtl="0">
               <a:spcBef>
                 <a:spcPts val="0"/>
               </a:spcBef>
@@ -5452,7 +5678,7 @@
                 <a:sym typeface="Shadows Into Light"/>
               </a:defRPr>
             </a:lvl3pPr>
-            <a:lvl4pPr indent="0" lvl="3" rtl="0" algn="ctr">
+            <a:lvl4pPr lvl="3" indent="0" algn="ctr" rtl="0">
               <a:spcBef>
                 <a:spcPts val="0"/>
               </a:spcBef>
@@ -5472,7 +5698,7 @@
                 <a:sym typeface="Shadows Into Light"/>
               </a:defRPr>
             </a:lvl4pPr>
-            <a:lvl5pPr indent="0" lvl="4" rtl="0" algn="ctr">
+            <a:lvl5pPr lvl="4" indent="0" algn="ctr" rtl="0">
               <a:spcBef>
                 <a:spcPts val="0"/>
               </a:spcBef>
@@ -5492,7 +5718,7 @@
                 <a:sym typeface="Shadows Into Light"/>
               </a:defRPr>
             </a:lvl5pPr>
-            <a:lvl6pPr indent="0" lvl="5" rtl="0" algn="ctr">
+            <a:lvl6pPr lvl="5" indent="0" algn="ctr" rtl="0">
               <a:spcBef>
                 <a:spcPts val="0"/>
               </a:spcBef>
@@ -5512,7 +5738,7 @@
                 <a:sym typeface="Shadows Into Light"/>
               </a:defRPr>
             </a:lvl6pPr>
-            <a:lvl7pPr indent="0" lvl="6" rtl="0" algn="ctr">
+            <a:lvl7pPr lvl="6" indent="0" algn="ctr" rtl="0">
               <a:spcBef>
                 <a:spcPts val="0"/>
               </a:spcBef>
@@ -5532,7 +5758,7 @@
                 <a:sym typeface="Shadows Into Light"/>
               </a:defRPr>
             </a:lvl7pPr>
-            <a:lvl8pPr indent="0" lvl="7" rtl="0" algn="ctr">
+            <a:lvl8pPr lvl="7" indent="0" algn="ctr" rtl="0">
               <a:spcBef>
                 <a:spcPts val="0"/>
               </a:spcBef>
@@ -5552,7 +5778,7 @@
                 <a:sym typeface="Shadows Into Light"/>
               </a:defRPr>
             </a:lvl8pPr>
-            <a:lvl9pPr indent="0" lvl="8" rtl="0" algn="ctr">
+            <a:lvl9pPr lvl="8" indent="0" algn="ctr" rtl="0">
               <a:spcBef>
                 <a:spcPts val="0"/>
               </a:spcBef>
@@ -5573,7 +5799,9 @@
               </a:defRPr>
             </a:lvl9pPr>
           </a:lstStyle>
-          <a:p/>
+          <a:p>
+            <a:endParaRPr/>
+          </a:p>
         </p:txBody>
       </p:sp>
     </p:spTree>
@@ -5585,23 +5813,24 @@
 </file>
 
 <file path=ppt/slideMasters/slideMaster1.xml><?xml version="1.0" encoding="utf-8"?>
-<p:sldMaster xmlns:a="http://schemas.openxmlformats.org/drawingml/2006/main" xmlns:r="http://schemas.openxmlformats.org/officeDocument/2006/relationships" xmlns:mc="http://schemas.openxmlformats.org/markup-compatibility/2006" xmlns:mv="urn:schemas-microsoft-com:mac:vml" xmlns:p="http://schemas.openxmlformats.org/presentationml/2006/main" xmlns:c="http://schemas.openxmlformats.org/drawingml/2006/chart" xmlns:dgm="http://schemas.openxmlformats.org/drawingml/2006/diagram" xmlns:o="urn:schemas-microsoft-com:office:office" xmlns:v="urn:schemas-microsoft-com:vml" xmlns:pvml="urn:schemas-microsoft-com:office:powerpoint" xmlns:com="http://schemas.openxmlformats.org/drawingml/2006/compatibility" xmlns:p14="http://schemas.microsoft.com/office/powerpoint/2010/main" xmlns:p15="http://schemas.microsoft.com/office/powerpoint/2012/main">
+<p:sldMaster xmlns:a="http://schemas.openxmlformats.org/drawingml/2006/main" xmlns:r="http://schemas.openxmlformats.org/officeDocument/2006/relationships" xmlns:p="http://schemas.openxmlformats.org/presentationml/2006/main">
   <p:cSld>
     <p:bg>
       <p:bgPr>
         <a:blipFill rotWithShape="1">
-          <a:blip r:embed="rId1">
+          <a:blip r:embed="rId12">
             <a:alphaModFix/>
           </a:blip>
           <a:stretch>
-            <a:fillRect b="0" l="0" r="0" t="0"/>
+            <a:fillRect/>
           </a:stretch>
         </a:blipFill>
+        <a:effectLst/>
       </p:bgPr>
     </p:bg>
     <p:spTree>
       <p:nvGrpSpPr>
-        <p:cNvPr id="5" name="Shape 5"/>
+        <p:cNvPr id="1" name="Shape 5"/>
         <p:cNvGrpSpPr/>
         <p:nvPr/>
       </p:nvGrpSpPr>
@@ -5616,7 +5845,9 @@
       <p:sp>
         <p:nvSpPr>
           <p:cNvPr id="6" name="Shape 6"/>
-          <p:cNvSpPr txBox="1"/>
+          <p:cNvSpPr txBox="1">
+            <a:spLocks noGrp="1"/>
+          </p:cNvSpPr>
           <p:nvPr>
             <p:ph type="title"/>
           </p:nvPr>
@@ -5635,9 +5866,9 @@
           </a:ln>
         </p:spPr>
         <p:txBody>
-          <a:bodyPr anchorCtr="0" anchor="b" bIns="91425" lIns="91425" rIns="91425" wrap="square" tIns="91425"/>
+          <a:bodyPr wrap="square" lIns="91425" tIns="91425" rIns="91425" bIns="91425" anchor="b" anchorCtr="0"/>
           <a:lstStyle>
-            <a:lvl1pPr indent="0" lvl="0" marL="0" marR="0" rtl="0" algn="ctr">
+            <a:lvl1pPr marL="0" marR="0" lvl="0" indent="0" algn="ctr" rtl="0">
               <a:lnSpc>
                 <a:spcPct val="100000"/>
               </a:lnSpc>
@@ -5653,7 +5884,7 @@
               <a:buSzPct val="100000"/>
               <a:buFont typeface="Shadows Into Light"/>
               <a:buNone/>
-              <a:defRPr b="0" i="0" sz="3000" u="none" cap="none" strike="noStrike">
+              <a:defRPr sz="3000" b="0" i="0" u="none" strike="noStrike" cap="none">
                 <a:solidFill>
                   <a:srgbClr val="505670"/>
                 </a:solidFill>
@@ -5663,7 +5894,7 @@
                 <a:sym typeface="Shadows Into Light"/>
               </a:defRPr>
             </a:lvl1pPr>
-            <a:lvl2pPr indent="0" lvl="1" algn="ctr">
+            <a:lvl2pPr lvl="1" indent="0" algn="ctr">
               <a:spcBef>
                 <a:spcPts val="0"/>
               </a:spcBef>
@@ -5683,7 +5914,7 @@
                 <a:sym typeface="Shadows Into Light"/>
               </a:defRPr>
             </a:lvl2pPr>
-            <a:lvl3pPr indent="0" lvl="2" algn="ctr">
+            <a:lvl3pPr lvl="2" indent="0" algn="ctr">
               <a:spcBef>
                 <a:spcPts val="0"/>
               </a:spcBef>
@@ -5703,7 +5934,7 @@
                 <a:sym typeface="Shadows Into Light"/>
               </a:defRPr>
             </a:lvl3pPr>
-            <a:lvl4pPr indent="0" lvl="3" algn="ctr">
+            <a:lvl4pPr lvl="3" indent="0" algn="ctr">
               <a:spcBef>
                 <a:spcPts val="0"/>
               </a:spcBef>
@@ -5723,7 +5954,7 @@
                 <a:sym typeface="Shadows Into Light"/>
               </a:defRPr>
             </a:lvl4pPr>
-            <a:lvl5pPr indent="0" lvl="4" algn="ctr">
+            <a:lvl5pPr lvl="4" indent="0" algn="ctr">
               <a:spcBef>
                 <a:spcPts val="0"/>
               </a:spcBef>
@@ -5743,7 +5974,7 @@
                 <a:sym typeface="Shadows Into Light"/>
               </a:defRPr>
             </a:lvl5pPr>
-            <a:lvl6pPr indent="0" lvl="5" algn="ctr">
+            <a:lvl6pPr lvl="5" indent="0" algn="ctr">
               <a:spcBef>
                 <a:spcPts val="0"/>
               </a:spcBef>
@@ -5763,7 +5994,7 @@
                 <a:sym typeface="Shadows Into Light"/>
               </a:defRPr>
             </a:lvl6pPr>
-            <a:lvl7pPr indent="0" lvl="6" algn="ctr">
+            <a:lvl7pPr lvl="6" indent="0" algn="ctr">
               <a:spcBef>
                 <a:spcPts val="0"/>
               </a:spcBef>
@@ -5783,7 +6014,7 @@
                 <a:sym typeface="Shadows Into Light"/>
               </a:defRPr>
             </a:lvl7pPr>
-            <a:lvl8pPr indent="0" lvl="7" algn="ctr">
+            <a:lvl8pPr lvl="7" indent="0" algn="ctr">
               <a:spcBef>
                 <a:spcPts val="0"/>
               </a:spcBef>
@@ -5803,7 +6034,7 @@
                 <a:sym typeface="Shadows Into Light"/>
               </a:defRPr>
             </a:lvl8pPr>
-            <a:lvl9pPr indent="0" lvl="8" algn="ctr">
+            <a:lvl9pPr lvl="8" indent="0" algn="ctr">
               <a:spcBef>
                 <a:spcPts val="0"/>
               </a:spcBef>
@@ -5824,15 +6055,19 @@
               </a:defRPr>
             </a:lvl9pPr>
           </a:lstStyle>
-          <a:p/>
+          <a:p>
+            <a:endParaRPr/>
+          </a:p>
         </p:txBody>
       </p:sp>
       <p:sp>
         <p:nvSpPr>
           <p:cNvPr id="7" name="Shape 7"/>
-          <p:cNvSpPr txBox="1"/>
+          <p:cNvSpPr txBox="1">
+            <a:spLocks noGrp="1"/>
+          </p:cNvSpPr>
           <p:nvPr>
-            <p:ph idx="1" type="body"/>
+            <p:ph type="body" idx="1"/>
           </p:nvPr>
         </p:nvSpPr>
         <p:spPr>
@@ -5849,9 +6084,9 @@
           </a:ln>
         </p:spPr>
         <p:txBody>
-          <a:bodyPr anchorCtr="0" anchor="t" bIns="91425" lIns="91425" rIns="91425" wrap="square" tIns="91425"/>
+          <a:bodyPr wrap="square" lIns="91425" tIns="91425" rIns="91425" bIns="91425" anchor="t" anchorCtr="0"/>
           <a:lstStyle>
-            <a:lvl1pPr indent="152400" lvl="0" marL="0" marR="0" rtl="0" algn="l">
+            <a:lvl1pPr marL="0" marR="0" lvl="0" indent="152400" algn="l" rtl="0">
               <a:lnSpc>
                 <a:spcPct val="100000"/>
               </a:lnSpc>
@@ -5867,7 +6102,7 @@
               <a:buSzPct val="100000"/>
               <a:buFont typeface="Varela Round"/>
               <a:buChar char="▧"/>
-              <a:defRPr b="0" i="0" sz="2400" u="none" cap="none" strike="noStrike">
+              <a:defRPr sz="2400" b="0" i="0" u="none" strike="noStrike" cap="none">
                 <a:solidFill>
                   <a:srgbClr val="505670"/>
                 </a:solidFill>
@@ -5877,7 +6112,7 @@
                 <a:sym typeface="Varela Round"/>
               </a:defRPr>
             </a:lvl1pPr>
-            <a:lvl2pPr indent="0" lvl="1" marL="0" marR="0" rtl="0" algn="l">
+            <a:lvl2pPr marL="0" marR="0" lvl="1" indent="0" algn="l" rtl="0">
               <a:lnSpc>
                 <a:spcPct val="100000"/>
               </a:lnSpc>
@@ -5893,7 +6128,7 @@
               <a:buSzPct val="100000"/>
               <a:buFont typeface="Varela Round"/>
               <a:buChar char="○"/>
-              <a:defRPr b="0" i="0" sz="2000" u="none" cap="none" strike="noStrike">
+              <a:defRPr sz="2000" b="0" i="0" u="none" strike="noStrike" cap="none">
                 <a:solidFill>
                   <a:srgbClr val="505670"/>
                 </a:solidFill>
@@ -5903,7 +6138,7 @@
                 <a:sym typeface="Varela Round"/>
               </a:defRPr>
             </a:lvl2pPr>
-            <a:lvl3pPr indent="0" lvl="2" marL="0" marR="0" rtl="0" algn="l">
+            <a:lvl3pPr marL="0" marR="0" lvl="2" indent="0" algn="l" rtl="0">
               <a:lnSpc>
                 <a:spcPct val="100000"/>
               </a:lnSpc>
@@ -5919,7 +6154,7 @@
               <a:buSzPct val="100000"/>
               <a:buFont typeface="Varela Round"/>
               <a:buChar char="■"/>
-              <a:defRPr b="0" i="0" sz="2000" u="none" cap="none" strike="noStrike">
+              <a:defRPr sz="2000" b="0" i="0" u="none" strike="noStrike" cap="none">
                 <a:solidFill>
                   <a:srgbClr val="505670"/>
                 </a:solidFill>
@@ -5929,7 +6164,7 @@
                 <a:sym typeface="Varela Round"/>
               </a:defRPr>
             </a:lvl3pPr>
-            <a:lvl4pPr indent="0" lvl="3" marL="0" marR="0" rtl="0" algn="l">
+            <a:lvl4pPr marL="0" marR="0" lvl="3" indent="0" algn="l" rtl="0">
               <a:lnSpc>
                 <a:spcPct val="100000"/>
               </a:lnSpc>
@@ -5945,7 +6180,7 @@
               <a:buSzPct val="100000"/>
               <a:buFont typeface="Varela Round"/>
               <a:buChar char="●"/>
-              <a:defRPr b="0" i="0" sz="1600" u="none" cap="none" strike="noStrike">
+              <a:defRPr sz="1600" b="0" i="0" u="none" strike="noStrike" cap="none">
                 <a:solidFill>
                   <a:srgbClr val="505670"/>
                 </a:solidFill>
@@ -5955,7 +6190,7 @@
                 <a:sym typeface="Varela Round"/>
               </a:defRPr>
             </a:lvl4pPr>
-            <a:lvl5pPr indent="0" lvl="4" marL="0" marR="0" rtl="0" algn="l">
+            <a:lvl5pPr marL="0" marR="0" lvl="4" indent="0" algn="l" rtl="0">
               <a:lnSpc>
                 <a:spcPct val="100000"/>
               </a:lnSpc>
@@ -5971,7 +6206,7 @@
               <a:buSzPct val="100000"/>
               <a:buFont typeface="Varela Round"/>
               <a:buChar char="○"/>
-              <a:defRPr b="0" i="0" sz="1600" u="none" cap="none" strike="noStrike">
+              <a:defRPr sz="1600" b="0" i="0" u="none" strike="noStrike" cap="none">
                 <a:solidFill>
                   <a:srgbClr val="505670"/>
                 </a:solidFill>
@@ -5981,7 +6216,7 @@
                 <a:sym typeface="Varela Round"/>
               </a:defRPr>
             </a:lvl5pPr>
-            <a:lvl6pPr indent="0" lvl="5" marL="0" marR="0" rtl="0" algn="l">
+            <a:lvl6pPr marL="0" marR="0" lvl="5" indent="0" algn="l" rtl="0">
               <a:lnSpc>
                 <a:spcPct val="100000"/>
               </a:lnSpc>
@@ -5997,7 +6232,7 @@
               <a:buSzPct val="100000"/>
               <a:buFont typeface="Varela Round"/>
               <a:buChar char="■"/>
-              <a:defRPr b="0" i="0" sz="1600" u="none" cap="none" strike="noStrike">
+              <a:defRPr sz="1600" b="0" i="0" u="none" strike="noStrike" cap="none">
                 <a:solidFill>
                   <a:srgbClr val="505670"/>
                 </a:solidFill>
@@ -6007,7 +6242,7 @@
                 <a:sym typeface="Varela Round"/>
               </a:defRPr>
             </a:lvl6pPr>
-            <a:lvl7pPr indent="0" lvl="6" marL="0" marR="0" rtl="0" algn="l">
+            <a:lvl7pPr marL="0" marR="0" lvl="6" indent="0" algn="l" rtl="0">
               <a:lnSpc>
                 <a:spcPct val="100000"/>
               </a:lnSpc>
@@ -6023,7 +6258,7 @@
               <a:buSzPct val="100000"/>
               <a:buFont typeface="Varela Round"/>
               <a:buChar char="●"/>
-              <a:defRPr b="0" i="0" sz="1600" u="none" cap="none" strike="noStrike">
+              <a:defRPr sz="1600" b="0" i="0" u="none" strike="noStrike" cap="none">
                 <a:solidFill>
                   <a:srgbClr val="505670"/>
                 </a:solidFill>
@@ -6033,7 +6268,7 @@
                 <a:sym typeface="Varela Round"/>
               </a:defRPr>
             </a:lvl7pPr>
-            <a:lvl8pPr indent="0" lvl="7" marL="0" marR="0" rtl="0" algn="l">
+            <a:lvl8pPr marL="0" marR="0" lvl="7" indent="0" algn="l" rtl="0">
               <a:lnSpc>
                 <a:spcPct val="100000"/>
               </a:lnSpc>
@@ -6049,7 +6284,7 @@
               <a:buSzPct val="100000"/>
               <a:buFont typeface="Varela Round"/>
               <a:buChar char="○"/>
-              <a:defRPr b="0" i="0" sz="1600" u="none" cap="none" strike="noStrike">
+              <a:defRPr sz="1600" b="0" i="0" u="none" strike="noStrike" cap="none">
                 <a:solidFill>
                   <a:srgbClr val="505670"/>
                 </a:solidFill>
@@ -6059,7 +6294,7 @@
                 <a:sym typeface="Varela Round"/>
               </a:defRPr>
             </a:lvl8pPr>
-            <a:lvl9pPr indent="0" lvl="8" marL="0" marR="0" rtl="0" algn="l">
+            <a:lvl9pPr marL="0" marR="0" lvl="8" indent="0" algn="l" rtl="0">
               <a:lnSpc>
                 <a:spcPct val="100000"/>
               </a:lnSpc>
@@ -6075,7 +6310,7 @@
               <a:buSzPct val="100000"/>
               <a:buFont typeface="Varela Round"/>
               <a:buChar char="■"/>
-              <a:defRPr b="0" i="0" sz="1600" u="none" cap="none" strike="noStrike">
+              <a:defRPr sz="1600" b="0" i="0" u="none" strike="noStrike" cap="none">
                 <a:solidFill>
                   <a:srgbClr val="505670"/>
                 </a:solidFill>
@@ -6086,28 +6321,30 @@
               </a:defRPr>
             </a:lvl9pPr>
           </a:lstStyle>
-          <a:p/>
+          <a:p>
+            <a:endParaRPr/>
+          </a:p>
         </p:txBody>
       </p:sp>
     </p:spTree>
   </p:cSld>
-  <p:clrMap accent1="accent1" accent2="accent2" accent3="accent3" accent4="accent4" accent5="accent5" accent6="accent6" bg1="lt1" bg2="dk2" tx1="dk1" tx2="lt2" folHlink="folHlink" hlink="hlink"/>
+  <p:clrMap bg1="lt1" tx1="dk1" bg2="dk2" tx2="lt2" accent1="accent1" accent2="accent2" accent3="accent3" accent4="accent4" accent5="accent5" accent6="accent6" hlink="hlink" folHlink="folHlink"/>
   <p:sldLayoutIdLst>
-    <p:sldLayoutId id="2147483648" r:id="rId2"/>
-    <p:sldLayoutId id="2147483649" r:id="rId3"/>
-    <p:sldLayoutId id="2147483650" r:id="rId4"/>
-    <p:sldLayoutId id="2147483651" r:id="rId5"/>
-    <p:sldLayoutId id="2147483652" r:id="rId6"/>
-    <p:sldLayoutId id="2147483653" r:id="rId7"/>
-    <p:sldLayoutId id="2147483654" r:id="rId8"/>
-    <p:sldLayoutId id="2147483655" r:id="rId9"/>
-    <p:sldLayoutId id="2147483656" r:id="rId10"/>
-    <p:sldLayoutId id="2147483657" r:id="rId11"/>
+    <p:sldLayoutId id="2147483648" r:id="rId1"/>
+    <p:sldLayoutId id="2147483649" r:id="rId2"/>
+    <p:sldLayoutId id="2147483650" r:id="rId3"/>
+    <p:sldLayoutId id="2147483651" r:id="rId4"/>
+    <p:sldLayoutId id="2147483652" r:id="rId5"/>
+    <p:sldLayoutId id="2147483653" r:id="rId6"/>
+    <p:sldLayoutId id="2147483654" r:id="rId7"/>
+    <p:sldLayoutId id="2147483655" r:id="rId8"/>
+    <p:sldLayoutId id="2147483656" r:id="rId9"/>
+    <p:sldLayoutId id="2147483657" r:id="rId10"/>
   </p:sldLayoutIdLst>
-  <p:hf dt="0" ftr="0" hdr="0" sldNum="0"/>
+  <p:hf sldNum="0" hdr="0" ftr="0" dt="0"/>
   <p:txStyles>
     <p:titleStyle>
-      <a:defPPr lvl="0" marR="0" rtl="0" algn="l">
+      <a:defPPr marR="0" lvl="0" algn="l" rtl="0">
         <a:lnSpc>
           <a:spcPct val="100000"/>
         </a:lnSpc>
@@ -6118,7 +6355,7 @@
           <a:spcPts val="0"/>
         </a:spcAft>
       </a:defPPr>
-      <a:lvl1pPr lvl="0" marR="0" rtl="0" algn="l">
+      <a:lvl1pPr marR="0" lvl="0" algn="l" rtl="0">
         <a:lnSpc>
           <a:spcPct val="100000"/>
         </a:lnSpc>
@@ -6129,7 +6366,7 @@
           <a:spcPts val="0"/>
         </a:spcAft>
         <a:buNone/>
-        <a:defRPr b="0" i="0" sz="1400" u="none" cap="none" strike="noStrike">
+        <a:defRPr sz="1400" b="0" i="0" u="none" strike="noStrike" cap="none">
           <a:solidFill>
             <a:srgbClr val="000000"/>
           </a:solidFill>
@@ -6141,7 +6378,7 @@
       </a:lvl1pPr>
     </p:titleStyle>
     <p:bodyStyle>
-      <a:defPPr lvl="0" marR="0" rtl="0" algn="l">
+      <a:defPPr marR="0" lvl="0" algn="l" rtl="0">
         <a:lnSpc>
           <a:spcPct val="100000"/>
         </a:lnSpc>
@@ -6152,7 +6389,7 @@
           <a:spcPts val="0"/>
         </a:spcAft>
       </a:defPPr>
-      <a:lvl1pPr lvl="0" marR="0" rtl="0" algn="l">
+      <a:lvl1pPr marR="0" lvl="0" algn="l" rtl="0">
         <a:lnSpc>
           <a:spcPct val="100000"/>
         </a:lnSpc>
@@ -6163,7 +6400,7 @@
           <a:spcPts val="0"/>
         </a:spcAft>
         <a:buNone/>
-        <a:defRPr b="0" i="0" sz="1400" u="none" cap="none" strike="noStrike">
+        <a:defRPr sz="1400" b="0" i="0" u="none" strike="noStrike" cap="none">
           <a:solidFill>
             <a:srgbClr val="000000"/>
           </a:solidFill>
@@ -6173,7 +6410,7 @@
           <a:sym typeface="Arial"/>
         </a:defRPr>
       </a:lvl1pPr>
-      <a:lvl2pPr lvl="1" marR="0" rtl="0" algn="l">
+      <a:lvl2pPr marR="0" lvl="1" algn="l" rtl="0">
         <a:lnSpc>
           <a:spcPct val="100000"/>
         </a:lnSpc>
@@ -6184,7 +6421,7 @@
           <a:spcPts val="0"/>
         </a:spcAft>
         <a:buNone/>
-        <a:defRPr b="0" i="0" sz="1400" u="none" cap="none" strike="noStrike">
+        <a:defRPr sz="1400" b="0" i="0" u="none" strike="noStrike" cap="none">
           <a:solidFill>
             <a:srgbClr val="000000"/>
           </a:solidFill>
@@ -6194,7 +6431,7 @@
           <a:sym typeface="Arial"/>
         </a:defRPr>
       </a:lvl2pPr>
-      <a:lvl3pPr lvl="2" marR="0" rtl="0" algn="l">
+      <a:lvl3pPr marR="0" lvl="2" algn="l" rtl="0">
         <a:lnSpc>
           <a:spcPct val="100000"/>
         </a:lnSpc>
@@ -6205,7 +6442,7 @@
           <a:spcPts val="0"/>
         </a:spcAft>
         <a:buNone/>
-        <a:defRPr b="0" i="0" sz="1400" u="none" cap="none" strike="noStrike">
+        <a:defRPr sz="1400" b="0" i="0" u="none" strike="noStrike" cap="none">
           <a:solidFill>
             <a:srgbClr val="000000"/>
           </a:solidFill>
@@ -6215,7 +6452,7 @@
           <a:sym typeface="Arial"/>
         </a:defRPr>
       </a:lvl3pPr>
-      <a:lvl4pPr lvl="3" marR="0" rtl="0" algn="l">
+      <a:lvl4pPr marR="0" lvl="3" algn="l" rtl="0">
         <a:lnSpc>
           <a:spcPct val="100000"/>
         </a:lnSpc>
@@ -6226,7 +6463,7 @@
           <a:spcPts val="0"/>
         </a:spcAft>
         <a:buNone/>
-        <a:defRPr b="0" i="0" sz="1400" u="none" cap="none" strike="noStrike">
+        <a:defRPr sz="1400" b="0" i="0" u="none" strike="noStrike" cap="none">
           <a:solidFill>
             <a:srgbClr val="000000"/>
           </a:solidFill>
@@ -6236,7 +6473,7 @@
           <a:sym typeface="Arial"/>
         </a:defRPr>
       </a:lvl4pPr>
-      <a:lvl5pPr lvl="4" marR="0" rtl="0" algn="l">
+      <a:lvl5pPr marR="0" lvl="4" algn="l" rtl="0">
         <a:lnSpc>
           <a:spcPct val="100000"/>
         </a:lnSpc>
@@ -6247,7 +6484,7 @@
           <a:spcPts val="0"/>
         </a:spcAft>
         <a:buNone/>
-        <a:defRPr b="0" i="0" sz="1400" u="none" cap="none" strike="noStrike">
+        <a:defRPr sz="1400" b="0" i="0" u="none" strike="noStrike" cap="none">
           <a:solidFill>
             <a:srgbClr val="000000"/>
           </a:solidFill>
@@ -6257,7 +6494,7 @@
           <a:sym typeface="Arial"/>
         </a:defRPr>
       </a:lvl5pPr>
-      <a:lvl6pPr lvl="5" marR="0" rtl="0" algn="l">
+      <a:lvl6pPr marR="0" lvl="5" algn="l" rtl="0">
         <a:lnSpc>
           <a:spcPct val="100000"/>
         </a:lnSpc>
@@ -6268,7 +6505,7 @@
           <a:spcPts val="0"/>
         </a:spcAft>
         <a:buNone/>
-        <a:defRPr b="0" i="0" sz="1400" u="none" cap="none" strike="noStrike">
+        <a:defRPr sz="1400" b="0" i="0" u="none" strike="noStrike" cap="none">
           <a:solidFill>
             <a:srgbClr val="000000"/>
           </a:solidFill>
@@ -6278,7 +6515,7 @@
           <a:sym typeface="Arial"/>
         </a:defRPr>
       </a:lvl6pPr>
-      <a:lvl7pPr lvl="6" marR="0" rtl="0" algn="l">
+      <a:lvl7pPr marR="0" lvl="6" algn="l" rtl="0">
         <a:lnSpc>
           <a:spcPct val="100000"/>
         </a:lnSpc>
@@ -6289,7 +6526,7 @@
           <a:spcPts val="0"/>
         </a:spcAft>
         <a:buNone/>
-        <a:defRPr b="0" i="0" sz="1400" u="none" cap="none" strike="noStrike">
+        <a:defRPr sz="1400" b="0" i="0" u="none" strike="noStrike" cap="none">
           <a:solidFill>
             <a:srgbClr val="000000"/>
           </a:solidFill>
@@ -6299,7 +6536,7 @@
           <a:sym typeface="Arial"/>
         </a:defRPr>
       </a:lvl7pPr>
-      <a:lvl8pPr lvl="7" marR="0" rtl="0" algn="l">
+      <a:lvl8pPr marR="0" lvl="7" algn="l" rtl="0">
         <a:lnSpc>
           <a:spcPct val="100000"/>
         </a:lnSpc>
@@ -6310,7 +6547,7 @@
           <a:spcPts val="0"/>
         </a:spcAft>
         <a:buNone/>
-        <a:defRPr b="0" i="0" sz="1400" u="none" cap="none" strike="noStrike">
+        <a:defRPr sz="1400" b="0" i="0" u="none" strike="noStrike" cap="none">
           <a:solidFill>
             <a:srgbClr val="000000"/>
           </a:solidFill>
@@ -6320,7 +6557,7 @@
           <a:sym typeface="Arial"/>
         </a:defRPr>
       </a:lvl8pPr>
-      <a:lvl9pPr lvl="8" marR="0" rtl="0" algn="l">
+      <a:lvl9pPr marR="0" lvl="8" algn="l" rtl="0">
         <a:lnSpc>
           <a:spcPct val="100000"/>
         </a:lnSpc>
@@ -6331,7 +6568,7 @@
           <a:spcPts val="0"/>
         </a:spcAft>
         <a:buNone/>
-        <a:defRPr b="0" i="0" sz="1400" u="none" cap="none" strike="noStrike">
+        <a:defRPr sz="1400" b="0" i="0" u="none" strike="noStrike" cap="none">
           <a:solidFill>
             <a:srgbClr val="000000"/>
           </a:solidFill>
@@ -6343,7 +6580,7 @@
       </a:lvl9pPr>
     </p:bodyStyle>
     <p:otherStyle>
-      <a:defPPr lvl="0" marR="0" rtl="0" algn="l">
+      <a:defPPr marR="0" lvl="0" algn="l" rtl="0">
         <a:lnSpc>
           <a:spcPct val="100000"/>
         </a:lnSpc>
@@ -6354,7 +6591,7 @@
           <a:spcPts val="0"/>
         </a:spcAft>
       </a:defPPr>
-      <a:lvl1pPr lvl="0" marR="0" rtl="0" algn="l">
+      <a:lvl1pPr marR="0" lvl="0" algn="l" rtl="0">
         <a:lnSpc>
           <a:spcPct val="100000"/>
         </a:lnSpc>
@@ -6365,7 +6602,7 @@
           <a:spcPts val="0"/>
         </a:spcAft>
         <a:buNone/>
-        <a:defRPr b="0" i="0" sz="1400" u="none" cap="none" strike="noStrike">
+        <a:defRPr sz="1400" b="0" i="0" u="none" strike="noStrike" cap="none">
           <a:solidFill>
             <a:srgbClr val="000000"/>
           </a:solidFill>
@@ -6375,7 +6612,7 @@
           <a:sym typeface="Arial"/>
         </a:defRPr>
       </a:lvl1pPr>
-      <a:lvl2pPr lvl="1" marR="0" rtl="0" algn="l">
+      <a:lvl2pPr marR="0" lvl="1" algn="l" rtl="0">
         <a:lnSpc>
           <a:spcPct val="100000"/>
         </a:lnSpc>
@@ -6386,7 +6623,7 @@
           <a:spcPts val="0"/>
         </a:spcAft>
         <a:buNone/>
-        <a:defRPr b="0" i="0" sz="1400" u="none" cap="none" strike="noStrike">
+        <a:defRPr sz="1400" b="0" i="0" u="none" strike="noStrike" cap="none">
           <a:solidFill>
             <a:srgbClr val="000000"/>
           </a:solidFill>
@@ -6396,7 +6633,7 @@
           <a:sym typeface="Arial"/>
         </a:defRPr>
       </a:lvl2pPr>
-      <a:lvl3pPr lvl="2" marR="0" rtl="0" algn="l">
+      <a:lvl3pPr marR="0" lvl="2" algn="l" rtl="0">
         <a:lnSpc>
           <a:spcPct val="100000"/>
         </a:lnSpc>
@@ -6407,7 +6644,7 @@
           <a:spcPts val="0"/>
         </a:spcAft>
         <a:buNone/>
-        <a:defRPr b="0" i="0" sz="1400" u="none" cap="none" strike="noStrike">
+        <a:defRPr sz="1400" b="0" i="0" u="none" strike="noStrike" cap="none">
           <a:solidFill>
             <a:srgbClr val="000000"/>
           </a:solidFill>
@@ -6417,7 +6654,7 @@
           <a:sym typeface="Arial"/>
         </a:defRPr>
       </a:lvl3pPr>
-      <a:lvl4pPr lvl="3" marR="0" rtl="0" algn="l">
+      <a:lvl4pPr marR="0" lvl="3" algn="l" rtl="0">
         <a:lnSpc>
           <a:spcPct val="100000"/>
         </a:lnSpc>
@@ -6428,7 +6665,7 @@
           <a:spcPts val="0"/>
         </a:spcAft>
         <a:buNone/>
-        <a:defRPr b="0" i="0" sz="1400" u="none" cap="none" strike="noStrike">
+        <a:defRPr sz="1400" b="0" i="0" u="none" strike="noStrike" cap="none">
           <a:solidFill>
             <a:srgbClr val="000000"/>
           </a:solidFill>
@@ -6438,7 +6675,7 @@
           <a:sym typeface="Arial"/>
         </a:defRPr>
       </a:lvl4pPr>
-      <a:lvl5pPr lvl="4" marR="0" rtl="0" algn="l">
+      <a:lvl5pPr marR="0" lvl="4" algn="l" rtl="0">
         <a:lnSpc>
           <a:spcPct val="100000"/>
         </a:lnSpc>
@@ -6449,7 +6686,7 @@
           <a:spcPts val="0"/>
         </a:spcAft>
         <a:buNone/>
-        <a:defRPr b="0" i="0" sz="1400" u="none" cap="none" strike="noStrike">
+        <a:defRPr sz="1400" b="0" i="0" u="none" strike="noStrike" cap="none">
           <a:solidFill>
             <a:srgbClr val="000000"/>
           </a:solidFill>
@@ -6459,7 +6696,7 @@
           <a:sym typeface="Arial"/>
         </a:defRPr>
       </a:lvl5pPr>
-      <a:lvl6pPr lvl="5" marR="0" rtl="0" algn="l">
+      <a:lvl6pPr marR="0" lvl="5" algn="l" rtl="0">
         <a:lnSpc>
           <a:spcPct val="100000"/>
         </a:lnSpc>
@@ -6470,7 +6707,7 @@
           <a:spcPts val="0"/>
         </a:spcAft>
         <a:buNone/>
-        <a:defRPr b="0" i="0" sz="1400" u="none" cap="none" strike="noStrike">
+        <a:defRPr sz="1400" b="0" i="0" u="none" strike="noStrike" cap="none">
           <a:solidFill>
             <a:srgbClr val="000000"/>
           </a:solidFill>
@@ -6480,7 +6717,7 @@
           <a:sym typeface="Arial"/>
         </a:defRPr>
       </a:lvl6pPr>
-      <a:lvl7pPr lvl="6" marR="0" rtl="0" algn="l">
+      <a:lvl7pPr marR="0" lvl="6" algn="l" rtl="0">
         <a:lnSpc>
           <a:spcPct val="100000"/>
         </a:lnSpc>
@@ -6491,7 +6728,7 @@
           <a:spcPts val="0"/>
         </a:spcAft>
         <a:buNone/>
-        <a:defRPr b="0" i="0" sz="1400" u="none" cap="none" strike="noStrike">
+        <a:defRPr sz="1400" b="0" i="0" u="none" strike="noStrike" cap="none">
           <a:solidFill>
             <a:srgbClr val="000000"/>
           </a:solidFill>
@@ -6501,7 +6738,7 @@
           <a:sym typeface="Arial"/>
         </a:defRPr>
       </a:lvl7pPr>
-      <a:lvl8pPr lvl="7" marR="0" rtl="0" algn="l">
+      <a:lvl8pPr marR="0" lvl="7" algn="l" rtl="0">
         <a:lnSpc>
           <a:spcPct val="100000"/>
         </a:lnSpc>
@@ -6512,7 +6749,7 @@
           <a:spcPts val="0"/>
         </a:spcAft>
         <a:buNone/>
-        <a:defRPr b="0" i="0" sz="1400" u="none" cap="none" strike="noStrike">
+        <a:defRPr sz="1400" b="0" i="0" u="none" strike="noStrike" cap="none">
           <a:solidFill>
             <a:srgbClr val="000000"/>
           </a:solidFill>
@@ -6522,7 +6759,7 @@
           <a:sym typeface="Arial"/>
         </a:defRPr>
       </a:lvl8pPr>
-      <a:lvl9pPr lvl="8" marR="0" rtl="0" algn="l">
+      <a:lvl9pPr marR="0" lvl="8" algn="l" rtl="0">
         <a:lnSpc>
           <a:spcPct val="100000"/>
         </a:lnSpc>
@@ -6533,7 +6770,7 @@
           <a:spcPts val="0"/>
         </a:spcAft>
         <a:buNone/>
-        <a:defRPr b="0" i="0" sz="1400" u="none" cap="none" strike="noStrike">
+        <a:defRPr sz="1400" b="0" i="0" u="none" strike="noStrike" cap="none">
           <a:solidFill>
             <a:srgbClr val="000000"/>
           </a:solidFill>
@@ -6549,11 +6786,11 @@
 </file>
 
 <file path=ppt/slides/slide1.xml><?xml version="1.0" encoding="utf-8"?>
-<p:sld xmlns:a="http://schemas.openxmlformats.org/drawingml/2006/main" xmlns:r="http://schemas.openxmlformats.org/officeDocument/2006/relationships" xmlns:mc="http://schemas.openxmlformats.org/markup-compatibility/2006" xmlns:mv="urn:schemas-microsoft-com:mac:vml" xmlns:p="http://schemas.openxmlformats.org/presentationml/2006/main" xmlns:c="http://schemas.openxmlformats.org/drawingml/2006/chart" xmlns:dgm="http://schemas.openxmlformats.org/drawingml/2006/diagram" xmlns:o="urn:schemas-microsoft-com:office:office" xmlns:v="urn:schemas-microsoft-com:vml" xmlns:pvml="urn:schemas-microsoft-com:office:powerpoint" xmlns:com="http://schemas.openxmlformats.org/drawingml/2006/compatibility" xmlns:p14="http://schemas.microsoft.com/office/powerpoint/2010/main" xmlns:p15="http://schemas.microsoft.com/office/powerpoint/2012/main">
+<p:sld xmlns:a="http://schemas.openxmlformats.org/drawingml/2006/main" xmlns:r="http://schemas.openxmlformats.org/officeDocument/2006/relationships" xmlns:p="http://schemas.openxmlformats.org/presentationml/2006/main">
   <p:cSld>
     <p:spTree>
       <p:nvGrpSpPr>
-        <p:cNvPr id="44" name="Shape 44"/>
+        <p:cNvPr id="1" name="Shape 44"/>
         <p:cNvGrpSpPr/>
         <p:nvPr/>
       </p:nvGrpSpPr>
@@ -6568,7 +6805,9 @@
       <p:sp>
         <p:nvSpPr>
           <p:cNvPr id="45" name="Shape 45"/>
-          <p:cNvSpPr txBox="1"/>
+          <p:cNvSpPr txBox="1">
+            <a:spLocks noGrp="1"/>
+          </p:cNvSpPr>
           <p:nvPr>
             <p:ph type="ctrTitle"/>
           </p:nvPr>
@@ -6587,12 +6826,12 @@
           </a:ln>
         </p:spPr>
         <p:txBody>
-          <a:bodyPr anchorCtr="0" anchor="ctr" bIns="91425" lIns="91425" rIns="91425" wrap="square" tIns="91425">
+          <a:bodyPr wrap="square" lIns="91425" tIns="91425" rIns="91425" bIns="91425" anchor="ctr" anchorCtr="0">
             <a:noAutofit/>
           </a:bodyPr>
           <a:lstStyle/>
           <a:p>
-            <a:pPr indent="-508000" lvl="0" marL="0" marR="0" rtl="0" algn="ctr">
+            <a:pPr marL="0" marR="0" lvl="0" indent="-508000" algn="ctr" rtl="0">
               <a:lnSpc>
                 <a:spcPct val="100000"/>
               </a:lnSpc>
@@ -6620,7 +6859,7 @@
             </a:r>
           </a:p>
           <a:p>
-            <a:pPr indent="-508000" lvl="0" marL="0" marR="0" rtl="0" algn="ctr">
+            <a:pPr marL="0" marR="0" lvl="0" indent="-508000" algn="ctr" rtl="0">
               <a:lnSpc>
                 <a:spcPct val="100000"/>
               </a:lnSpc>
@@ -6661,8 +6900,13 @@
             <a:ext cx="402308" cy="1167266"/>
           </a:xfrm>
           <a:custGeom>
+            <a:avLst/>
+            <a:gdLst/>
+            <a:ahLst/>
+            <a:cxnLst/>
+            <a:rect l="0" t="0" r="0" b="0"/>
             <a:pathLst>
-              <a:path extrusionOk="0" h="120000" w="120000">
+              <a:path w="120000" h="120000" extrusionOk="0">
                 <a:moveTo>
                   <a:pt x="0" y="0"/>
                 </a:moveTo>
@@ -6680,23 +6924,23 @@
             </a:pathLst>
           </a:custGeom>
           <a:noFill/>
-          <a:ln cap="flat" cmpd="sng" w="9525">
+          <a:ln w="9525" cap="flat" cmpd="sng">
             <a:solidFill>
               <a:srgbClr val="FFFFFF"/>
             </a:solidFill>
             <a:prstDash val="dash"/>
             <a:round/>
-            <a:headEnd len="med" w="med" type="none"/>
-            <a:tailEnd len="med" w="med" type="none"/>
+            <a:headEnd type="none" w="med" len="med"/>
+            <a:tailEnd type="none" w="med" len="med"/>
           </a:ln>
         </p:spPr>
         <p:txBody>
-          <a:bodyPr anchorCtr="0" anchor="t" bIns="45700" lIns="91425" rIns="91425" wrap="square" tIns="45700">
+          <a:bodyPr wrap="square" lIns="91425" tIns="45700" rIns="91425" bIns="45700" anchor="t" anchorCtr="0">
             <a:noAutofit/>
           </a:bodyPr>
           <a:lstStyle/>
           <a:p>
-            <a:pPr indent="-88900" lvl="0" marL="0" marR="0" rtl="0" algn="l">
+            <a:pPr marL="0" marR="0" lvl="0" indent="-88900" algn="l" rtl="0">
               <a:lnSpc>
                 <a:spcPct val="100000"/>
               </a:lnSpc>
@@ -6713,10 +6957,7 @@
               <a:buFont typeface="Arial"/>
               <a:buNone/>
             </a:pPr>
-            <a:r>
-              <a:t/>
-            </a:r>
-            <a:endParaRPr b="0" i="0" sz="1400" u="none" cap="none" strike="noStrike">
+            <a:endParaRPr sz="1400" b="0" i="0" u="none" strike="noStrike" cap="none">
               <a:solidFill>
                 <a:srgbClr val="000000"/>
               </a:solidFill>
@@ -6740,8 +6981,13 @@
             <a:ext cx="3153375" cy="34500"/>
           </a:xfrm>
           <a:custGeom>
+            <a:avLst/>
+            <a:gdLst/>
+            <a:ahLst/>
+            <a:cxnLst/>
+            <a:rect l="0" t="0" r="0" b="0"/>
             <a:pathLst>
-              <a:path extrusionOk="0" h="120000" w="120000">
+              <a:path w="120000" h="120000" extrusionOk="0">
                 <a:moveTo>
                   <a:pt x="0" y="84608"/>
                 </a:moveTo>
@@ -6759,18 +7005,18 @@
             </a:pathLst>
           </a:custGeom>
           <a:noFill/>
-          <a:ln cap="flat" cmpd="sng" w="9525">
+          <a:ln w="9525" cap="flat" cmpd="sng">
             <a:solidFill>
               <a:srgbClr val="FFFFFF"/>
             </a:solidFill>
             <a:prstDash val="solid"/>
             <a:round/>
-            <a:headEnd len="med" w="med" type="none"/>
-            <a:tailEnd len="med" w="med" type="none"/>
+            <a:headEnd type="none" w="med" len="med"/>
+            <a:tailEnd type="none" w="med" len="med"/>
           </a:ln>
         </p:spPr>
         <p:txBody>
-          <a:bodyPr anchorCtr="0" anchor="ctr" bIns="91425" lIns="91425" rIns="91425" wrap="square" tIns="91425">
+          <a:bodyPr wrap="square" lIns="91425" tIns="91425" rIns="91425" bIns="91425" anchor="ctr" anchorCtr="0">
             <a:noAutofit/>
           </a:bodyPr>
           <a:lstStyle/>
@@ -6781,9 +7027,6 @@
               </a:spcBef>
               <a:buNone/>
             </a:pPr>
-            <a:r>
-              <a:t/>
-            </a:r>
             <a:endParaRPr/>
           </a:p>
         </p:txBody>
@@ -6800,8 +7043,13 @@
             <a:ext cx="3177700" cy="41425"/>
           </a:xfrm>
           <a:custGeom>
+            <a:avLst/>
+            <a:gdLst/>
+            <a:ahLst/>
+            <a:cxnLst/>
+            <a:rect l="0" t="0" r="0" b="0"/>
             <a:pathLst>
-              <a:path extrusionOk="0" h="120000" w="120000">
+              <a:path w="120000" h="120000" extrusionOk="0">
                 <a:moveTo>
                   <a:pt x="0" y="120000"/>
                 </a:moveTo>
@@ -6814,18 +7062,18 @@
             </a:pathLst>
           </a:custGeom>
           <a:noFill/>
-          <a:ln cap="flat" cmpd="sng" w="9525">
+          <a:ln w="9525" cap="flat" cmpd="sng">
             <a:solidFill>
               <a:srgbClr val="FFFFFF"/>
             </a:solidFill>
             <a:prstDash val="solid"/>
             <a:round/>
-            <a:headEnd len="med" w="med" type="none"/>
-            <a:tailEnd len="med" w="med" type="none"/>
+            <a:headEnd type="none" w="med" len="med"/>
+            <a:tailEnd type="none" w="med" len="med"/>
           </a:ln>
         </p:spPr>
         <p:txBody>
-          <a:bodyPr anchorCtr="0" anchor="ctr" bIns="91425" lIns="91425" rIns="91425" wrap="square" tIns="91425">
+          <a:bodyPr wrap="square" lIns="91425" tIns="91425" rIns="91425" bIns="91425" anchor="ctr" anchorCtr="0">
             <a:noAutofit/>
           </a:bodyPr>
           <a:lstStyle/>
@@ -6836,9 +7084,6 @@
               </a:spcBef>
               <a:buNone/>
             </a:pPr>
-            <a:r>
-              <a:t/>
-            </a:r>
             <a:endParaRPr/>
           </a:p>
         </p:txBody>
@@ -6850,7 +7095,7 @@
           <p:nvPr/>
         </p:nvCxnSpPr>
         <p:spPr>
-          <a:xfrm flipH="1" rot="10800000">
+          <a:xfrm rot="10800000" flipH="1">
             <a:off x="5064442" y="2008971"/>
             <a:ext cx="291900" cy="542999"/>
           </a:xfrm>
@@ -6858,14 +7103,14 @@
             <a:avLst/>
           </a:prstGeom>
           <a:noFill/>
-          <a:ln cap="flat" cmpd="sng" w="9525">
+          <a:ln w="9525" cap="flat" cmpd="sng">
             <a:solidFill>
               <a:srgbClr val="FFFFFF"/>
             </a:solidFill>
             <a:prstDash val="dash"/>
             <a:round/>
-            <a:headEnd len="lg" w="lg" type="stealth"/>
-            <a:tailEnd len="med" w="med" type="none"/>
+            <a:headEnd type="stealth" w="lg" len="lg"/>
+            <a:tailEnd type="none" w="med" len="med"/>
           </a:ln>
         </p:spPr>
       </p:cxnSp>
@@ -6881,8 +7126,13 @@
             <a:ext cx="1345200" cy="1025100"/>
           </a:xfrm>
           <a:custGeom>
+            <a:avLst/>
+            <a:gdLst/>
+            <a:ahLst/>
+            <a:cxnLst/>
+            <a:rect l="0" t="0" r="0" b="0"/>
             <a:pathLst>
-              <a:path extrusionOk="0" h="120000" w="120000">
+              <a:path w="120000" h="120000" extrusionOk="0">
                 <a:moveTo>
                   <a:pt x="74375" y="6634"/>
                 </a:moveTo>
@@ -6930,23 +7180,23 @@
             </a:pathLst>
           </a:custGeom>
           <a:noFill/>
-          <a:ln cap="flat" cmpd="sng" w="9525">
+          <a:ln w="9525" cap="flat" cmpd="sng">
             <a:solidFill>
               <a:srgbClr val="FFFFFF"/>
             </a:solidFill>
             <a:prstDash val="solid"/>
             <a:round/>
-            <a:headEnd len="med" w="med" type="none"/>
-            <a:tailEnd len="med" w="med" type="none"/>
+            <a:headEnd type="none" w="med" len="med"/>
+            <a:tailEnd type="none" w="med" len="med"/>
           </a:ln>
         </p:spPr>
         <p:txBody>
-          <a:bodyPr anchorCtr="0" anchor="t" bIns="45700" lIns="91425" rIns="91425" wrap="square" tIns="45700">
+          <a:bodyPr wrap="square" lIns="91425" tIns="45700" rIns="91425" bIns="45700" anchor="t" anchorCtr="0">
             <a:noAutofit/>
           </a:bodyPr>
           <a:lstStyle/>
           <a:p>
-            <a:pPr indent="-88900" lvl="0" marL="0" marR="0" rtl="0" algn="l">
+            <a:pPr marL="0" marR="0" lvl="0" indent="-88900" algn="l" rtl="0">
               <a:lnSpc>
                 <a:spcPct val="100000"/>
               </a:lnSpc>
@@ -6963,10 +7213,7 @@
               <a:buFont typeface="Arial"/>
               <a:buNone/>
             </a:pPr>
-            <a:r>
-              <a:t/>
-            </a:r>
-            <a:endParaRPr b="0" i="0" sz="1400" u="none" cap="none" strike="noStrike">
+            <a:endParaRPr sz="1400" b="0" i="0" u="none" strike="noStrike" cap="none">
               <a:solidFill>
                 <a:srgbClr val="000000"/>
               </a:solidFill>
@@ -6989,32 +7236,32 @@
   <p:timing>
     <p:tnLst>
       <p:par>
-        <p:cTn dur="indefinite" nodeType="tmRoot" restart="never">
+        <p:cTn id="1" dur="indefinite" restart="never" nodeType="tmRoot">
           <p:childTnLst>
             <p:seq concurrent="1" nextAc="seek">
-              <p:cTn dur="indefinite" id="2" nodeType="mainSeq">
+              <p:cTn id="2" dur="indefinite" nodeType="mainSeq">
                 <p:childTnLst>
                   <p:par>
-                    <p:cTn fill="hold">
+                    <p:cTn id="3" fill="hold">
                       <p:stCondLst>
                         <p:cond delay="indefinite"/>
                       </p:stCondLst>
                       <p:childTnLst>
                         <p:par>
-                          <p:cTn fill="hold">
+                          <p:cTn id="4" fill="hold">
                             <p:stCondLst>
                               <p:cond delay="0"/>
                             </p:stCondLst>
                             <p:childTnLst>
                               <p:par>
-                                <p:cTn fill="hold" nodeType="clickEffect" presetClass="entr" presetID="2" presetSubtype="4">
+                                <p:cTn id="5" presetID="2" presetClass="entr" presetSubtype="4" fill="hold" nodeType="clickEffect">
                                   <p:stCondLst>
                                     <p:cond delay="0"/>
                                   </p:stCondLst>
                                   <p:childTnLst>
                                     <p:set>
                                       <p:cBhvr>
-                                        <p:cTn dur="1" fill="hold">
+                                        <p:cTn id="6" dur="1" fill="hold">
                                           <p:stCondLst>
                                             <p:cond delay="0"/>
                                           </p:stCondLst>
@@ -7032,7 +7279,7 @@
                                     </p:set>
                                     <p:anim calcmode="lin" valueType="num">
                                       <p:cBhvr additive="base">
-                                        <p:cTn dur="500"/>
+                                        <p:cTn id="7" dur="500"/>
                                         <p:tgtEl>
                                           <p:spTgt spid="45"/>
                                         </p:tgtEl>
@@ -7041,12 +7288,12 @@
                                         </p:attrNameLst>
                                       </p:cBhvr>
                                       <p:tavLst>
-                                        <p:tav fmla="" tm="0">
+                                        <p:tav tm="0">
                                           <p:val>
                                             <p:strVal val="#ppt_y+1"/>
                                           </p:val>
                                         </p:tav>
-                                        <p:tav fmla="" tm="100000">
+                                        <p:tav tm="100000">
                                           <p:val>
                                             <p:strVal val="#ppt_y"/>
                                           </p:val>
@@ -7065,14 +7312,14 @@
                 </p:childTnLst>
               </p:cTn>
               <p:prevCondLst>
-                <p:cond evt="onPrev">
+                <p:cond evt="onPrev" delay="0">
                   <p:tgtEl>
                     <p:sldTgt/>
                   </p:tgtEl>
                 </p:cond>
               </p:prevCondLst>
               <p:nextCondLst>
-                <p:cond evt="onNext">
+                <p:cond evt="onNext" delay="0">
                   <p:tgtEl>
                     <p:sldTgt/>
                   </p:tgtEl>
@@ -7088,11 +7335,11 @@
 </file>
 
 <file path=ppt/slides/slide2.xml><?xml version="1.0" encoding="utf-8"?>
-<p:sld xmlns:a="http://schemas.openxmlformats.org/drawingml/2006/main" xmlns:r="http://schemas.openxmlformats.org/officeDocument/2006/relationships" xmlns:mc="http://schemas.openxmlformats.org/markup-compatibility/2006" xmlns:mv="urn:schemas-microsoft-com:mac:vml" xmlns:p="http://schemas.openxmlformats.org/presentationml/2006/main" xmlns:c="http://schemas.openxmlformats.org/drawingml/2006/chart" xmlns:dgm="http://schemas.openxmlformats.org/drawingml/2006/diagram" xmlns:o="urn:schemas-microsoft-com:office:office" xmlns:v="urn:schemas-microsoft-com:vml" xmlns:pvml="urn:schemas-microsoft-com:office:powerpoint" xmlns:com="http://schemas.openxmlformats.org/drawingml/2006/compatibility" xmlns:p14="http://schemas.microsoft.com/office/powerpoint/2010/main" xmlns:p15="http://schemas.microsoft.com/office/powerpoint/2012/main">
+<p:sld xmlns:a="http://schemas.openxmlformats.org/drawingml/2006/main" xmlns:r="http://schemas.openxmlformats.org/officeDocument/2006/relationships" xmlns:p="http://schemas.openxmlformats.org/presentationml/2006/main">
   <p:cSld>
     <p:spTree>
       <p:nvGrpSpPr>
-        <p:cNvPr id="54" name="Shape 54"/>
+        <p:cNvPr id="1" name="Shape 54"/>
         <p:cNvGrpSpPr/>
         <p:nvPr/>
       </p:nvGrpSpPr>
@@ -7107,7 +7354,9 @@
       <p:sp>
         <p:nvSpPr>
           <p:cNvPr id="55" name="Shape 55"/>
-          <p:cNvSpPr txBox="1"/>
+          <p:cNvSpPr txBox="1">
+            <a:spLocks noGrp="1"/>
+          </p:cNvSpPr>
           <p:nvPr>
             <p:ph type="title"/>
           </p:nvPr>
@@ -7126,12 +7375,12 @@
           </a:ln>
         </p:spPr>
         <p:txBody>
-          <a:bodyPr anchorCtr="0" anchor="b" bIns="91425" lIns="91425" rIns="91425" wrap="square" tIns="91425">
+          <a:bodyPr wrap="square" lIns="91425" tIns="91425" rIns="91425" bIns="91425" anchor="b" anchorCtr="0">
             <a:noAutofit/>
           </a:bodyPr>
           <a:lstStyle/>
           <a:p>
-            <a:pPr indent="-203200" lvl="0" marL="0" marR="0" rtl="0" algn="ctr">
+            <a:pPr marL="0" marR="0" lvl="0" indent="-203200" algn="ctr" rtl="0">
               <a:lnSpc>
                 <a:spcPct val="100000"/>
               </a:lnSpc>
@@ -7149,7 +7398,7 @@
               <a:buNone/>
             </a:pPr>
             <a:r>
-              <a:rPr b="1" lang="zh-CN" sz="3200">
+              <a:rPr lang="zh-CN" sz="3200" b="1">
                 <a:latin typeface="Arial"/>
                 <a:ea typeface="Arial"/>
                 <a:cs typeface="Arial"/>
@@ -7180,12 +7429,12 @@
           </a:ln>
         </p:spPr>
         <p:txBody>
-          <a:bodyPr anchorCtr="0" anchor="t" bIns="91425" lIns="91425" rIns="91425" wrap="square" tIns="91425">
+          <a:bodyPr wrap="square" lIns="91425" tIns="91425" rIns="91425" bIns="91425" anchor="t" anchorCtr="0">
             <a:noAutofit/>
           </a:bodyPr>
           <a:lstStyle/>
           <a:p>
-            <a:pPr indent="-114300" lvl="0" marL="0" marR="0" rtl="0" algn="l">
+            <a:pPr marL="0" marR="0" lvl="0" indent="-114300" algn="l" rtl="0">
               <a:lnSpc>
                 <a:spcPct val="100000"/>
               </a:lnSpc>
@@ -7202,10 +7451,7 @@
               <a:buFont typeface="Arial"/>
               <a:buNone/>
             </a:pPr>
-            <a:r>
-              <a:t/>
-            </a:r>
-            <a:endParaRPr b="1" i="0" sz="1800" u="none" cap="none" strike="noStrike">
+            <a:endParaRPr sz="1800" b="1" i="0" u="none" strike="noStrike" cap="none">
               <a:solidFill>
                 <a:srgbClr val="505670"/>
               </a:solidFill>
@@ -7224,7 +7470,7 @@
           <p:nvPr/>
         </p:nvSpPr>
         <p:spPr>
-          <a:xfrm flipH="1" rot="10800000">
+          <a:xfrm rot="10800000" flipH="1">
             <a:off x="7497099" y="3422750"/>
             <a:ext cx="300600" cy="75900"/>
           </a:xfrm>
@@ -7237,12 +7483,12 @@
           </a:ln>
         </p:spPr>
         <p:txBody>
-          <a:bodyPr anchorCtr="0" anchor="t" bIns="91425" lIns="91425" rIns="91425" wrap="square" tIns="91425">
+          <a:bodyPr wrap="square" lIns="91425" tIns="91425" rIns="91425" bIns="91425" anchor="t" anchorCtr="0">
             <a:noAutofit/>
           </a:bodyPr>
           <a:lstStyle/>
           <a:p>
-            <a:pPr lvl="0" marR="0" rtl="0" algn="l">
+            <a:pPr marR="0" lvl="0" algn="l" rtl="0">
               <a:lnSpc>
                 <a:spcPct val="100000"/>
               </a:lnSpc>
@@ -7254,10 +7500,7 @@
               </a:spcAft>
               <a:buNone/>
             </a:pPr>
-            <a:r>
-              <a:t/>
-            </a:r>
-            <a:endParaRPr b="1" i="0" sz="2000" u="none" cap="none" strike="noStrike">
+            <a:endParaRPr sz="2000" b="1" i="0" u="none" strike="noStrike" cap="none">
               <a:solidFill>
                 <a:srgbClr val="01ABCF"/>
               </a:solidFill>
@@ -7289,12 +7532,12 @@
           </a:ln>
         </p:spPr>
         <p:txBody>
-          <a:bodyPr anchorCtr="0" anchor="t" bIns="91425" lIns="91425" rIns="91425" wrap="square" tIns="91425">
+          <a:bodyPr wrap="square" lIns="91425" tIns="91425" rIns="91425" bIns="91425" anchor="t" anchorCtr="0">
             <a:noAutofit/>
           </a:bodyPr>
           <a:lstStyle/>
           <a:p>
-            <a:pPr indent="-355600" lvl="0" marL="457200" marR="0" rtl="0" algn="l">
+            <a:pPr marL="457200" marR="0" lvl="0" indent="-355600" algn="l" rtl="0">
               <a:lnSpc>
                 <a:spcPct val="100000"/>
               </a:lnSpc>
@@ -7311,7 +7554,7 @@
               <a:buAutoNum type="arabicPeriod"/>
             </a:pPr>
             <a:r>
-              <a:rPr b="1" lang="zh-CN" sz="2000">
+              <a:rPr lang="zh-CN" sz="2000" b="1">
                 <a:solidFill>
                   <a:srgbClr val="01ABCF"/>
                 </a:solidFill>
@@ -7320,7 +7563,7 @@
             </a:r>
           </a:p>
           <a:p>
-            <a:pPr indent="-127000" lvl="0" marL="0" marR="0" rtl="0" algn="l">
+            <a:pPr marL="0" marR="0" lvl="0" indent="-127000" algn="l" rtl="0">
               <a:lnSpc>
                 <a:spcPct val="100000"/>
               </a:lnSpc>
@@ -7338,7 +7581,7 @@
               <a:buNone/>
             </a:pPr>
             <a:r>
-              <a:rPr b="1" lang="zh-CN" sz="2000">
+              <a:rPr lang="zh-CN" sz="2000" b="1">
                 <a:solidFill>
                   <a:srgbClr val="01ABCF"/>
                 </a:solidFill>
@@ -7346,7 +7589,7 @@
               <a:t>      </a:t>
             </a:r>
             <a:r>
-              <a:rPr b="1" lang="zh-CN" sz="2000">
+              <a:rPr lang="zh-CN" sz="2000" b="1">
                 <a:solidFill>
                   <a:srgbClr val="674EA7"/>
                 </a:solidFill>
@@ -7355,7 +7598,7 @@
             </a:r>
           </a:p>
           <a:p>
-            <a:pPr indent="-127000" lvl="0" marL="0" marR="0" rtl="0" algn="l">
+            <a:pPr marL="0" marR="0" lvl="0" indent="-127000" algn="l" rtl="0">
               <a:lnSpc>
                 <a:spcPct val="100000"/>
               </a:lnSpc>
@@ -7372,17 +7615,14 @@
               <a:buFont typeface="Arial"/>
               <a:buNone/>
             </a:pPr>
-            <a:r>
-              <a:t/>
-            </a:r>
-            <a:endParaRPr b="1" sz="2000">
+            <a:endParaRPr sz="2000" b="1">
               <a:solidFill>
                 <a:srgbClr val="01ABCF"/>
               </a:solidFill>
             </a:endParaRPr>
           </a:p>
           <a:p>
-            <a:pPr indent="-127000" lvl="0" marL="0" marR="0" rtl="0" algn="l">
+            <a:pPr marL="0" marR="0" lvl="0" indent="-127000" algn="l" rtl="0">
               <a:lnSpc>
                 <a:spcPct val="100000"/>
               </a:lnSpc>
@@ -7400,7 +7640,7 @@
               <a:buNone/>
             </a:pPr>
             <a:r>
-              <a:rPr b="1" lang="zh-CN" sz="2000">
+              <a:rPr lang="zh-CN" sz="2000" b="1">
                 <a:solidFill>
                   <a:srgbClr val="01ABCF"/>
                 </a:solidFill>
@@ -7409,7 +7649,7 @@
             </a:r>
           </a:p>
           <a:p>
-            <a:pPr indent="-127000" lvl="0" marL="0" marR="0" rtl="0" algn="l">
+            <a:pPr marL="0" marR="0" lvl="0" indent="-127000" algn="l" rtl="0">
               <a:lnSpc>
                 <a:spcPct val="100000"/>
               </a:lnSpc>
@@ -7427,7 +7667,7 @@
               <a:buNone/>
             </a:pPr>
             <a:r>
-              <a:rPr b="1" lang="zh-CN" sz="2000">
+              <a:rPr lang="zh-CN" sz="2000" b="1">
                 <a:solidFill>
                   <a:srgbClr val="01ABCF"/>
                 </a:solidFill>
@@ -7435,7 +7675,7 @@
               <a:t>      </a:t>
             </a:r>
             <a:r>
-              <a:rPr b="1" lang="zh-CN" sz="2000">
+              <a:rPr lang="zh-CN" sz="2000" b="1">
                 <a:solidFill>
                   <a:srgbClr val="674EA7"/>
                 </a:solidFill>
@@ -7444,7 +7684,7 @@
             </a:r>
           </a:p>
           <a:p>
-            <a:pPr indent="-127000" lvl="0" marL="0" marR="0" rtl="0" algn="l">
+            <a:pPr marL="0" marR="0" lvl="0" indent="-127000" algn="l" rtl="0">
               <a:lnSpc>
                 <a:spcPct val="100000"/>
               </a:lnSpc>
@@ -7461,17 +7701,14 @@
               <a:buFont typeface="Arial"/>
               <a:buNone/>
             </a:pPr>
-            <a:r>
-              <a:t/>
-            </a:r>
-            <a:endParaRPr b="1" sz="2000">
+            <a:endParaRPr sz="2000" b="1">
               <a:solidFill>
                 <a:srgbClr val="01ABCF"/>
               </a:solidFill>
             </a:endParaRPr>
           </a:p>
           <a:p>
-            <a:pPr indent="-127000" lvl="0" marL="0" marR="0" rtl="0" algn="l">
+            <a:pPr marL="0" marR="0" lvl="0" indent="-127000" algn="l" rtl="0">
               <a:lnSpc>
                 <a:spcPct val="100000"/>
               </a:lnSpc>
@@ -7489,7 +7726,7 @@
               <a:buNone/>
             </a:pPr>
             <a:r>
-              <a:rPr b="1" lang="zh-CN" sz="2000">
+              <a:rPr lang="zh-CN" sz="2000" b="1">
                 <a:solidFill>
                   <a:srgbClr val="01ABCF"/>
                 </a:solidFill>
@@ -7507,32 +7744,32 @@
   <p:timing>
     <p:tnLst>
       <p:par>
-        <p:cTn dur="indefinite" nodeType="tmRoot" restart="never">
+        <p:cTn id="1" dur="indefinite" restart="never" nodeType="tmRoot">
           <p:childTnLst>
             <p:seq concurrent="1" nextAc="seek">
-              <p:cTn dur="indefinite" id="2" nodeType="mainSeq">
+              <p:cTn id="2" dur="indefinite" nodeType="mainSeq">
                 <p:childTnLst>
                   <p:par>
-                    <p:cTn fill="hold">
+                    <p:cTn id="3" fill="hold">
                       <p:stCondLst>
                         <p:cond delay="indefinite"/>
                       </p:stCondLst>
                       <p:childTnLst>
                         <p:par>
-                          <p:cTn fill="hold">
+                          <p:cTn id="4" fill="hold">
                             <p:stCondLst>
                               <p:cond delay="0"/>
                             </p:stCondLst>
                             <p:childTnLst>
                               <p:par>
-                                <p:cTn fill="hold" nodeType="clickEffect" presetClass="entr" presetID="2" presetSubtype="4">
+                                <p:cTn id="5" presetID="2" presetClass="entr" presetSubtype="4" fill="hold" nodeType="clickEffect">
                                   <p:stCondLst>
                                     <p:cond delay="0"/>
                                   </p:stCondLst>
                                   <p:childTnLst>
                                     <p:set>
                                       <p:cBhvr>
-                                        <p:cTn dur="1" fill="hold">
+                                        <p:cTn id="6" dur="1" fill="hold">
                                           <p:stCondLst>
                                             <p:cond delay="0"/>
                                           </p:stCondLst>
@@ -7550,7 +7787,7 @@
                                     </p:set>
                                     <p:anim calcmode="lin" valueType="num">
                                       <p:cBhvr additive="base">
-                                        <p:cTn dur="500"/>
+                                        <p:cTn id="7" dur="500"/>
                                         <p:tgtEl>
                                           <p:spTgt spid="55"/>
                                         </p:tgtEl>
@@ -7559,12 +7796,12 @@
                                         </p:attrNameLst>
                                       </p:cBhvr>
                                       <p:tavLst>
-                                        <p:tav fmla="" tm="0">
+                                        <p:tav tm="0">
                                           <p:val>
                                             <p:strVal val="#ppt_y+1"/>
                                           </p:val>
                                         </p:tav>
-                                        <p:tav fmla="" tm="100000">
+                                        <p:tav tm="100000">
                                           <p:val>
                                             <p:strVal val="#ppt_y"/>
                                           </p:val>
@@ -7581,26 +7818,26 @@
                     </p:cTn>
                   </p:par>
                   <p:par>
-                    <p:cTn fill="hold">
+                    <p:cTn id="8" fill="hold">
                       <p:stCondLst>
                         <p:cond delay="indefinite"/>
                       </p:stCondLst>
                       <p:childTnLst>
                         <p:par>
-                          <p:cTn fill="hold">
+                          <p:cTn id="9" fill="hold">
                             <p:stCondLst>
                               <p:cond delay="0"/>
                             </p:stCondLst>
                             <p:childTnLst>
                               <p:par>
-                                <p:cTn fill="hold" nodeType="clickEffect" presetClass="entr" presetID="2" presetSubtype="4">
+                                <p:cTn id="10" presetID="2" presetClass="entr" presetSubtype="4" fill="hold" nodeType="clickEffect">
                                   <p:stCondLst>
                                     <p:cond delay="0"/>
                                   </p:stCondLst>
                                   <p:childTnLst>
                                     <p:set>
                                       <p:cBhvr>
-                                        <p:cTn dur="1" fill="hold">
+                                        <p:cTn id="11" dur="1" fill="hold">
                                           <p:stCondLst>
                                             <p:cond delay="0"/>
                                           </p:stCondLst>
@@ -7608,7 +7845,7 @@
                                         <p:tgtEl>
                                           <p:spTgt spid="57">
                                             <p:txEl>
-                                              <p:pRg end="0" st="0"/>
+                                              <p:pRg st="0" end="0"/>
                                             </p:txEl>
                                           </p:spTgt>
                                         </p:tgtEl>
@@ -7622,11 +7859,11 @@
                                     </p:set>
                                     <p:anim calcmode="lin" valueType="num">
                                       <p:cBhvr additive="base">
-                                        <p:cTn dur="500"/>
+                                        <p:cTn id="12" dur="500"/>
                                         <p:tgtEl>
                                           <p:spTgt spid="57">
                                             <p:txEl>
-                                              <p:pRg end="0" st="0"/>
+                                              <p:pRg st="0" end="0"/>
                                             </p:txEl>
                                           </p:spTgt>
                                         </p:tgtEl>
@@ -7635,12 +7872,12 @@
                                         </p:attrNameLst>
                                       </p:cBhvr>
                                       <p:tavLst>
-                                        <p:tav fmla="" tm="0">
+                                        <p:tav tm="0">
                                           <p:val>
                                             <p:strVal val="#ppt_y+1"/>
                                           </p:val>
                                         </p:tav>
-                                        <p:tav fmla="" tm="100000">
+                                        <p:tav tm="100000">
                                           <p:val>
                                             <p:strVal val="#ppt_y"/>
                                           </p:val>
@@ -7657,26 +7894,26 @@
                     </p:cTn>
                   </p:par>
                   <p:par>
-                    <p:cTn fill="hold">
+                    <p:cTn id="13" fill="hold">
                       <p:stCondLst>
                         <p:cond delay="indefinite"/>
                       </p:stCondLst>
                       <p:childTnLst>
                         <p:par>
-                          <p:cTn fill="hold">
+                          <p:cTn id="14" fill="hold">
                             <p:stCondLst>
                               <p:cond delay="0"/>
                             </p:stCondLst>
                             <p:childTnLst>
                               <p:par>
-                                <p:cTn fill="hold" nodeType="clickEffect" presetClass="entr" presetID="2" presetSubtype="4">
+                                <p:cTn id="15" presetID="2" presetClass="entr" presetSubtype="4" fill="hold" nodeType="clickEffect">
                                   <p:stCondLst>
                                     <p:cond delay="0"/>
                                   </p:stCondLst>
                                   <p:childTnLst>
                                     <p:set>
                                       <p:cBhvr>
-                                        <p:cTn dur="1" fill="hold">
+                                        <p:cTn id="16" dur="1" fill="hold">
                                           <p:stCondLst>
                                             <p:cond delay="0"/>
                                           </p:stCondLst>
@@ -7684,7 +7921,7 @@
                                         <p:tgtEl>
                                           <p:spTgt spid="58">
                                             <p:txEl>
-                                              <p:pRg end="0" st="0"/>
+                                              <p:pRg st="0" end="0"/>
                                             </p:txEl>
                                           </p:spTgt>
                                         </p:tgtEl>
@@ -7698,11 +7935,11 @@
                                     </p:set>
                                     <p:anim calcmode="lin" valueType="num">
                                       <p:cBhvr additive="base">
-                                        <p:cTn dur="500"/>
+                                        <p:cTn id="17" dur="500"/>
                                         <p:tgtEl>
                                           <p:spTgt spid="58">
                                             <p:txEl>
-                                              <p:pRg end="0" st="0"/>
+                                              <p:pRg st="0" end="0"/>
                                             </p:txEl>
                                           </p:spTgt>
                                         </p:tgtEl>
@@ -7711,12 +7948,12 @@
                                         </p:attrNameLst>
                                       </p:cBhvr>
                                       <p:tavLst>
-                                        <p:tav fmla="" tm="0">
+                                        <p:tav tm="0">
                                           <p:val>
                                             <p:strVal val="#ppt_y+1"/>
                                           </p:val>
                                         </p:tav>
-                                        <p:tav fmla="" tm="100000">
+                                        <p:tav tm="100000">
                                           <p:val>
                                             <p:strVal val="#ppt_y"/>
                                           </p:val>
@@ -7733,26 +7970,26 @@
                     </p:cTn>
                   </p:par>
                   <p:par>
-                    <p:cTn fill="hold">
+                    <p:cTn id="18" fill="hold">
                       <p:stCondLst>
                         <p:cond delay="indefinite"/>
                       </p:stCondLst>
                       <p:childTnLst>
                         <p:par>
-                          <p:cTn fill="hold">
+                          <p:cTn id="19" fill="hold">
                             <p:stCondLst>
                               <p:cond delay="0"/>
                             </p:stCondLst>
                             <p:childTnLst>
                               <p:par>
-                                <p:cTn fill="hold" nodeType="clickEffect" presetClass="entr" presetID="2" presetSubtype="4">
+                                <p:cTn id="20" presetID="2" presetClass="entr" presetSubtype="4" fill="hold" nodeType="clickEffect">
                                   <p:stCondLst>
                                     <p:cond delay="0"/>
                                   </p:stCondLst>
                                   <p:childTnLst>
                                     <p:set>
                                       <p:cBhvr>
-                                        <p:cTn dur="1" fill="hold">
+                                        <p:cTn id="21" dur="1" fill="hold">
                                           <p:stCondLst>
                                             <p:cond delay="0"/>
                                           </p:stCondLst>
@@ -7760,7 +7997,7 @@
                                         <p:tgtEl>
                                           <p:spTgt spid="58">
                                             <p:txEl>
-                                              <p:pRg end="1" st="1"/>
+                                              <p:pRg st="1" end="1"/>
                                             </p:txEl>
                                           </p:spTgt>
                                         </p:tgtEl>
@@ -7774,11 +8011,11 @@
                                     </p:set>
                                     <p:anim calcmode="lin" valueType="num">
                                       <p:cBhvr additive="base">
-                                        <p:cTn dur="500"/>
+                                        <p:cTn id="22" dur="500"/>
                                         <p:tgtEl>
                                           <p:spTgt spid="58">
                                             <p:txEl>
-                                              <p:pRg end="1" st="1"/>
+                                              <p:pRg st="1" end="1"/>
                                             </p:txEl>
                                           </p:spTgt>
                                         </p:tgtEl>
@@ -7787,12 +8024,12 @@
                                         </p:attrNameLst>
                                       </p:cBhvr>
                                       <p:tavLst>
-                                        <p:tav fmla="" tm="0">
+                                        <p:tav tm="0">
                                           <p:val>
                                             <p:strVal val="#ppt_y+1"/>
                                           </p:val>
                                         </p:tav>
-                                        <p:tav fmla="" tm="100000">
+                                        <p:tav tm="100000">
                                           <p:val>
                                             <p:strVal val="#ppt_y"/>
                                           </p:val>
@@ -7809,26 +8046,26 @@
                     </p:cTn>
                   </p:par>
                   <p:par>
-                    <p:cTn fill="hold">
+                    <p:cTn id="23" fill="hold">
                       <p:stCondLst>
                         <p:cond delay="indefinite"/>
                       </p:stCondLst>
                       <p:childTnLst>
                         <p:par>
-                          <p:cTn fill="hold">
+                          <p:cTn id="24" fill="hold">
                             <p:stCondLst>
                               <p:cond delay="0"/>
                             </p:stCondLst>
                             <p:childTnLst>
                               <p:par>
-                                <p:cTn fill="hold" nodeType="clickEffect" presetClass="entr" presetID="2" presetSubtype="4">
+                                <p:cTn id="25" presetID="2" presetClass="entr" presetSubtype="4" fill="hold" nodeType="clickEffect">
                                   <p:stCondLst>
                                     <p:cond delay="0"/>
                                   </p:stCondLst>
                                   <p:childTnLst>
                                     <p:set>
                                       <p:cBhvr>
-                                        <p:cTn dur="1" fill="hold">
+                                        <p:cTn id="26" dur="1" fill="hold">
                                           <p:stCondLst>
                                             <p:cond delay="0"/>
                                           </p:stCondLst>
@@ -7836,7 +8073,7 @@
                                         <p:tgtEl>
                                           <p:spTgt spid="58">
                                             <p:txEl>
-                                              <p:pRg end="2" st="2"/>
+                                              <p:pRg st="2" end="2"/>
                                             </p:txEl>
                                           </p:spTgt>
                                         </p:tgtEl>
@@ -7850,11 +8087,11 @@
                                     </p:set>
                                     <p:anim calcmode="lin" valueType="num">
                                       <p:cBhvr additive="base">
-                                        <p:cTn dur="500"/>
+                                        <p:cTn id="27" dur="500"/>
                                         <p:tgtEl>
                                           <p:spTgt spid="58">
                                             <p:txEl>
-                                              <p:pRg end="2" st="2"/>
+                                              <p:pRg st="2" end="2"/>
                                             </p:txEl>
                                           </p:spTgt>
                                         </p:tgtEl>
@@ -7863,12 +8100,12 @@
                                         </p:attrNameLst>
                                       </p:cBhvr>
                                       <p:tavLst>
-                                        <p:tav fmla="" tm="0">
+                                        <p:tav tm="0">
                                           <p:val>
                                             <p:strVal val="#ppt_y+1"/>
                                           </p:val>
                                         </p:tav>
-                                        <p:tav fmla="" tm="100000">
+                                        <p:tav tm="100000">
                                           <p:val>
                                             <p:strVal val="#ppt_y"/>
                                           </p:val>
@@ -7885,26 +8122,26 @@
                     </p:cTn>
                   </p:par>
                   <p:par>
-                    <p:cTn fill="hold">
+                    <p:cTn id="28" fill="hold">
                       <p:stCondLst>
                         <p:cond delay="indefinite"/>
                       </p:stCondLst>
                       <p:childTnLst>
                         <p:par>
-                          <p:cTn fill="hold">
+                          <p:cTn id="29" fill="hold">
                             <p:stCondLst>
                               <p:cond delay="0"/>
                             </p:stCondLst>
                             <p:childTnLst>
                               <p:par>
-                                <p:cTn fill="hold" nodeType="clickEffect" presetClass="entr" presetID="2" presetSubtype="4">
+                                <p:cTn id="30" presetID="2" presetClass="entr" presetSubtype="4" fill="hold" nodeType="clickEffect">
                                   <p:stCondLst>
                                     <p:cond delay="0"/>
                                   </p:stCondLst>
                                   <p:childTnLst>
                                     <p:set>
                                       <p:cBhvr>
-                                        <p:cTn dur="1" fill="hold">
+                                        <p:cTn id="31" dur="1" fill="hold">
                                           <p:stCondLst>
                                             <p:cond delay="0"/>
                                           </p:stCondLst>
@@ -7912,7 +8149,7 @@
                                         <p:tgtEl>
                                           <p:spTgt spid="58">
                                             <p:txEl>
-                                              <p:pRg end="3" st="3"/>
+                                              <p:pRg st="3" end="3"/>
                                             </p:txEl>
                                           </p:spTgt>
                                         </p:tgtEl>
@@ -7926,11 +8163,11 @@
                                     </p:set>
                                     <p:anim calcmode="lin" valueType="num">
                                       <p:cBhvr additive="base">
-                                        <p:cTn dur="500"/>
+                                        <p:cTn id="32" dur="500"/>
                                         <p:tgtEl>
                                           <p:spTgt spid="58">
                                             <p:txEl>
-                                              <p:pRg end="3" st="3"/>
+                                              <p:pRg st="3" end="3"/>
                                             </p:txEl>
                                           </p:spTgt>
                                         </p:tgtEl>
@@ -7939,12 +8176,12 @@
                                         </p:attrNameLst>
                                       </p:cBhvr>
                                       <p:tavLst>
-                                        <p:tav fmla="" tm="0">
+                                        <p:tav tm="0">
                                           <p:val>
                                             <p:strVal val="#ppt_y+1"/>
                                           </p:val>
                                         </p:tav>
-                                        <p:tav fmla="" tm="100000">
+                                        <p:tav tm="100000">
                                           <p:val>
                                             <p:strVal val="#ppt_y"/>
                                           </p:val>
@@ -7961,26 +8198,26 @@
                     </p:cTn>
                   </p:par>
                   <p:par>
-                    <p:cTn fill="hold">
+                    <p:cTn id="33" fill="hold">
                       <p:stCondLst>
                         <p:cond delay="indefinite"/>
                       </p:stCondLst>
                       <p:childTnLst>
                         <p:par>
-                          <p:cTn fill="hold">
+                          <p:cTn id="34" fill="hold">
                             <p:stCondLst>
                               <p:cond delay="0"/>
                             </p:stCondLst>
                             <p:childTnLst>
                               <p:par>
-                                <p:cTn fill="hold" nodeType="clickEffect" presetClass="entr" presetID="2" presetSubtype="4">
+                                <p:cTn id="35" presetID="2" presetClass="entr" presetSubtype="4" fill="hold" nodeType="clickEffect">
                                   <p:stCondLst>
                                     <p:cond delay="0"/>
                                   </p:stCondLst>
                                   <p:childTnLst>
                                     <p:set>
                                       <p:cBhvr>
-                                        <p:cTn dur="1" fill="hold">
+                                        <p:cTn id="36" dur="1" fill="hold">
                                           <p:stCondLst>
                                             <p:cond delay="0"/>
                                           </p:stCondLst>
@@ -7988,7 +8225,7 @@
                                         <p:tgtEl>
                                           <p:spTgt spid="58">
                                             <p:txEl>
-                                              <p:pRg end="4" st="4"/>
+                                              <p:pRg st="4" end="4"/>
                                             </p:txEl>
                                           </p:spTgt>
                                         </p:tgtEl>
@@ -8002,11 +8239,11 @@
                                     </p:set>
                                     <p:anim calcmode="lin" valueType="num">
                                       <p:cBhvr additive="base">
-                                        <p:cTn dur="500"/>
+                                        <p:cTn id="37" dur="500"/>
                                         <p:tgtEl>
                                           <p:spTgt spid="58">
                                             <p:txEl>
-                                              <p:pRg end="4" st="4"/>
+                                              <p:pRg st="4" end="4"/>
                                             </p:txEl>
                                           </p:spTgt>
                                         </p:tgtEl>
@@ -8015,12 +8252,12 @@
                                         </p:attrNameLst>
                                       </p:cBhvr>
                                       <p:tavLst>
-                                        <p:tav fmla="" tm="0">
+                                        <p:tav tm="0">
                                           <p:val>
                                             <p:strVal val="#ppt_y+1"/>
                                           </p:val>
                                         </p:tav>
-                                        <p:tav fmla="" tm="100000">
+                                        <p:tav tm="100000">
                                           <p:val>
                                             <p:strVal val="#ppt_y"/>
                                           </p:val>
@@ -8037,26 +8274,26 @@
                     </p:cTn>
                   </p:par>
                   <p:par>
-                    <p:cTn fill="hold">
+                    <p:cTn id="38" fill="hold">
                       <p:stCondLst>
                         <p:cond delay="indefinite"/>
                       </p:stCondLst>
                       <p:childTnLst>
                         <p:par>
-                          <p:cTn fill="hold">
+                          <p:cTn id="39" fill="hold">
                             <p:stCondLst>
                               <p:cond delay="0"/>
                             </p:stCondLst>
                             <p:childTnLst>
                               <p:par>
-                                <p:cTn fill="hold" nodeType="clickEffect" presetClass="entr" presetID="2" presetSubtype="4">
+                                <p:cTn id="40" presetID="2" presetClass="entr" presetSubtype="4" fill="hold" nodeType="clickEffect">
                                   <p:stCondLst>
                                     <p:cond delay="0"/>
                                   </p:stCondLst>
                                   <p:childTnLst>
                                     <p:set>
                                       <p:cBhvr>
-                                        <p:cTn dur="1" fill="hold">
+                                        <p:cTn id="41" dur="1" fill="hold">
                                           <p:stCondLst>
                                             <p:cond delay="0"/>
                                           </p:stCondLst>
@@ -8064,7 +8301,7 @@
                                         <p:tgtEl>
                                           <p:spTgt spid="58">
                                             <p:txEl>
-                                              <p:pRg end="5" st="5"/>
+                                              <p:pRg st="5" end="5"/>
                                             </p:txEl>
                                           </p:spTgt>
                                         </p:tgtEl>
@@ -8078,11 +8315,11 @@
                                     </p:set>
                                     <p:anim calcmode="lin" valueType="num">
                                       <p:cBhvr additive="base">
-                                        <p:cTn dur="500"/>
+                                        <p:cTn id="42" dur="500"/>
                                         <p:tgtEl>
                                           <p:spTgt spid="58">
                                             <p:txEl>
-                                              <p:pRg end="5" st="5"/>
+                                              <p:pRg st="5" end="5"/>
                                             </p:txEl>
                                           </p:spTgt>
                                         </p:tgtEl>
@@ -8091,12 +8328,12 @@
                                         </p:attrNameLst>
                                       </p:cBhvr>
                                       <p:tavLst>
-                                        <p:tav fmla="" tm="0">
+                                        <p:tav tm="0">
                                           <p:val>
                                             <p:strVal val="#ppt_y+1"/>
                                           </p:val>
                                         </p:tav>
-                                        <p:tav fmla="" tm="100000">
+                                        <p:tav tm="100000">
                                           <p:val>
                                             <p:strVal val="#ppt_y"/>
                                           </p:val>
@@ -8113,26 +8350,26 @@
                     </p:cTn>
                   </p:par>
                   <p:par>
-                    <p:cTn fill="hold">
+                    <p:cTn id="43" fill="hold">
                       <p:stCondLst>
                         <p:cond delay="indefinite"/>
                       </p:stCondLst>
                       <p:childTnLst>
                         <p:par>
-                          <p:cTn fill="hold">
+                          <p:cTn id="44" fill="hold">
                             <p:stCondLst>
                               <p:cond delay="0"/>
                             </p:stCondLst>
                             <p:childTnLst>
                               <p:par>
-                                <p:cTn fill="hold" nodeType="clickEffect" presetClass="entr" presetID="2" presetSubtype="4">
+                                <p:cTn id="45" presetID="2" presetClass="entr" presetSubtype="4" fill="hold" nodeType="clickEffect">
                                   <p:stCondLst>
                                     <p:cond delay="0"/>
                                   </p:stCondLst>
                                   <p:childTnLst>
                                     <p:set>
                                       <p:cBhvr>
-                                        <p:cTn dur="1" fill="hold">
+                                        <p:cTn id="46" dur="1" fill="hold">
                                           <p:stCondLst>
                                             <p:cond delay="0"/>
                                           </p:stCondLst>
@@ -8140,7 +8377,7 @@
                                         <p:tgtEl>
                                           <p:spTgt spid="58">
                                             <p:txEl>
-                                              <p:pRg end="6" st="6"/>
+                                              <p:pRg st="6" end="6"/>
                                             </p:txEl>
                                           </p:spTgt>
                                         </p:tgtEl>
@@ -8154,11 +8391,11 @@
                                     </p:set>
                                     <p:anim calcmode="lin" valueType="num">
                                       <p:cBhvr additive="base">
-                                        <p:cTn dur="500"/>
+                                        <p:cTn id="47" dur="500"/>
                                         <p:tgtEl>
                                           <p:spTgt spid="58">
                                             <p:txEl>
-                                              <p:pRg end="6" st="6"/>
+                                              <p:pRg st="6" end="6"/>
                                             </p:txEl>
                                           </p:spTgt>
                                         </p:tgtEl>
@@ -8167,12 +8404,12 @@
                                         </p:attrNameLst>
                                       </p:cBhvr>
                                       <p:tavLst>
-                                        <p:tav fmla="" tm="0">
+                                        <p:tav tm="0">
                                           <p:val>
                                             <p:strVal val="#ppt_y+1"/>
                                           </p:val>
                                         </p:tav>
-                                        <p:tav fmla="" tm="100000">
+                                        <p:tav tm="100000">
                                           <p:val>
                                             <p:strVal val="#ppt_y"/>
                                           </p:val>
@@ -8191,14 +8428,14 @@
                 </p:childTnLst>
               </p:cTn>
               <p:prevCondLst>
-                <p:cond evt="onPrev">
+                <p:cond evt="onPrev" delay="0">
                   <p:tgtEl>
                     <p:sldTgt/>
                   </p:tgtEl>
                 </p:cond>
               </p:prevCondLst>
               <p:nextCondLst>
-                <p:cond evt="onNext">
+                <p:cond evt="onNext" delay="0">
                   <p:tgtEl>
                     <p:sldTgt/>
                   </p:tgtEl>
@@ -8214,11 +8451,11 @@
 </file>
 
 <file path=ppt/slides/slide3.xml><?xml version="1.0" encoding="utf-8"?>
-<p:sld xmlns:a="http://schemas.openxmlformats.org/drawingml/2006/main" xmlns:r="http://schemas.openxmlformats.org/officeDocument/2006/relationships" xmlns:mc="http://schemas.openxmlformats.org/markup-compatibility/2006" xmlns:mv="urn:schemas-microsoft-com:mac:vml" xmlns:p="http://schemas.openxmlformats.org/presentationml/2006/main" xmlns:c="http://schemas.openxmlformats.org/drawingml/2006/chart" xmlns:dgm="http://schemas.openxmlformats.org/drawingml/2006/diagram" xmlns:o="urn:schemas-microsoft-com:office:office" xmlns:v="urn:schemas-microsoft-com:vml" xmlns:pvml="urn:schemas-microsoft-com:office:powerpoint" xmlns:com="http://schemas.openxmlformats.org/drawingml/2006/compatibility" xmlns:p14="http://schemas.microsoft.com/office/powerpoint/2010/main" xmlns:p15="http://schemas.microsoft.com/office/powerpoint/2012/main">
+<p:sld xmlns:a="http://schemas.openxmlformats.org/drawingml/2006/main" xmlns:r="http://schemas.openxmlformats.org/officeDocument/2006/relationships" xmlns:p="http://schemas.openxmlformats.org/presentationml/2006/main">
   <p:cSld>
     <p:spTree>
       <p:nvGrpSpPr>
-        <p:cNvPr id="62" name="Shape 62"/>
+        <p:cNvPr id="1" name="Shape 62"/>
         <p:cNvGrpSpPr/>
         <p:nvPr/>
       </p:nvGrpSpPr>
@@ -8233,9 +8470,11 @@
       <p:sp>
         <p:nvSpPr>
           <p:cNvPr id="63" name="Shape 63"/>
-          <p:cNvSpPr txBox="1"/>
+          <p:cNvSpPr txBox="1">
+            <a:spLocks noGrp="1"/>
+          </p:cNvSpPr>
           <p:nvPr>
-            <p:ph idx="4294967295" type="ctrTitle"/>
+            <p:ph type="ctrTitle" idx="4294967295"/>
           </p:nvPr>
         </p:nvSpPr>
         <p:spPr>
@@ -8252,12 +8491,12 @@
           </a:ln>
         </p:spPr>
         <p:txBody>
-          <a:bodyPr anchorCtr="0" anchor="b" bIns="91425" lIns="91425" rIns="91425" wrap="square" tIns="91425">
+          <a:bodyPr wrap="square" lIns="91425" tIns="91425" rIns="91425" bIns="91425" anchor="b" anchorCtr="0">
             <a:noAutofit/>
           </a:bodyPr>
           <a:lstStyle/>
           <a:p>
-            <a:pPr indent="-558800" lvl="0" marL="0" marR="0" rtl="0" algn="l">
+            <a:pPr marL="0" marR="0" lvl="0" indent="-558800" algn="l" rtl="0">
               <a:lnSpc>
                 <a:spcPct val="100000"/>
               </a:lnSpc>
@@ -8275,7 +8514,7 @@
               <a:buNone/>
             </a:pPr>
             <a:r>
-              <a:rPr b="1" lang="zh-CN" sz="7200"/>
+              <a:rPr lang="zh-CN" sz="7200" b="1"/>
               <a:t>How does it work?</a:t>
             </a:r>
           </a:p>
@@ -8284,9 +8523,11 @@
       <p:sp>
         <p:nvSpPr>
           <p:cNvPr id="64" name="Shape 64"/>
-          <p:cNvSpPr txBox="1"/>
+          <p:cNvSpPr txBox="1">
+            <a:spLocks noGrp="1"/>
+          </p:cNvSpPr>
           <p:nvPr>
-            <p:ph idx="4294967295" type="subTitle"/>
+            <p:ph type="subTitle" idx="4294967295"/>
           </p:nvPr>
         </p:nvSpPr>
         <p:spPr>
@@ -8303,12 +8544,12 @@
           </a:ln>
         </p:spPr>
         <p:txBody>
-          <a:bodyPr anchorCtr="0" anchor="t" bIns="91425" lIns="91425" rIns="91425" wrap="square" tIns="91425">
+          <a:bodyPr wrap="square" lIns="91425" tIns="91425" rIns="91425" bIns="91425" anchor="t" anchorCtr="0">
             <a:noAutofit/>
           </a:bodyPr>
           <a:lstStyle/>
           <a:p>
-            <a:pPr indent="-152400" lvl="0" marL="0" marR="0" rtl="0" algn="ctr">
+            <a:pPr marL="0" marR="0" lvl="0" indent="-152400" algn="ctr" rtl="0">
               <a:lnSpc>
                 <a:spcPct val="100000"/>
               </a:lnSpc>
@@ -8325,10 +8566,7 @@
               <a:buFont typeface="Varela Round"/>
               <a:buNone/>
             </a:pPr>
-            <a:r>
-              <a:t/>
-            </a:r>
-            <a:endParaRPr b="0" i="0" sz="2400" u="none" cap="none" strike="noStrike">
+            <a:endParaRPr sz="2400" b="0" i="0" u="none" strike="noStrike" cap="none">
               <a:solidFill>
                 <a:srgbClr val="FFFFFF"/>
               </a:solidFill>
@@ -8347,13 +8585,18 @@
           <p:nvPr/>
         </p:nvSpPr>
         <p:spPr>
-          <a:xfrm flipH="1" rot="10800000">
+          <a:xfrm rot="10800000" flipH="1">
             <a:off x="2353950" y="2275799"/>
             <a:ext cx="4829400" cy="2076900"/>
           </a:xfrm>
           <a:custGeom>
+            <a:avLst/>
+            <a:gdLst/>
+            <a:ahLst/>
+            <a:cxnLst/>
+            <a:rect l="0" t="0" r="0" b="0"/>
             <a:pathLst>
-              <a:path extrusionOk="0" h="120000" w="120000">
+              <a:path w="120000" h="120000" extrusionOk="0">
                 <a:moveTo>
                   <a:pt x="0" y="16594"/>
                 </a:moveTo>
@@ -8426,18 +8669,18 @@
             </a:pathLst>
           </a:custGeom>
           <a:noFill/>
-          <a:ln cap="flat" cmpd="sng" w="9525">
+          <a:ln w="9525" cap="flat" cmpd="sng">
             <a:solidFill>
               <a:srgbClr val="505670"/>
             </a:solidFill>
             <a:prstDash val="solid"/>
             <a:round/>
-            <a:headEnd len="med" w="med" type="none"/>
-            <a:tailEnd len="med" w="med" type="none"/>
+            <a:headEnd type="none" w="med" len="med"/>
+            <a:tailEnd type="none" w="med" len="med"/>
           </a:ln>
         </p:spPr>
         <p:txBody>
-          <a:bodyPr anchorCtr="0" anchor="ctr" bIns="91425" lIns="91425" rIns="91425" wrap="square" tIns="91425">
+          <a:bodyPr wrap="square" lIns="91425" tIns="91425" rIns="91425" bIns="91425" anchor="ctr" anchorCtr="0">
             <a:noAutofit/>
           </a:bodyPr>
           <a:lstStyle/>
@@ -8448,9 +8691,6 @@
               </a:spcBef>
               <a:buNone/>
             </a:pPr>
-            <a:r>
-              <a:t/>
-            </a:r>
             <a:endParaRPr/>
           </a:p>
         </p:txBody>
@@ -8463,32 +8703,32 @@
   <p:timing>
     <p:tnLst>
       <p:par>
-        <p:cTn dur="indefinite" nodeType="tmRoot" restart="never">
+        <p:cTn id="1" dur="indefinite" restart="never" nodeType="tmRoot">
           <p:childTnLst>
             <p:seq concurrent="1" nextAc="seek">
-              <p:cTn dur="indefinite" id="2" nodeType="mainSeq">
+              <p:cTn id="2" dur="indefinite" nodeType="mainSeq">
                 <p:childTnLst>
                   <p:par>
-                    <p:cTn fill="hold">
+                    <p:cTn id="3" fill="hold">
                       <p:stCondLst>
                         <p:cond delay="indefinite"/>
                       </p:stCondLst>
                       <p:childTnLst>
                         <p:par>
-                          <p:cTn fill="hold">
+                          <p:cTn id="4" fill="hold">
                             <p:stCondLst>
                               <p:cond delay="0"/>
                             </p:stCondLst>
                             <p:childTnLst>
                               <p:par>
-                                <p:cTn fill="hold" nodeType="clickEffect" presetClass="entr" presetID="10" presetSubtype="0">
+                                <p:cTn id="5" presetID="10" presetClass="entr" presetSubtype="0" fill="hold" nodeType="clickEffect">
                                   <p:stCondLst>
                                     <p:cond delay="0"/>
                                   </p:stCondLst>
                                   <p:childTnLst>
                                     <p:set>
                                       <p:cBhvr>
-                                        <p:cTn dur="1" fill="hold">
+                                        <p:cTn id="6" dur="1" fill="hold">
                                           <p:stCondLst>
                                             <p:cond delay="0"/>
                                           </p:stCondLst>
@@ -8504,9 +8744,9 @@
                                         <p:strVal val="visible"/>
                                       </p:to>
                                     </p:set>
-                                    <p:animEffect filter="fade" transition="in">
+                                    <p:animEffect transition="in" filter="fade">
                                       <p:cBhvr>
-                                        <p:cTn dur="500"/>
+                                        <p:cTn id="7" dur="500"/>
                                         <p:tgtEl>
                                           <p:spTgt spid="63"/>
                                         </p:tgtEl>
@@ -8522,26 +8762,26 @@
                     </p:cTn>
                   </p:par>
                   <p:par>
-                    <p:cTn fill="hold">
+                    <p:cTn id="8" fill="hold">
                       <p:stCondLst>
                         <p:cond delay="indefinite"/>
                       </p:stCondLst>
                       <p:childTnLst>
                         <p:par>
-                          <p:cTn fill="hold">
+                          <p:cTn id="9" fill="hold">
                             <p:stCondLst>
                               <p:cond delay="0"/>
                             </p:stCondLst>
                             <p:childTnLst>
                               <p:par>
-                                <p:cTn fill="hold" nodeType="clickEffect" presetClass="entr" presetID="10" presetSubtype="0">
+                                <p:cTn id="10" presetID="10" presetClass="entr" presetSubtype="0" fill="hold" nodeType="clickEffect">
                                   <p:stCondLst>
                                     <p:cond delay="0"/>
                                   </p:stCondLst>
                                   <p:childTnLst>
                                     <p:set>
                                       <p:cBhvr>
-                                        <p:cTn dur="1" fill="hold">
+                                        <p:cTn id="11" dur="1" fill="hold">
                                           <p:stCondLst>
                                             <p:cond delay="0"/>
                                           </p:stCondLst>
@@ -8549,7 +8789,7 @@
                                         <p:tgtEl>
                                           <p:spTgt spid="64">
                                             <p:txEl>
-                                              <p:pRg end="0" st="0"/>
+                                              <p:pRg st="0" end="0"/>
                                             </p:txEl>
                                           </p:spTgt>
                                         </p:tgtEl>
@@ -8561,13 +8801,13 @@
                                         <p:strVal val="visible"/>
                                       </p:to>
                                     </p:set>
-                                    <p:animEffect filter="fade" transition="in">
+                                    <p:animEffect transition="in" filter="fade">
                                       <p:cBhvr>
-                                        <p:cTn dur="500"/>
+                                        <p:cTn id="12" dur="500"/>
                                         <p:tgtEl>
                                           <p:spTgt spid="64">
                                             <p:txEl>
-                                              <p:pRg end="0" st="0"/>
+                                              <p:pRg st="0" end="0"/>
                                             </p:txEl>
                                           </p:spTgt>
                                         </p:tgtEl>
@@ -8585,14 +8825,14 @@
                 </p:childTnLst>
               </p:cTn>
               <p:prevCondLst>
-                <p:cond evt="onPrev">
+                <p:cond evt="onPrev" delay="0">
                   <p:tgtEl>
                     <p:sldTgt/>
                   </p:tgtEl>
                 </p:cond>
               </p:prevCondLst>
               <p:nextCondLst>
-                <p:cond evt="onNext">
+                <p:cond evt="onNext" delay="0">
                   <p:tgtEl>
                     <p:sldTgt/>
                   </p:tgtEl>
@@ -8608,11 +8848,11 @@
 </file>
 
 <file path=ppt/slides/slide4.xml><?xml version="1.0" encoding="utf-8"?>
-<p:sld xmlns:a="http://schemas.openxmlformats.org/drawingml/2006/main" xmlns:r="http://schemas.openxmlformats.org/officeDocument/2006/relationships" xmlns:mc="http://schemas.openxmlformats.org/markup-compatibility/2006" xmlns:mv="urn:schemas-microsoft-com:mac:vml" xmlns:p="http://schemas.openxmlformats.org/presentationml/2006/main" xmlns:c="http://schemas.openxmlformats.org/drawingml/2006/chart" xmlns:dgm="http://schemas.openxmlformats.org/drawingml/2006/diagram" xmlns:o="urn:schemas-microsoft-com:office:office" xmlns:v="urn:schemas-microsoft-com:vml" xmlns:pvml="urn:schemas-microsoft-com:office:powerpoint" xmlns:com="http://schemas.openxmlformats.org/drawingml/2006/compatibility" xmlns:p14="http://schemas.microsoft.com/office/powerpoint/2010/main" xmlns:p15="http://schemas.microsoft.com/office/powerpoint/2012/main">
+<p:sld xmlns:a="http://schemas.openxmlformats.org/drawingml/2006/main" xmlns:r="http://schemas.openxmlformats.org/officeDocument/2006/relationships" xmlns:p="http://schemas.openxmlformats.org/presentationml/2006/main">
   <p:cSld>
     <p:spTree>
       <p:nvGrpSpPr>
-        <p:cNvPr id="69" name="Shape 69"/>
+        <p:cNvPr id="1" name="Shape 69"/>
         <p:cNvGrpSpPr/>
         <p:nvPr/>
       </p:nvGrpSpPr>
@@ -8627,7 +8867,9 @@
       <p:sp>
         <p:nvSpPr>
           <p:cNvPr id="70" name="Shape 70"/>
-          <p:cNvSpPr txBox="1"/>
+          <p:cNvSpPr txBox="1">
+            <a:spLocks noGrp="1"/>
+          </p:cNvSpPr>
           <p:nvPr>
             <p:ph type="title"/>
           </p:nvPr>
@@ -8646,12 +8888,12 @@
           </a:ln>
         </p:spPr>
         <p:txBody>
-          <a:bodyPr anchorCtr="0" anchor="b" bIns="91425" lIns="91425" rIns="91425" wrap="square" tIns="91425">
+          <a:bodyPr wrap="square" lIns="91425" tIns="91425" rIns="91425" bIns="91425" anchor="b" anchorCtr="0">
             <a:noAutofit/>
           </a:bodyPr>
           <a:lstStyle/>
           <a:p>
-            <a:pPr indent="-203200" lvl="0" marL="0" marR="0" rtl="0" algn="ctr">
+            <a:pPr marL="0" marR="0" lvl="0" indent="-203200" algn="ctr" rtl="0">
               <a:lnSpc>
                 <a:spcPct val="100000"/>
               </a:lnSpc>
@@ -8669,7 +8911,7 @@
               <a:buNone/>
             </a:pPr>
             <a:r>
-              <a:rPr b="1" lang="zh-CN" sz="3200">
+              <a:rPr lang="zh-CN" sz="3200" b="1">
                 <a:latin typeface="Arial"/>
                 <a:ea typeface="Arial"/>
                 <a:cs typeface="Arial"/>
@@ -8687,7 +8929,7 @@
           <p:nvPr/>
         </p:nvSpPr>
         <p:spPr>
-          <a:xfrm flipH="1" rot="10800000">
+          <a:xfrm rot="10800000" flipH="1">
             <a:off x="6808850" y="2713608"/>
             <a:ext cx="1233900" cy="107700"/>
           </a:xfrm>
@@ -8700,12 +8942,12 @@
           </a:ln>
         </p:spPr>
         <p:txBody>
-          <a:bodyPr anchorCtr="0" anchor="t" bIns="91425" lIns="91425" rIns="91425" wrap="square" tIns="91425">
+          <a:bodyPr wrap="square" lIns="91425" tIns="91425" rIns="91425" bIns="91425" anchor="t" anchorCtr="0">
             <a:noAutofit/>
           </a:bodyPr>
           <a:lstStyle/>
           <a:p>
-            <a:pPr indent="-114300" lvl="0" marL="0" marR="0" rtl="0" algn="l">
+            <a:pPr marL="0" marR="0" lvl="0" indent="-114300" algn="l" rtl="0">
               <a:lnSpc>
                 <a:spcPct val="100000"/>
               </a:lnSpc>
@@ -8722,10 +8964,7 @@
               <a:buFont typeface="Arial"/>
               <a:buNone/>
             </a:pPr>
-            <a:r>
-              <a:t/>
-            </a:r>
-            <a:endParaRPr b="1" i="0" sz="1800" u="none" cap="none" strike="noStrike">
+            <a:endParaRPr sz="1800" b="1" i="0" u="none" strike="noStrike" cap="none">
               <a:solidFill>
                 <a:srgbClr val="505670"/>
               </a:solidFill>
@@ -8757,12 +8996,12 @@
           </a:ln>
         </p:spPr>
         <p:txBody>
-          <a:bodyPr anchorCtr="0" anchor="t" bIns="91425" lIns="91425" rIns="91425" wrap="square" tIns="91425">
+          <a:bodyPr wrap="square" lIns="91425" tIns="91425" rIns="91425" bIns="91425" anchor="t" anchorCtr="0">
             <a:noAutofit/>
           </a:bodyPr>
           <a:lstStyle/>
           <a:p>
-            <a:pPr lvl="0" marR="0" rtl="0" algn="l">
+            <a:pPr marR="0" lvl="0" algn="l" rtl="0">
               <a:lnSpc>
                 <a:spcPct val="100000"/>
               </a:lnSpc>
@@ -8775,7 +9014,7 @@
               <a:buNone/>
             </a:pPr>
             <a:r>
-              <a:rPr b="1" lang="zh-CN" sz="2000">
+              <a:rPr lang="zh-CN" sz="2000" b="1">
                 <a:solidFill>
                   <a:srgbClr val="01ABCF"/>
                 </a:solidFill>
@@ -8792,7 +9031,7 @@
           <p:nvPr/>
         </p:nvSpPr>
         <p:spPr>
-          <a:xfrm flipH="1" rot="10800000">
+          <a:xfrm rot="10800000" flipH="1">
             <a:off x="1027950" y="5830452"/>
             <a:ext cx="6592200" cy="107700"/>
           </a:xfrm>
@@ -8805,12 +9044,12 @@
           </a:ln>
         </p:spPr>
         <p:txBody>
-          <a:bodyPr anchorCtr="0" anchor="t" bIns="91425" lIns="91425" rIns="91425" wrap="square" tIns="91425">
+          <a:bodyPr wrap="square" lIns="91425" tIns="91425" rIns="91425" bIns="91425" anchor="t" anchorCtr="0">
             <a:noAutofit/>
           </a:bodyPr>
           <a:lstStyle/>
           <a:p>
-            <a:pPr indent="-127000" lvl="0" marL="0" marR="0" rtl="0" algn="l">
+            <a:pPr marL="0" marR="0" lvl="0" indent="-127000" algn="l" rtl="0">
               <a:lnSpc>
                 <a:spcPct val="100000"/>
               </a:lnSpc>
@@ -8827,10 +9066,7 @@
               <a:buFont typeface="Arial"/>
               <a:buNone/>
             </a:pPr>
-            <a:r>
-              <a:t/>
-            </a:r>
-            <a:endParaRPr b="1" i="0" sz="2000" u="none" cap="none" strike="noStrike">
+            <a:endParaRPr sz="2000" b="1" i="0" u="none" strike="noStrike" cap="none">
               <a:solidFill>
                 <a:srgbClr val="01ABCF"/>
               </a:solidFill>
@@ -8880,7 +9116,7 @@
           <a:blip r:embed="rId4">
             <a:alphaModFix/>
           </a:blip>
-          <a:srcRect b="-7120" l="0" r="-10926" t="7120"/>
+          <a:srcRect t="7120" r="-10926" b="-7120"/>
           <a:stretch/>
         </p:blipFill>
         <p:spPr>
@@ -8905,32 +9141,32 @@
   <p:timing>
     <p:tnLst>
       <p:par>
-        <p:cTn dur="indefinite" nodeType="tmRoot" restart="never">
+        <p:cTn id="1" dur="indefinite" restart="never" nodeType="tmRoot">
           <p:childTnLst>
             <p:seq concurrent="1" nextAc="seek">
-              <p:cTn dur="indefinite" id="2" nodeType="mainSeq">
+              <p:cTn id="2" dur="indefinite" nodeType="mainSeq">
                 <p:childTnLst>
                   <p:par>
-                    <p:cTn fill="hold">
+                    <p:cTn id="3" fill="hold">
                       <p:stCondLst>
                         <p:cond delay="indefinite"/>
                       </p:stCondLst>
                       <p:childTnLst>
                         <p:par>
-                          <p:cTn fill="hold">
+                          <p:cTn id="4" fill="hold">
                             <p:stCondLst>
                               <p:cond delay="0"/>
                             </p:stCondLst>
                             <p:childTnLst>
                               <p:par>
-                                <p:cTn fill="hold" nodeType="clickEffect" presetClass="entr" presetID="2" presetSubtype="4">
+                                <p:cTn id="5" presetID="2" presetClass="entr" presetSubtype="4" fill="hold" nodeType="clickEffect">
                                   <p:stCondLst>
                                     <p:cond delay="0"/>
                                   </p:stCondLst>
                                   <p:childTnLst>
                                     <p:set>
                                       <p:cBhvr>
-                                        <p:cTn dur="1" fill="hold">
+                                        <p:cTn id="6" dur="1" fill="hold">
                                           <p:stCondLst>
                                             <p:cond delay="0"/>
                                           </p:stCondLst>
@@ -8948,7 +9184,7 @@
                                     </p:set>
                                     <p:anim calcmode="lin" valueType="num">
                                       <p:cBhvr additive="base">
-                                        <p:cTn dur="500"/>
+                                        <p:cTn id="7" dur="500"/>
                                         <p:tgtEl>
                                           <p:spTgt spid="70"/>
                                         </p:tgtEl>
@@ -8957,12 +9193,12 @@
                                         </p:attrNameLst>
                                       </p:cBhvr>
                                       <p:tavLst>
-                                        <p:tav fmla="" tm="0">
+                                        <p:tav tm="0">
                                           <p:val>
                                             <p:strVal val="#ppt_y+1"/>
                                           </p:val>
                                         </p:tav>
-                                        <p:tav fmla="" tm="100000">
+                                        <p:tav tm="100000">
                                           <p:val>
                                             <p:strVal val="#ppt_y"/>
                                           </p:val>
@@ -8979,26 +9215,26 @@
                     </p:cTn>
                   </p:par>
                   <p:par>
-                    <p:cTn fill="hold">
+                    <p:cTn id="8" fill="hold">
                       <p:stCondLst>
                         <p:cond delay="indefinite"/>
                       </p:stCondLst>
                       <p:childTnLst>
                         <p:par>
-                          <p:cTn fill="hold">
+                          <p:cTn id="9" fill="hold">
                             <p:stCondLst>
                               <p:cond delay="0"/>
                             </p:stCondLst>
                             <p:childTnLst>
                               <p:par>
-                                <p:cTn fill="hold" nodeType="clickEffect" presetClass="entr" presetID="2" presetSubtype="4">
+                                <p:cTn id="10" presetID="2" presetClass="entr" presetSubtype="4" fill="hold" nodeType="clickEffect">
                                   <p:stCondLst>
                                     <p:cond delay="0"/>
                                   </p:stCondLst>
                                   <p:childTnLst>
                                     <p:set>
                                       <p:cBhvr>
-                                        <p:cTn dur="1" fill="hold">
+                                        <p:cTn id="11" dur="1" fill="hold">
                                           <p:stCondLst>
                                             <p:cond delay="0"/>
                                           </p:stCondLst>
@@ -9006,7 +9242,7 @@
                                         <p:tgtEl>
                                           <p:spTgt spid="72">
                                             <p:txEl>
-                                              <p:pRg end="0" st="0"/>
+                                              <p:pRg st="0" end="0"/>
                                             </p:txEl>
                                           </p:spTgt>
                                         </p:tgtEl>
@@ -9020,11 +9256,11 @@
                                     </p:set>
                                     <p:anim calcmode="lin" valueType="num">
                                       <p:cBhvr additive="base">
-                                        <p:cTn dur="500"/>
+                                        <p:cTn id="12" dur="500"/>
                                         <p:tgtEl>
                                           <p:spTgt spid="72">
                                             <p:txEl>
-                                              <p:pRg end="0" st="0"/>
+                                              <p:pRg st="0" end="0"/>
                                             </p:txEl>
                                           </p:spTgt>
                                         </p:tgtEl>
@@ -9033,12 +9269,12 @@
                                         </p:attrNameLst>
                                       </p:cBhvr>
                                       <p:tavLst>
-                                        <p:tav fmla="" tm="0">
+                                        <p:tav tm="0">
                                           <p:val>
                                             <p:strVal val="#ppt_y+1"/>
                                           </p:val>
                                         </p:tav>
-                                        <p:tav fmla="" tm="100000">
+                                        <p:tav tm="100000">
                                           <p:val>
                                             <p:strVal val="#ppt_y"/>
                                           </p:val>
@@ -9055,26 +9291,26 @@
                     </p:cTn>
                   </p:par>
                   <p:par>
-                    <p:cTn fill="hold">
+                    <p:cTn id="13" fill="hold">
                       <p:stCondLst>
                         <p:cond delay="indefinite"/>
                       </p:stCondLst>
                       <p:childTnLst>
                         <p:par>
-                          <p:cTn fill="hold">
+                          <p:cTn id="14" fill="hold">
                             <p:stCondLst>
                               <p:cond delay="0"/>
                             </p:stCondLst>
                             <p:childTnLst>
                               <p:par>
-                                <p:cTn fill="hold" nodeType="clickEffect" presetClass="entr" presetID="2" presetSubtype="4">
+                                <p:cTn id="15" presetID="2" presetClass="entr" presetSubtype="4" fill="hold" nodeType="clickEffect">
                                   <p:stCondLst>
                                     <p:cond delay="0"/>
                                   </p:stCondLst>
                                   <p:childTnLst>
                                     <p:set>
                                       <p:cBhvr>
-                                        <p:cTn dur="1" fill="hold">
+                                        <p:cTn id="16" dur="1" fill="hold">
                                           <p:stCondLst>
                                             <p:cond delay="0"/>
                                           </p:stCondLst>
@@ -9082,7 +9318,7 @@
                                         <p:tgtEl>
                                           <p:spTgt spid="73">
                                             <p:txEl>
-                                              <p:pRg end="0" st="0"/>
+                                              <p:pRg st="0" end="0"/>
                                             </p:txEl>
                                           </p:spTgt>
                                         </p:tgtEl>
@@ -9096,11 +9332,11 @@
                                     </p:set>
                                     <p:anim calcmode="lin" valueType="num">
                                       <p:cBhvr additive="base">
-                                        <p:cTn dur="500"/>
+                                        <p:cTn id="17" dur="500"/>
                                         <p:tgtEl>
                                           <p:spTgt spid="73">
                                             <p:txEl>
-                                              <p:pRg end="0" st="0"/>
+                                              <p:pRg st="0" end="0"/>
                                             </p:txEl>
                                           </p:spTgt>
                                         </p:tgtEl>
@@ -9109,12 +9345,12 @@
                                         </p:attrNameLst>
                                       </p:cBhvr>
                                       <p:tavLst>
-                                        <p:tav fmla="" tm="0">
+                                        <p:tav tm="0">
                                           <p:val>
                                             <p:strVal val="#ppt_y+1"/>
                                           </p:val>
                                         </p:tav>
-                                        <p:tav fmla="" tm="100000">
+                                        <p:tav tm="100000">
                                           <p:val>
                                             <p:strVal val="#ppt_y"/>
                                           </p:val>
@@ -9133,14 +9369,14 @@
                 </p:childTnLst>
               </p:cTn>
               <p:prevCondLst>
-                <p:cond evt="onPrev">
+                <p:cond evt="onPrev" delay="0">
                   <p:tgtEl>
                     <p:sldTgt/>
                   </p:tgtEl>
                 </p:cond>
               </p:prevCondLst>
               <p:nextCondLst>
-                <p:cond evt="onNext">
+                <p:cond evt="onNext" delay="0">
                   <p:tgtEl>
                     <p:sldTgt/>
                   </p:tgtEl>
@@ -9156,11 +9392,11 @@
 </file>
 
 <file path=ppt/slides/slide5.xml><?xml version="1.0" encoding="utf-8"?>
-<p:sld xmlns:a="http://schemas.openxmlformats.org/drawingml/2006/main" xmlns:r="http://schemas.openxmlformats.org/officeDocument/2006/relationships" xmlns:mc="http://schemas.openxmlformats.org/markup-compatibility/2006" xmlns:mv="urn:schemas-microsoft-com:mac:vml" xmlns:p="http://schemas.openxmlformats.org/presentationml/2006/main" xmlns:c="http://schemas.openxmlformats.org/drawingml/2006/chart" xmlns:dgm="http://schemas.openxmlformats.org/drawingml/2006/diagram" xmlns:o="urn:schemas-microsoft-com:office:office" xmlns:v="urn:schemas-microsoft-com:vml" xmlns:pvml="urn:schemas-microsoft-com:office:powerpoint" xmlns:com="http://schemas.openxmlformats.org/drawingml/2006/compatibility" xmlns:p14="http://schemas.microsoft.com/office/powerpoint/2010/main" xmlns:p15="http://schemas.microsoft.com/office/powerpoint/2012/main">
+<p:sld xmlns:a="http://schemas.openxmlformats.org/drawingml/2006/main" xmlns:r="http://schemas.openxmlformats.org/officeDocument/2006/relationships" xmlns:p="http://schemas.openxmlformats.org/presentationml/2006/main">
   <p:cSld>
     <p:spTree>
       <p:nvGrpSpPr>
-        <p:cNvPr id="79" name="Shape 79"/>
+        <p:cNvPr id="1" name="Shape 79"/>
         <p:cNvGrpSpPr/>
         <p:nvPr/>
       </p:nvGrpSpPr>
@@ -9175,7 +9411,9 @@
       <p:sp>
         <p:nvSpPr>
           <p:cNvPr id="80" name="Shape 80"/>
-          <p:cNvSpPr txBox="1"/>
+          <p:cNvSpPr txBox="1">
+            <a:spLocks noGrp="1"/>
+          </p:cNvSpPr>
           <p:nvPr>
             <p:ph type="title"/>
           </p:nvPr>
@@ -9194,12 +9432,12 @@
           </a:ln>
         </p:spPr>
         <p:txBody>
-          <a:bodyPr anchorCtr="0" anchor="b" bIns="91425" lIns="91425" rIns="91425" wrap="square" tIns="91425">
+          <a:bodyPr wrap="square" lIns="91425" tIns="91425" rIns="91425" bIns="91425" anchor="b" anchorCtr="0">
             <a:noAutofit/>
           </a:bodyPr>
           <a:lstStyle/>
           <a:p>
-            <a:pPr indent="-203200" lvl="0" marL="0" marR="0" rtl="0" algn="ctr">
+            <a:pPr marL="0" marR="0" lvl="0" indent="-203200" algn="ctr" rtl="0">
               <a:lnSpc>
                 <a:spcPct val="100000"/>
               </a:lnSpc>
@@ -9217,7 +9455,7 @@
               <a:buNone/>
             </a:pPr>
             <a:r>
-              <a:rPr b="1" lang="zh-CN" sz="3200">
+              <a:rPr lang="zh-CN" sz="3200" b="1">
                 <a:latin typeface="Arial"/>
                 <a:ea typeface="Arial"/>
                 <a:cs typeface="Arial"/>
@@ -9248,12 +9486,12 @@
           </a:ln>
         </p:spPr>
         <p:txBody>
-          <a:bodyPr anchorCtr="0" anchor="t" bIns="91425" lIns="91425" rIns="91425" wrap="square" tIns="91425">
+          <a:bodyPr wrap="square" lIns="91425" tIns="91425" rIns="91425" bIns="91425" anchor="t" anchorCtr="0">
             <a:noAutofit/>
           </a:bodyPr>
           <a:lstStyle/>
           <a:p>
-            <a:pPr indent="-114300" lvl="0" marL="0" marR="0" rtl="0" algn="l">
+            <a:pPr marL="0" marR="0" lvl="0" indent="-114300" algn="l" rtl="0">
               <a:lnSpc>
                 <a:spcPct val="100000"/>
               </a:lnSpc>
@@ -9270,10 +9508,7 @@
               <a:buFont typeface="Arial"/>
               <a:buNone/>
             </a:pPr>
-            <a:r>
-              <a:t/>
-            </a:r>
-            <a:endParaRPr b="1" i="0" sz="1800" u="none" cap="none" strike="noStrike">
+            <a:endParaRPr sz="1800" b="1" i="0" u="none" strike="noStrike" cap="none">
               <a:solidFill>
                 <a:srgbClr val="505670"/>
               </a:solidFill>
@@ -9305,12 +9540,12 @@
           </a:ln>
         </p:spPr>
         <p:txBody>
-          <a:bodyPr anchorCtr="0" anchor="t" bIns="91425" lIns="91425" rIns="91425" wrap="square" tIns="91425">
+          <a:bodyPr wrap="square" lIns="91425" tIns="91425" rIns="91425" bIns="91425" anchor="t" anchorCtr="0">
             <a:noAutofit/>
           </a:bodyPr>
           <a:lstStyle/>
           <a:p>
-            <a:pPr lvl="0" marR="0" rtl="0" algn="l">
+            <a:pPr marR="0" lvl="0" algn="l" rtl="0">
               <a:lnSpc>
                 <a:spcPct val="100000"/>
               </a:lnSpc>
@@ -9322,10 +9557,7 @@
               </a:spcAft>
               <a:buNone/>
             </a:pPr>
-            <a:r>
-              <a:t/>
-            </a:r>
-            <a:endParaRPr b="1" sz="2000">
+            <a:endParaRPr sz="2000" b="1">
               <a:solidFill>
                 <a:srgbClr val="01ABCF"/>
               </a:solidFill>
@@ -9340,7 +9572,7 @@
           <p:nvPr/>
         </p:nvSpPr>
         <p:spPr>
-          <a:xfrm flipH="1" rot="10800000">
+          <a:xfrm rot="10800000" flipH="1">
             <a:off x="1027950" y="5830452"/>
             <a:ext cx="6592200" cy="107700"/>
           </a:xfrm>
@@ -9353,12 +9585,12 @@
           </a:ln>
         </p:spPr>
         <p:txBody>
-          <a:bodyPr anchorCtr="0" anchor="t" bIns="91425" lIns="91425" rIns="91425" wrap="square" tIns="91425">
+          <a:bodyPr wrap="square" lIns="91425" tIns="91425" rIns="91425" bIns="91425" anchor="t" anchorCtr="0">
             <a:noAutofit/>
           </a:bodyPr>
           <a:lstStyle/>
           <a:p>
-            <a:pPr indent="-127000" lvl="0" marL="0" marR="0" rtl="0" algn="l">
+            <a:pPr marL="0" marR="0" lvl="0" indent="-127000" algn="l" rtl="0">
               <a:lnSpc>
                 <a:spcPct val="100000"/>
               </a:lnSpc>
@@ -9375,10 +9607,7 @@
               <a:buFont typeface="Arial"/>
               <a:buNone/>
             </a:pPr>
-            <a:r>
-              <a:t/>
-            </a:r>
-            <a:endParaRPr b="1" i="0" sz="2000" u="none" cap="none" strike="noStrike">
+            <a:endParaRPr sz="2000" b="1" i="0" u="none" strike="noStrike" cap="none">
               <a:solidFill>
                 <a:srgbClr val="01ABCF"/>
               </a:solidFill>
@@ -9426,32 +9655,32 @@
   <p:timing>
     <p:tnLst>
       <p:par>
-        <p:cTn dur="indefinite" nodeType="tmRoot" restart="never">
+        <p:cTn id="1" dur="indefinite" restart="never" nodeType="tmRoot">
           <p:childTnLst>
             <p:seq concurrent="1" nextAc="seek">
-              <p:cTn dur="indefinite" id="2" nodeType="mainSeq">
+              <p:cTn id="2" dur="indefinite" nodeType="mainSeq">
                 <p:childTnLst>
                   <p:par>
-                    <p:cTn fill="hold">
+                    <p:cTn id="3" fill="hold">
                       <p:stCondLst>
                         <p:cond delay="indefinite"/>
                       </p:stCondLst>
                       <p:childTnLst>
                         <p:par>
-                          <p:cTn fill="hold">
+                          <p:cTn id="4" fill="hold">
                             <p:stCondLst>
                               <p:cond delay="0"/>
                             </p:stCondLst>
                             <p:childTnLst>
                               <p:par>
-                                <p:cTn fill="hold" nodeType="clickEffect" presetClass="entr" presetID="2" presetSubtype="4">
+                                <p:cTn id="5" presetID="2" presetClass="entr" presetSubtype="4" fill="hold" nodeType="clickEffect">
                                   <p:stCondLst>
                                     <p:cond delay="0"/>
                                   </p:stCondLst>
                                   <p:childTnLst>
                                     <p:set>
                                       <p:cBhvr>
-                                        <p:cTn dur="1" fill="hold">
+                                        <p:cTn id="6" dur="1" fill="hold">
                                           <p:stCondLst>
                                             <p:cond delay="0"/>
                                           </p:stCondLst>
@@ -9469,7 +9698,7 @@
                                     </p:set>
                                     <p:anim calcmode="lin" valueType="num">
                                       <p:cBhvr additive="base">
-                                        <p:cTn dur="500"/>
+                                        <p:cTn id="7" dur="500"/>
                                         <p:tgtEl>
                                           <p:spTgt spid="80"/>
                                         </p:tgtEl>
@@ -9478,12 +9707,12 @@
                                         </p:attrNameLst>
                                       </p:cBhvr>
                                       <p:tavLst>
-                                        <p:tav fmla="" tm="0">
+                                        <p:tav tm="0">
                                           <p:val>
                                             <p:strVal val="#ppt_y+1"/>
                                           </p:val>
                                         </p:tav>
-                                        <p:tav fmla="" tm="100000">
+                                        <p:tav tm="100000">
                                           <p:val>
                                             <p:strVal val="#ppt_y"/>
                                           </p:val>
@@ -9500,26 +9729,26 @@
                     </p:cTn>
                   </p:par>
                   <p:par>
-                    <p:cTn fill="hold">
+                    <p:cTn id="8" fill="hold">
                       <p:stCondLst>
                         <p:cond delay="indefinite"/>
                       </p:stCondLst>
                       <p:childTnLst>
                         <p:par>
-                          <p:cTn fill="hold">
+                          <p:cTn id="9" fill="hold">
                             <p:stCondLst>
                               <p:cond delay="0"/>
                             </p:stCondLst>
                             <p:childTnLst>
                               <p:par>
-                                <p:cTn fill="hold" nodeType="clickEffect" presetClass="entr" presetID="2" presetSubtype="4">
+                                <p:cTn id="10" presetID="2" presetClass="entr" presetSubtype="4" fill="hold" nodeType="clickEffect">
                                   <p:stCondLst>
                                     <p:cond delay="0"/>
                                   </p:stCondLst>
                                   <p:childTnLst>
                                     <p:set>
                                       <p:cBhvr>
-                                        <p:cTn dur="1" fill="hold">
+                                        <p:cTn id="11" dur="1" fill="hold">
                                           <p:stCondLst>
                                             <p:cond delay="0"/>
                                           </p:stCondLst>
@@ -9527,7 +9756,7 @@
                                         <p:tgtEl>
                                           <p:spTgt spid="82">
                                             <p:txEl>
-                                              <p:pRg end="0" st="0"/>
+                                              <p:pRg st="0" end="0"/>
                                             </p:txEl>
                                           </p:spTgt>
                                         </p:tgtEl>
@@ -9541,11 +9770,11 @@
                                     </p:set>
                                     <p:anim calcmode="lin" valueType="num">
                                       <p:cBhvr additive="base">
-                                        <p:cTn dur="500"/>
+                                        <p:cTn id="12" dur="500"/>
                                         <p:tgtEl>
                                           <p:spTgt spid="82">
                                             <p:txEl>
-                                              <p:pRg end="0" st="0"/>
+                                              <p:pRg st="0" end="0"/>
                                             </p:txEl>
                                           </p:spTgt>
                                         </p:tgtEl>
@@ -9554,12 +9783,12 @@
                                         </p:attrNameLst>
                                       </p:cBhvr>
                                       <p:tavLst>
-                                        <p:tav fmla="" tm="0">
+                                        <p:tav tm="0">
                                           <p:val>
                                             <p:strVal val="#ppt_y+1"/>
                                           </p:val>
                                         </p:tav>
-                                        <p:tav fmla="" tm="100000">
+                                        <p:tav tm="100000">
                                           <p:val>
                                             <p:strVal val="#ppt_y"/>
                                           </p:val>
@@ -9576,26 +9805,26 @@
                     </p:cTn>
                   </p:par>
                   <p:par>
-                    <p:cTn fill="hold">
+                    <p:cTn id="13" fill="hold">
                       <p:stCondLst>
                         <p:cond delay="indefinite"/>
                       </p:stCondLst>
                       <p:childTnLst>
                         <p:par>
-                          <p:cTn fill="hold">
+                          <p:cTn id="14" fill="hold">
                             <p:stCondLst>
                               <p:cond delay="0"/>
                             </p:stCondLst>
                             <p:childTnLst>
                               <p:par>
-                                <p:cTn fill="hold" nodeType="clickEffect" presetClass="entr" presetID="2" presetSubtype="4">
+                                <p:cTn id="15" presetID="2" presetClass="entr" presetSubtype="4" fill="hold" nodeType="clickEffect">
                                   <p:stCondLst>
                                     <p:cond delay="0"/>
                                   </p:stCondLst>
                                   <p:childTnLst>
                                     <p:set>
                                       <p:cBhvr>
-                                        <p:cTn dur="1" fill="hold">
+                                        <p:cTn id="16" dur="1" fill="hold">
                                           <p:stCondLst>
                                             <p:cond delay="0"/>
                                           </p:stCondLst>
@@ -9603,7 +9832,7 @@
                                         <p:tgtEl>
                                           <p:spTgt spid="83">
                                             <p:txEl>
-                                              <p:pRg end="0" st="0"/>
+                                              <p:pRg st="0" end="0"/>
                                             </p:txEl>
                                           </p:spTgt>
                                         </p:tgtEl>
@@ -9617,11 +9846,11 @@
                                     </p:set>
                                     <p:anim calcmode="lin" valueType="num">
                                       <p:cBhvr additive="base">
-                                        <p:cTn dur="500"/>
+                                        <p:cTn id="17" dur="500"/>
                                         <p:tgtEl>
                                           <p:spTgt spid="83">
                                             <p:txEl>
-                                              <p:pRg end="0" st="0"/>
+                                              <p:pRg st="0" end="0"/>
                                             </p:txEl>
                                           </p:spTgt>
                                         </p:tgtEl>
@@ -9630,12 +9859,12 @@
                                         </p:attrNameLst>
                                       </p:cBhvr>
                                       <p:tavLst>
-                                        <p:tav fmla="" tm="0">
+                                        <p:tav tm="0">
                                           <p:val>
                                             <p:strVal val="#ppt_y+1"/>
                                           </p:val>
                                         </p:tav>
-                                        <p:tav fmla="" tm="100000">
+                                        <p:tav tm="100000">
                                           <p:val>
                                             <p:strVal val="#ppt_y"/>
                                           </p:val>
@@ -9654,14 +9883,14 @@
                 </p:childTnLst>
               </p:cTn>
               <p:prevCondLst>
-                <p:cond evt="onPrev">
+                <p:cond evt="onPrev" delay="0">
                   <p:tgtEl>
                     <p:sldTgt/>
                   </p:tgtEl>
                 </p:cond>
               </p:prevCondLst>
               <p:nextCondLst>
-                <p:cond evt="onNext">
+                <p:cond evt="onNext" delay="0">
                   <p:tgtEl>
                     <p:sldTgt/>
                   </p:tgtEl>
@@ -9677,11 +9906,11 @@
 </file>
 
 <file path=ppt/slides/slide6.xml><?xml version="1.0" encoding="utf-8"?>
-<p:sld xmlns:a="http://schemas.openxmlformats.org/drawingml/2006/main" xmlns:r="http://schemas.openxmlformats.org/officeDocument/2006/relationships" xmlns:mc="http://schemas.openxmlformats.org/markup-compatibility/2006" xmlns:mv="urn:schemas-microsoft-com:mac:vml" xmlns:p="http://schemas.openxmlformats.org/presentationml/2006/main" xmlns:c="http://schemas.openxmlformats.org/drawingml/2006/chart" xmlns:dgm="http://schemas.openxmlformats.org/drawingml/2006/diagram" xmlns:o="urn:schemas-microsoft-com:office:office" xmlns:v="urn:schemas-microsoft-com:vml" xmlns:pvml="urn:schemas-microsoft-com:office:powerpoint" xmlns:com="http://schemas.openxmlformats.org/drawingml/2006/compatibility" xmlns:p14="http://schemas.microsoft.com/office/powerpoint/2010/main" xmlns:p15="http://schemas.microsoft.com/office/powerpoint/2012/main">
+<p:sld xmlns:a="http://schemas.openxmlformats.org/drawingml/2006/main" xmlns:r="http://schemas.openxmlformats.org/officeDocument/2006/relationships" xmlns:p="http://schemas.openxmlformats.org/presentationml/2006/main">
   <p:cSld>
     <p:spTree>
       <p:nvGrpSpPr>
-        <p:cNvPr id="88" name="Shape 88"/>
+        <p:cNvPr id="1" name="Shape 88"/>
         <p:cNvGrpSpPr/>
         <p:nvPr/>
       </p:nvGrpSpPr>
@@ -9696,9 +9925,11 @@
       <p:sp>
         <p:nvSpPr>
           <p:cNvPr id="89" name="Shape 89"/>
-          <p:cNvSpPr txBox="1"/>
+          <p:cNvSpPr txBox="1">
+            <a:spLocks noGrp="1"/>
+          </p:cNvSpPr>
           <p:nvPr>
-            <p:ph idx="4294967295" type="ctrTitle"/>
+            <p:ph type="ctrTitle" idx="4294967295"/>
           </p:nvPr>
         </p:nvSpPr>
         <p:spPr>
@@ -9715,12 +9946,12 @@
           </a:ln>
         </p:spPr>
         <p:txBody>
-          <a:bodyPr anchorCtr="0" anchor="b" bIns="91425" lIns="91425" rIns="91425" wrap="square" tIns="91425">
+          <a:bodyPr wrap="square" lIns="91425" tIns="91425" rIns="91425" bIns="91425" anchor="b" anchorCtr="0">
             <a:noAutofit/>
           </a:bodyPr>
           <a:lstStyle/>
           <a:p>
-            <a:pPr indent="-304800" lvl="0" marL="0" marR="0" rtl="0" algn="ctr">
+            <a:pPr marL="0" marR="0" lvl="0" indent="-304800" algn="ctr" rtl="0">
               <a:lnSpc>
                 <a:spcPct val="100000"/>
               </a:lnSpc>
@@ -9738,7 +9969,7 @@
               <a:buNone/>
             </a:pPr>
             <a:r>
-              <a:rPr b="1" lang="zh-CN" sz="4800">
+              <a:rPr lang="zh-CN" sz="4800" b="1">
                 <a:solidFill>
                   <a:srgbClr val="FFD966"/>
                 </a:solidFill>
@@ -9751,9 +9982,11 @@
       <p:sp>
         <p:nvSpPr>
           <p:cNvPr id="90" name="Shape 90"/>
-          <p:cNvSpPr txBox="1"/>
+          <p:cNvSpPr txBox="1">
+            <a:spLocks noGrp="1"/>
+          </p:cNvSpPr>
           <p:nvPr>
-            <p:ph idx="4294967295" type="subTitle"/>
+            <p:ph type="subTitle" idx="4294967295"/>
           </p:nvPr>
         </p:nvSpPr>
         <p:spPr>
@@ -9770,12 +10003,12 @@
           </a:ln>
         </p:spPr>
         <p:txBody>
-          <a:bodyPr anchorCtr="0" anchor="t" bIns="91425" lIns="91425" rIns="91425" wrap="square" tIns="91425">
+          <a:bodyPr wrap="square" lIns="91425" tIns="91425" rIns="91425" bIns="91425" anchor="t" anchorCtr="0">
             <a:noAutofit/>
           </a:bodyPr>
           <a:lstStyle/>
           <a:p>
-            <a:pPr indent="-152400" lvl="0" marL="0" marR="0" rtl="0" algn="ctr">
+            <a:pPr marL="0" marR="0" lvl="0" indent="-152400" algn="ctr" rtl="0">
               <a:lnSpc>
                 <a:spcPct val="100000"/>
               </a:lnSpc>
@@ -9792,10 +10025,7 @@
               <a:buFont typeface="Varela Round"/>
               <a:buNone/>
             </a:pPr>
-            <a:r>
-              <a:t/>
-            </a:r>
-            <a:endParaRPr b="0" i="0" sz="2400" u="none" cap="none" strike="noStrike">
+            <a:endParaRPr sz="2400" b="0" i="0" u="none" strike="noStrike" cap="none">
               <a:solidFill>
                 <a:srgbClr val="FFFFFF"/>
               </a:solidFill>
@@ -9822,14 +10052,14 @@
             <a:avLst/>
           </a:prstGeom>
           <a:noFill/>
-          <a:ln cap="flat" cmpd="sng" w="9525">
+          <a:ln w="9525" cap="flat" cmpd="sng">
             <a:solidFill>
               <a:srgbClr val="FFD966"/>
             </a:solidFill>
             <a:prstDash val="dash"/>
             <a:round/>
-            <a:headEnd len="med" w="med" type="none"/>
-            <a:tailEnd len="lg" w="lg" type="triangle"/>
+            <a:headEnd type="none" w="med" len="med"/>
+            <a:tailEnd type="triangle" w="lg" len="lg"/>
           </a:ln>
         </p:spPr>
       </p:cxnSp>
@@ -9848,14 +10078,14 @@
             <a:avLst/>
           </a:prstGeom>
           <a:noFill/>
-          <a:ln cap="flat" cmpd="sng" w="9525">
+          <a:ln w="9525" cap="flat" cmpd="sng">
             <a:solidFill>
               <a:srgbClr val="FFD966"/>
             </a:solidFill>
             <a:prstDash val="dash"/>
             <a:round/>
-            <a:headEnd len="med" w="med" type="none"/>
-            <a:tailEnd len="lg" w="lg" type="triangle"/>
+            <a:headEnd type="none" w="med" len="med"/>
+            <a:tailEnd type="triangle" w="lg" len="lg"/>
           </a:ln>
         </p:spPr>
       </p:cxnSp>
@@ -9874,14 +10104,14 @@
             <a:avLst/>
           </a:prstGeom>
           <a:noFill/>
-          <a:ln cap="flat" cmpd="sng" w="9525">
+          <a:ln w="9525" cap="flat" cmpd="sng">
             <a:solidFill>
               <a:srgbClr val="FFD966"/>
             </a:solidFill>
             <a:prstDash val="dash"/>
             <a:round/>
-            <a:headEnd len="med" w="med" type="none"/>
-            <a:tailEnd len="lg" w="lg" type="triangle"/>
+            <a:headEnd type="none" w="med" len="med"/>
+            <a:tailEnd type="triangle" w="lg" len="lg"/>
           </a:ln>
         </p:spPr>
       </p:cxnSp>
@@ -9892,7 +10122,7 @@
           <p:nvPr/>
         </p:nvCxnSpPr>
         <p:spPr>
-          <a:xfrm flipH="1" rot="10800000">
+          <a:xfrm rot="10800000" flipH="1">
             <a:off x="2477300" y="3830494"/>
             <a:ext cx="591900" cy="8100"/>
           </a:xfrm>
@@ -9900,14 +10130,14 @@
             <a:avLst/>
           </a:prstGeom>
           <a:noFill/>
-          <a:ln cap="flat" cmpd="sng" w="9525">
+          <a:ln w="9525" cap="flat" cmpd="sng">
             <a:solidFill>
               <a:srgbClr val="FFD966"/>
             </a:solidFill>
             <a:prstDash val="dash"/>
             <a:round/>
-            <a:headEnd len="med" w="med" type="none"/>
-            <a:tailEnd len="lg" w="lg" type="triangle"/>
+            <a:headEnd type="none" w="med" len="med"/>
+            <a:tailEnd type="triangle" w="lg" len="lg"/>
           </a:ln>
         </p:spPr>
       </p:cxnSp>
@@ -9919,32 +10149,32 @@
   <p:timing>
     <p:tnLst>
       <p:par>
-        <p:cTn dur="indefinite" nodeType="tmRoot" restart="never">
+        <p:cTn id="1" dur="indefinite" restart="never" nodeType="tmRoot">
           <p:childTnLst>
             <p:seq concurrent="1" nextAc="seek">
-              <p:cTn dur="indefinite" id="2" nodeType="mainSeq">
+              <p:cTn id="2" dur="indefinite" nodeType="mainSeq">
                 <p:childTnLst>
                   <p:par>
-                    <p:cTn fill="hold">
+                    <p:cTn id="3" fill="hold">
                       <p:stCondLst>
                         <p:cond delay="indefinite"/>
                       </p:stCondLst>
                       <p:childTnLst>
                         <p:par>
-                          <p:cTn fill="hold">
+                          <p:cTn id="4" fill="hold">
                             <p:stCondLst>
                               <p:cond delay="0"/>
                             </p:stCondLst>
                             <p:childTnLst>
                               <p:par>
-                                <p:cTn fill="hold" nodeType="clickEffect" presetClass="entr" presetID="2" presetSubtype="4">
+                                <p:cTn id="5" presetID="2" presetClass="entr" presetSubtype="4" fill="hold" nodeType="clickEffect">
                                   <p:stCondLst>
                                     <p:cond delay="0"/>
                                   </p:stCondLst>
                                   <p:childTnLst>
                                     <p:set>
                                       <p:cBhvr>
-                                        <p:cTn dur="1" fill="hold">
+                                        <p:cTn id="6" dur="1" fill="hold">
                                           <p:stCondLst>
                                             <p:cond delay="0"/>
                                           </p:stCondLst>
@@ -9962,7 +10192,7 @@
                                     </p:set>
                                     <p:anim calcmode="lin" valueType="num">
                                       <p:cBhvr additive="base">
-                                        <p:cTn dur="500"/>
+                                        <p:cTn id="7" dur="500"/>
                                         <p:tgtEl>
                                           <p:spTgt spid="89"/>
                                         </p:tgtEl>
@@ -9971,12 +10201,12 @@
                                         </p:attrNameLst>
                                       </p:cBhvr>
                                       <p:tavLst>
-                                        <p:tav fmla="" tm="0">
+                                        <p:tav tm="0">
                                           <p:val>
                                             <p:strVal val="#ppt_y+1"/>
                                           </p:val>
                                         </p:tav>
-                                        <p:tav fmla="" tm="100000">
+                                        <p:tav tm="100000">
                                           <p:val>
                                             <p:strVal val="#ppt_y"/>
                                           </p:val>
@@ -9993,26 +10223,26 @@
                     </p:cTn>
                   </p:par>
                   <p:par>
-                    <p:cTn fill="hold">
+                    <p:cTn id="8" fill="hold">
                       <p:stCondLst>
                         <p:cond delay="indefinite"/>
                       </p:stCondLst>
                       <p:childTnLst>
                         <p:par>
-                          <p:cTn fill="hold">
+                          <p:cTn id="9" fill="hold">
                             <p:stCondLst>
                               <p:cond delay="0"/>
                             </p:stCondLst>
                             <p:childTnLst>
                               <p:par>
-                                <p:cTn fill="hold" nodeType="clickEffect" presetClass="entr" presetID="2" presetSubtype="4">
+                                <p:cTn id="10" presetID="2" presetClass="entr" presetSubtype="4" fill="hold" nodeType="clickEffect">
                                   <p:stCondLst>
                                     <p:cond delay="0"/>
                                   </p:stCondLst>
                                   <p:childTnLst>
                                     <p:set>
                                       <p:cBhvr>
-                                        <p:cTn dur="1" fill="hold">
+                                        <p:cTn id="11" dur="1" fill="hold">
                                           <p:stCondLst>
                                             <p:cond delay="0"/>
                                           </p:stCondLst>
@@ -10020,7 +10250,7 @@
                                         <p:tgtEl>
                                           <p:spTgt spid="90">
                                             <p:txEl>
-                                              <p:pRg end="0" st="0"/>
+                                              <p:pRg st="0" end="0"/>
                                             </p:txEl>
                                           </p:spTgt>
                                         </p:tgtEl>
@@ -10034,11 +10264,11 @@
                                     </p:set>
                                     <p:anim calcmode="lin" valueType="num">
                                       <p:cBhvr additive="base">
-                                        <p:cTn dur="500"/>
+                                        <p:cTn id="12" dur="500"/>
                                         <p:tgtEl>
                                           <p:spTgt spid="90">
                                             <p:txEl>
-                                              <p:pRg end="0" st="0"/>
+                                              <p:pRg st="0" end="0"/>
                                             </p:txEl>
                                           </p:spTgt>
                                         </p:tgtEl>
@@ -10047,12 +10277,12 @@
                                         </p:attrNameLst>
                                       </p:cBhvr>
                                       <p:tavLst>
-                                        <p:tav fmla="" tm="0">
+                                        <p:tav tm="0">
                                           <p:val>
                                             <p:strVal val="#ppt_y+1"/>
                                           </p:val>
                                         </p:tav>
-                                        <p:tav fmla="" tm="100000">
+                                        <p:tav tm="100000">
                                           <p:val>
                                             <p:strVal val="#ppt_y"/>
                                           </p:val>
@@ -10071,14 +10301,14 @@
                 </p:childTnLst>
               </p:cTn>
               <p:prevCondLst>
-                <p:cond evt="onPrev">
+                <p:cond evt="onPrev" delay="0">
                   <p:tgtEl>
                     <p:sldTgt/>
                   </p:tgtEl>
                 </p:cond>
               </p:prevCondLst>
               <p:nextCondLst>
-                <p:cond evt="onNext">
+                <p:cond evt="onNext" delay="0">
                   <p:tgtEl>
                     <p:sldTgt/>
                   </p:tgtEl>
@@ -10094,11 +10324,11 @@
 </file>
 
 <file path=ppt/slides/slide7.xml><?xml version="1.0" encoding="utf-8"?>
-<p:sld xmlns:a="http://schemas.openxmlformats.org/drawingml/2006/main" xmlns:r="http://schemas.openxmlformats.org/officeDocument/2006/relationships" xmlns:mc="http://schemas.openxmlformats.org/markup-compatibility/2006" xmlns:mv="urn:schemas-microsoft-com:mac:vml" xmlns:p="http://schemas.openxmlformats.org/presentationml/2006/main" xmlns:c="http://schemas.openxmlformats.org/drawingml/2006/chart" xmlns:dgm="http://schemas.openxmlformats.org/drawingml/2006/diagram" xmlns:o="urn:schemas-microsoft-com:office:office" xmlns:v="urn:schemas-microsoft-com:vml" xmlns:pvml="urn:schemas-microsoft-com:office:powerpoint" xmlns:com="http://schemas.openxmlformats.org/drawingml/2006/compatibility" xmlns:p14="http://schemas.microsoft.com/office/powerpoint/2010/main" xmlns:p15="http://schemas.microsoft.com/office/powerpoint/2012/main">
+<p:sld xmlns:a="http://schemas.openxmlformats.org/drawingml/2006/main" xmlns:r="http://schemas.openxmlformats.org/officeDocument/2006/relationships" xmlns:p="http://schemas.openxmlformats.org/presentationml/2006/main">
   <p:cSld>
     <p:spTree>
       <p:nvGrpSpPr>
-        <p:cNvPr id="98" name="Shape 98"/>
+        <p:cNvPr id="1" name="Shape 98"/>
         <p:cNvGrpSpPr/>
         <p:nvPr/>
       </p:nvGrpSpPr>
@@ -10113,7 +10343,9 @@
       <p:sp>
         <p:nvSpPr>
           <p:cNvPr id="99" name="Shape 99"/>
-          <p:cNvSpPr txBox="1"/>
+          <p:cNvSpPr txBox="1">
+            <a:spLocks noGrp="1"/>
+          </p:cNvSpPr>
           <p:nvPr>
             <p:ph type="title"/>
           </p:nvPr>
@@ -10132,12 +10364,12 @@
           </a:ln>
         </p:spPr>
         <p:txBody>
-          <a:bodyPr anchorCtr="0" anchor="b" bIns="91425" lIns="91425" rIns="91425" wrap="square" tIns="91425">
+          <a:bodyPr wrap="square" lIns="91425" tIns="91425" rIns="91425" bIns="91425" anchor="b" anchorCtr="0">
             <a:noAutofit/>
           </a:bodyPr>
           <a:lstStyle/>
           <a:p>
-            <a:pPr indent="-190500" lvl="0" marL="0" marR="0" rtl="0" algn="ctr">
+            <a:pPr marL="0" marR="0" lvl="0" indent="-190500" algn="ctr" rtl="0">
               <a:lnSpc>
                 <a:spcPct val="100000"/>
               </a:lnSpc>
@@ -10154,10 +10386,7 @@
               <a:buFont typeface="Shadows Into Light"/>
               <a:buNone/>
             </a:pPr>
-            <a:r>
-              <a:t/>
-            </a:r>
-            <a:endParaRPr b="0" i="0" sz="3000" u="none" cap="none" strike="noStrike">
+            <a:endParaRPr sz="3000" b="0" i="0" u="none" strike="noStrike" cap="none">
               <a:solidFill>
                 <a:srgbClr val="979CB8"/>
               </a:solidFill>
@@ -10172,9 +10401,11 @@
       <p:sp>
         <p:nvSpPr>
           <p:cNvPr id="100" name="Shape 100"/>
-          <p:cNvSpPr txBox="1"/>
+          <p:cNvSpPr txBox="1">
+            <a:spLocks noGrp="1"/>
+          </p:cNvSpPr>
           <p:nvPr>
-            <p:ph idx="1" type="body"/>
+            <p:ph type="body" idx="1"/>
           </p:nvPr>
         </p:nvSpPr>
         <p:spPr>
@@ -10191,12 +10422,68 @@
           </a:ln>
         </p:spPr>
         <p:txBody>
-          <a:bodyPr anchorCtr="0" anchor="t" bIns="91425" lIns="91425" rIns="91425" wrap="square" tIns="91425">
+          <a:bodyPr wrap="square" lIns="91425" tIns="91425" rIns="91425" bIns="91425" anchor="t" anchorCtr="0">
             <a:noAutofit/>
           </a:bodyPr>
           <a:lstStyle/>
           <a:p>
-            <a:pPr indent="0" lvl="0" marR="0" rtl="0" algn="l">
+            <a:pPr lvl="0" indent="0">
+              <a:buNone/>
+            </a:pPr>
+            <a:r>
+              <a:rPr lang="en-GB" altLang="zh-CN" sz="2800" dirty="0">
+                <a:latin typeface="Arial"/>
+                <a:ea typeface="Arial"/>
+                <a:cs typeface="Arial"/>
+                <a:sym typeface="Arial"/>
+              </a:rPr>
+              <a:t>Data Visualisation</a:t>
+            </a:r>
+          </a:p>
+          <a:p>
+            <a:pPr lvl="0" indent="0">
+              <a:buNone/>
+            </a:pPr>
+            <a:r>
+              <a:rPr lang="en-GB" altLang="zh-CN" sz="2800" dirty="0">
+                <a:latin typeface="Arial"/>
+                <a:ea typeface="Arial"/>
+                <a:cs typeface="Arial"/>
+                <a:sym typeface="Arial"/>
+              </a:rPr>
+              <a:t>App</a:t>
+            </a:r>
+          </a:p>
+          <a:p>
+            <a:pPr lvl="0" indent="0">
+              <a:buNone/>
+            </a:pPr>
+            <a:r>
+              <a:rPr lang="en-GB" altLang="zh-CN" sz="2800" dirty="0">
+                <a:latin typeface="Arial"/>
+                <a:ea typeface="Arial"/>
+                <a:cs typeface="Arial"/>
+                <a:sym typeface="Arial"/>
+              </a:rPr>
+              <a:t>(With higher broadband) more data collected for analysis</a:t>
+            </a:r>
+          </a:p>
+          <a:p>
+            <a:pPr lvl="0" indent="0">
+              <a:buNone/>
+            </a:pPr>
+            <a:r>
+              <a:rPr lang="en-GB" altLang="zh-CN" sz="2800">
+                <a:latin typeface="Arial"/>
+                <a:ea typeface="Arial"/>
+                <a:cs typeface="Arial"/>
+                <a:sym typeface="Arial"/>
+              </a:rPr>
+              <a:t>Protection+</a:t>
+            </a:r>
+          </a:p>
+          <a:p>
+            <a:pPr marR="0" lvl="0" indent="0" algn="l" rtl="0">
               <a:lnSpc>
                 <a:spcPct val="100000"/>
               </a:lnSpc>
@@ -10208,10 +10495,7 @@
               </a:spcAft>
               <a:buNone/>
             </a:pPr>
-            <a:r>
-              <a:t/>
-            </a:r>
-            <a:endParaRPr b="0" i="0" sz="2800" u="none" cap="none" strike="noStrike">
+            <a:endParaRPr sz="2800" b="0" i="0" u="none" strike="noStrike" cap="none">
               <a:solidFill>
                 <a:srgbClr val="505670"/>
               </a:solidFill>
@@ -10234,32 +10518,32 @@
   <p:timing>
     <p:tnLst>
       <p:par>
-        <p:cTn dur="indefinite" nodeType="tmRoot" restart="never">
+        <p:cTn id="1" dur="indefinite" restart="never" nodeType="tmRoot">
           <p:childTnLst>
             <p:seq concurrent="1" nextAc="seek">
-              <p:cTn dur="indefinite" id="2" nodeType="mainSeq">
+              <p:cTn id="2" dur="indefinite" nodeType="mainSeq">
                 <p:childTnLst>
                   <p:par>
-                    <p:cTn fill="hold">
+                    <p:cTn id="3" fill="hold">
                       <p:stCondLst>
                         <p:cond delay="indefinite"/>
                       </p:stCondLst>
                       <p:childTnLst>
                         <p:par>
-                          <p:cTn fill="hold">
+                          <p:cTn id="4" fill="hold">
                             <p:stCondLst>
                               <p:cond delay="0"/>
                             </p:stCondLst>
                             <p:childTnLst>
                               <p:par>
-                                <p:cTn fill="hold" nodeType="clickEffect" presetClass="entr" presetID="10" presetSubtype="0">
+                                <p:cTn id="5" presetID="10" presetClass="entr" presetSubtype="0" fill="hold" nodeType="clickEffect">
                                   <p:stCondLst>
                                     <p:cond delay="0"/>
                                   </p:stCondLst>
                                   <p:childTnLst>
                                     <p:set>
                                       <p:cBhvr>
-                                        <p:cTn dur="1" fill="hold">
+                                        <p:cTn id="6" dur="1" fill="hold">
                                           <p:stCondLst>
                                             <p:cond delay="0"/>
                                           </p:stCondLst>
@@ -10275,9 +10559,9 @@
                                         <p:strVal val="visible"/>
                                       </p:to>
                                     </p:set>
-                                    <p:animEffect filter="fade" transition="in">
+                                    <p:animEffect transition="in" filter="fade">
                                       <p:cBhvr>
-                                        <p:cTn dur="500"/>
+                                        <p:cTn id="7" dur="500"/>
                                         <p:tgtEl>
                                           <p:spTgt spid="99"/>
                                         </p:tgtEl>
@@ -10293,26 +10577,26 @@
                     </p:cTn>
                   </p:par>
                   <p:par>
-                    <p:cTn fill="hold">
+                    <p:cTn id="8" fill="hold">
                       <p:stCondLst>
                         <p:cond delay="indefinite"/>
                       </p:stCondLst>
                       <p:childTnLst>
                         <p:par>
-                          <p:cTn fill="hold">
+                          <p:cTn id="9" fill="hold">
                             <p:stCondLst>
                               <p:cond delay="0"/>
                             </p:stCondLst>
                             <p:childTnLst>
                               <p:par>
-                                <p:cTn fill="hold" nodeType="clickEffect" presetClass="entr" presetID="10" presetSubtype="0">
+                                <p:cTn id="10" presetID="10" presetClass="entr" presetSubtype="0" fill="hold" nodeType="clickEffect">
                                   <p:stCondLst>
                                     <p:cond delay="0"/>
                                   </p:stCondLst>
                                   <p:childTnLst>
                                     <p:set>
                                       <p:cBhvr>
-                                        <p:cTn dur="1" fill="hold">
+                                        <p:cTn id="11" dur="1" fill="hold">
                                           <p:stCondLst>
                                             <p:cond delay="0"/>
                                           </p:stCondLst>
@@ -10320,7 +10604,7 @@
                                         <p:tgtEl>
                                           <p:spTgt spid="100">
                                             <p:txEl>
-                                              <p:pRg end="0" st="0"/>
+                                              <p:pRg st="0" end="0"/>
                                             </p:txEl>
                                           </p:spTgt>
                                         </p:tgtEl>
@@ -10332,13 +10616,196 @@
                                         <p:strVal val="visible"/>
                                       </p:to>
                                     </p:set>
-                                    <p:animEffect filter="fade" transition="in">
+                                    <p:animEffect transition="in" filter="fade">
                                       <p:cBhvr>
-                                        <p:cTn dur="500"/>
+                                        <p:cTn id="12" dur="500"/>
                                         <p:tgtEl>
                                           <p:spTgt spid="100">
                                             <p:txEl>
-                                              <p:pRg end="0" st="0"/>
+                                              <p:pRg st="0" end="0"/>
+                                            </p:txEl>
+                                          </p:spTgt>
+                                        </p:tgtEl>
+                                      </p:cBhvr>
+                                    </p:animEffect>
+                                  </p:childTnLst>
+                                </p:cTn>
+                              </p:par>
+                            </p:childTnLst>
+                          </p:cTn>
+                        </p:par>
+                      </p:childTnLst>
+                    </p:cTn>
+                  </p:par>
+                  <p:par>
+                    <p:cTn id="13" fill="hold">
+                      <p:stCondLst>
+                        <p:cond delay="indefinite"/>
+                      </p:stCondLst>
+                      <p:childTnLst>
+                        <p:par>
+                          <p:cTn id="14" fill="hold">
+                            <p:stCondLst>
+                              <p:cond delay="0"/>
+                            </p:stCondLst>
+                            <p:childTnLst>
+                              <p:par>
+                                <p:cTn id="15" presetID="10" presetClass="entr" presetSubtype="0" fill="hold" nodeType="clickEffect">
+                                  <p:stCondLst>
+                                    <p:cond delay="0"/>
+                                  </p:stCondLst>
+                                  <p:childTnLst>
+                                    <p:set>
+                                      <p:cBhvr>
+                                        <p:cTn id="16" dur="1" fill="hold">
+                                          <p:stCondLst>
+                                            <p:cond delay="0"/>
+                                          </p:stCondLst>
+                                        </p:cTn>
+                                        <p:tgtEl>
+                                          <p:spTgt spid="100">
+                                            <p:txEl>
+                                              <p:pRg st="1" end="1"/>
+                                            </p:txEl>
+                                          </p:spTgt>
+                                        </p:tgtEl>
+                                        <p:attrNameLst>
+                                          <p:attrName>style.visibility</p:attrName>
+                                        </p:attrNameLst>
+                                      </p:cBhvr>
+                                      <p:to>
+                                        <p:strVal val="visible"/>
+                                      </p:to>
+                                    </p:set>
+                                    <p:animEffect transition="in" filter="fade">
+                                      <p:cBhvr>
+                                        <p:cTn id="17" dur="500"/>
+                                        <p:tgtEl>
+                                          <p:spTgt spid="100">
+                                            <p:txEl>
+                                              <p:pRg st="1" end="1"/>
+                                            </p:txEl>
+                                          </p:spTgt>
+                                        </p:tgtEl>
+                                      </p:cBhvr>
+                                    </p:animEffect>
+                                  </p:childTnLst>
+                                </p:cTn>
+                              </p:par>
+                            </p:childTnLst>
+                          </p:cTn>
+                        </p:par>
+                      </p:childTnLst>
+                    </p:cTn>
+                  </p:par>
+                  <p:par>
+                    <p:cTn id="18" fill="hold">
+                      <p:stCondLst>
+                        <p:cond delay="indefinite"/>
+                      </p:stCondLst>
+                      <p:childTnLst>
+                        <p:par>
+                          <p:cTn id="19" fill="hold">
+                            <p:stCondLst>
+                              <p:cond delay="0"/>
+                            </p:stCondLst>
+                            <p:childTnLst>
+                              <p:par>
+                                <p:cTn id="20" presetID="10" presetClass="entr" presetSubtype="0" fill="hold" nodeType="clickEffect">
+                                  <p:stCondLst>
+                                    <p:cond delay="0"/>
+                                  </p:stCondLst>
+                                  <p:childTnLst>
+                                    <p:set>
+                                      <p:cBhvr>
+                                        <p:cTn id="21" dur="1" fill="hold">
+                                          <p:stCondLst>
+                                            <p:cond delay="0"/>
+                                          </p:stCondLst>
+                                        </p:cTn>
+                                        <p:tgtEl>
+                                          <p:spTgt spid="100">
+                                            <p:txEl>
+                                              <p:pRg st="2" end="2"/>
+                                            </p:txEl>
+                                          </p:spTgt>
+                                        </p:tgtEl>
+                                        <p:attrNameLst>
+                                          <p:attrName>style.visibility</p:attrName>
+                                        </p:attrNameLst>
+                                      </p:cBhvr>
+                                      <p:to>
+                                        <p:strVal val="visible"/>
+                                      </p:to>
+                                    </p:set>
+                                    <p:animEffect transition="in" filter="fade">
+                                      <p:cBhvr>
+                                        <p:cTn id="22" dur="500"/>
+                                        <p:tgtEl>
+                                          <p:spTgt spid="100">
+                                            <p:txEl>
+                                              <p:pRg st="2" end="2"/>
+                                            </p:txEl>
+                                          </p:spTgt>
+                                        </p:tgtEl>
+                                      </p:cBhvr>
+                                    </p:animEffect>
+                                  </p:childTnLst>
+                                </p:cTn>
+                              </p:par>
+                            </p:childTnLst>
+                          </p:cTn>
+                        </p:par>
+                      </p:childTnLst>
+                    </p:cTn>
+                  </p:par>
+                  <p:par>
+                    <p:cTn id="23" fill="hold">
+                      <p:stCondLst>
+                        <p:cond delay="indefinite"/>
+                      </p:stCondLst>
+                      <p:childTnLst>
+                        <p:par>
+                          <p:cTn id="24" fill="hold">
+                            <p:stCondLst>
+                              <p:cond delay="0"/>
+                            </p:stCondLst>
+                            <p:childTnLst>
+                              <p:par>
+                                <p:cTn id="25" presetID="10" presetClass="entr" presetSubtype="0" fill="hold" nodeType="clickEffect">
+                                  <p:stCondLst>
+                                    <p:cond delay="0"/>
+                                  </p:stCondLst>
+                                  <p:childTnLst>
+                                    <p:set>
+                                      <p:cBhvr>
+                                        <p:cTn id="26" dur="1" fill="hold">
+                                          <p:stCondLst>
+                                            <p:cond delay="0"/>
+                                          </p:stCondLst>
+                                        </p:cTn>
+                                        <p:tgtEl>
+                                          <p:spTgt spid="100">
+                                            <p:txEl>
+                                              <p:pRg st="3" end="3"/>
+                                            </p:txEl>
+                                          </p:spTgt>
+                                        </p:tgtEl>
+                                        <p:attrNameLst>
+                                          <p:attrName>style.visibility</p:attrName>
+                                        </p:attrNameLst>
+                                      </p:cBhvr>
+                                      <p:to>
+                                        <p:strVal val="visible"/>
+                                      </p:to>
+                                    </p:set>
+                                    <p:animEffect transition="in" filter="fade">
+                                      <p:cBhvr>
+                                        <p:cTn id="27" dur="500"/>
+                                        <p:tgtEl>
+                                          <p:spTgt spid="100">
+                                            <p:txEl>
+                                              <p:pRg st="3" end="3"/>
                                             </p:txEl>
                                           </p:spTgt>
                                         </p:tgtEl>
@@ -10356,14 +10823,14 @@
                 </p:childTnLst>
               </p:cTn>
               <p:prevCondLst>
-                <p:cond evt="onPrev">
+                <p:cond evt="onPrev" delay="0">
                   <p:tgtEl>
                     <p:sldTgt/>
                   </p:tgtEl>
                 </p:cond>
               </p:prevCondLst>
               <p:nextCondLst>
-                <p:cond evt="onNext">
+                <p:cond evt="onNext" delay="0">
                   <p:tgtEl>
                     <p:sldTgt/>
                   </p:tgtEl>
@@ -10379,7 +10846,7 @@
 </file>
 
 <file path=ppt/theme/theme1.xml><?xml version="1.0" encoding="utf-8"?>
-<a:theme xmlns:a="http://schemas.openxmlformats.org/drawingml/2006/main" xmlns:r="http://schemas.openxmlformats.org/officeDocument/2006/relationships" name="Trinculo template">
+<a:theme xmlns:a="http://schemas.openxmlformats.org/drawingml/2006/main" name="Trinculo template">
   <a:themeElements>
     <a:clrScheme name="Custom 347">
       <a:dk1>
@@ -10654,11 +11121,13 @@
       </a:bgFillStyleLst>
     </a:fmtScheme>
   </a:themeElements>
+  <a:objectDefaults/>
+  <a:extraClrSchemeLst/>
 </a:theme>
 </file>
 
 <file path=ppt/theme/theme2.xml><?xml version="1.0" encoding="utf-8"?>
-<a:theme xmlns:a="http://schemas.openxmlformats.org/drawingml/2006/main" xmlns:r="http://schemas.openxmlformats.org/officeDocument/2006/relationships" name="Custom Theme">
+<a:theme xmlns:a="http://schemas.openxmlformats.org/drawingml/2006/main" name="Custom Theme">
   <a:themeElements>
     <a:clrScheme name="Default">
       <a:dk1>
@@ -10933,5 +11402,7 @@
       </a:bgFillStyleLst>
     </a:fmtScheme>
   </a:themeElements>
+  <a:objectDefaults/>
+  <a:extraClrSchemeLst/>
 </a:theme>
 </file>
--- a/Arm hachathon project [自动保存].pptx（副本）.pptx
+++ b/Arm hachathon project [自动保存].pptx（副本）.pptx
@@ -20,11 +20,11 @@
   <p:notesSz cx="6858000" cy="9144000"/>
   <p:embeddedFontLst>
     <p:embeddedFont>
-      <p:font typeface="Shadows Into Light" panose="02010600030101010101" charset="0"/>
+      <p:font typeface="Varela Round" panose="02010600030101010101" charset="-79"/>
       <p:regular r:id="rId10"/>
     </p:embeddedFont>
     <p:embeddedFont>
-      <p:font typeface="Varela Round" panose="02010600030101010101" charset="-79"/>
+      <p:font typeface="Shadows Into Light" panose="02010600030101010101" charset="0"/>
       <p:regular r:id="rId11"/>
     </p:embeddedFont>
   </p:embeddedFontLst>
@@ -230,6 +230,11 @@
       </a:defRPr>
     </a:lvl9pPr>
   </p:defaultTextStyle>
+  <p:extLst>
+    <p:ext uri="{EFAFB233-063F-42B5-8137-9DF3F51BA10A}">
+      <p15:sldGuideLst xmlns:p15="http://schemas.microsoft.com/office/powerpoint/2012/main"/>
+    </p:ext>
+  </p:extLst>
 </p:presentation>
 </file>
 
@@ -10473,7 +10478,7 @@
               <a:buNone/>
             </a:pPr>
             <a:r>
-              <a:rPr lang="en-GB" altLang="zh-CN" sz="2800">
+              <a:rPr lang="en-GB" altLang="zh-CN" sz="2800" dirty="0">
                 <a:latin typeface="Arial"/>
                 <a:ea typeface="Arial"/>
                 <a:cs typeface="Arial"/>
@@ -10483,6 +10488,35 @@
             </a:r>
           </a:p>
           <a:p>
+            <a:pPr lvl="0" indent="0">
+              <a:buNone/>
+            </a:pPr>
+            <a:r>
+              <a:rPr lang="en-GB" altLang="zh-CN" sz="2800" dirty="0">
+                <a:latin typeface="Arial"/>
+                <a:ea typeface="Arial"/>
+                <a:cs typeface="Arial"/>
+                <a:sym typeface="Arial"/>
+              </a:rPr>
+              <a:t>Machine learning to achieve </a:t>
+            </a:r>
+            <a:r>
+              <a:rPr lang="en-GB" altLang="zh-CN" sz="2800">
+                <a:latin typeface="Arial"/>
+                <a:ea typeface="Arial"/>
+                <a:cs typeface="Arial"/>
+                <a:sym typeface="Arial"/>
+              </a:rPr>
+              <a:t>better determination</a:t>
+            </a:r>
+            <a:endParaRPr lang="en-GB" altLang="zh-CN" sz="2800" dirty="0">
+              <a:latin typeface="Arial"/>
+              <a:ea typeface="Arial"/>
+              <a:cs typeface="Arial"/>
+              <a:sym typeface="Arial"/>
+            </a:endParaRPr>
+          </a:p>
+          <a:p>
             <a:pPr marR="0" lvl="0" indent="0" algn="l" rtl="0">
               <a:lnSpc>
                 <a:spcPct val="100000"/>
@@ -10495,7 +10529,7 @@
               </a:spcAft>
               <a:buNone/>
             </a:pPr>
-            <a:endParaRPr sz="2800" b="0" i="0" u="none" strike="noStrike" cap="none">
+            <a:endParaRPr sz="2800" b="0" i="0" u="none" strike="noStrike" cap="none" dirty="0">
               <a:solidFill>
                 <a:srgbClr val="505670"/>
               </a:solidFill>
@@ -10806,6 +10840,67 @@
                                           <p:spTgt spid="100">
                                             <p:txEl>
                                               <p:pRg st="3" end="3"/>
+                                            </p:txEl>
+                                          </p:spTgt>
+                                        </p:tgtEl>
+                                      </p:cBhvr>
+                                    </p:animEffect>
+                                  </p:childTnLst>
+                                </p:cTn>
+                              </p:par>
+                            </p:childTnLst>
+                          </p:cTn>
+                        </p:par>
+                      </p:childTnLst>
+                    </p:cTn>
+                  </p:par>
+                  <p:par>
+                    <p:cTn id="28" fill="hold">
+                      <p:stCondLst>
+                        <p:cond delay="indefinite"/>
+                      </p:stCondLst>
+                      <p:childTnLst>
+                        <p:par>
+                          <p:cTn id="29" fill="hold">
+                            <p:stCondLst>
+                              <p:cond delay="0"/>
+                            </p:stCondLst>
+                            <p:childTnLst>
+                              <p:par>
+                                <p:cTn id="30" presetID="10" presetClass="entr" presetSubtype="0" fill="hold" nodeType="clickEffect">
+                                  <p:stCondLst>
+                                    <p:cond delay="0"/>
+                                  </p:stCondLst>
+                                  <p:childTnLst>
+                                    <p:set>
+                                      <p:cBhvr>
+                                        <p:cTn id="31" dur="1" fill="hold">
+                                          <p:stCondLst>
+                                            <p:cond delay="0"/>
+                                          </p:stCondLst>
+                                        </p:cTn>
+                                        <p:tgtEl>
+                                          <p:spTgt spid="100">
+                                            <p:txEl>
+                                              <p:pRg st="4" end="4"/>
+                                            </p:txEl>
+                                          </p:spTgt>
+                                        </p:tgtEl>
+                                        <p:attrNameLst>
+                                          <p:attrName>style.visibility</p:attrName>
+                                        </p:attrNameLst>
+                                      </p:cBhvr>
+                                      <p:to>
+                                        <p:strVal val="visible"/>
+                                      </p:to>
+                                    </p:set>
+                                    <p:animEffect transition="in" filter="fade">
+                                      <p:cBhvr>
+                                        <p:cTn id="32" dur="500"/>
+                                        <p:tgtEl>
+                                          <p:spTgt spid="100">
+                                            <p:txEl>
+                                              <p:pRg st="4" end="4"/>
                                             </p:txEl>
                                           </p:spTgt>
                                         </p:tgtEl>
